--- a/duy/CAPSTONE PROJECT/CAPSTONE PROJECT REPORT.pptx
+++ b/duy/CAPSTONE PROJECT/CAPSTONE PROJECT REPORT.pptx
@@ -11,6 +11,13 @@
     <p:sldId id="259" r:id="rId5"/>
     <p:sldId id="260" r:id="rId6"/>
     <p:sldId id="261" r:id="rId7"/>
+    <p:sldId id="262" r:id="rId8"/>
+    <p:sldId id="264" r:id="rId9"/>
+    <p:sldId id="265" r:id="rId10"/>
+    <p:sldId id="263" r:id="rId11"/>
+    <p:sldId id="266" r:id="rId12"/>
+    <p:sldId id="267" r:id="rId13"/>
+    <p:sldId id="268" r:id="rId14"/>
   </p:sldIdLst>
   <p:sldSz cx="12192000" cy="6858000"/>
   <p:notesSz cx="6858000" cy="9144000"/>
@@ -343,7 +350,7 @@
           <a:p>
             <a:fld id="{1F6E899E-4C0E-41C7-8157-00F34C0710C4}" type="datetimeFigureOut">
               <a:rPr lang="en-US" smtClean="0"/>
-              <a:t>5/13/2023</a:t>
+              <a:t>5/19/2023</a:t>
             </a:fld>
             <a:endParaRPr lang="en-US"/>
           </a:p>
@@ -551,7 +558,7 @@
           <a:p>
             <a:fld id="{1F6E899E-4C0E-41C7-8157-00F34C0710C4}" type="datetimeFigureOut">
               <a:rPr lang="en-US" smtClean="0"/>
-              <a:t>5/13/2023</a:t>
+              <a:t>5/19/2023</a:t>
             </a:fld>
             <a:endParaRPr lang="en-US"/>
           </a:p>
@@ -807,7 +814,7 @@
           <a:p>
             <a:fld id="{1F6E899E-4C0E-41C7-8157-00F34C0710C4}" type="datetimeFigureOut">
               <a:rPr lang="en-US" smtClean="0"/>
-              <a:t>5/13/2023</a:t>
+              <a:t>5/19/2023</a:t>
             </a:fld>
             <a:endParaRPr lang="en-US"/>
           </a:p>
@@ -977,7 +984,7 @@
           <a:p>
             <a:fld id="{1F6E899E-4C0E-41C7-8157-00F34C0710C4}" type="datetimeFigureOut">
               <a:rPr lang="en-US" smtClean="0"/>
-              <a:t>5/13/2023</a:t>
+              <a:t>5/19/2023</a:t>
             </a:fld>
             <a:endParaRPr lang="en-US"/>
           </a:p>
@@ -1320,7 +1327,7 @@
           <a:p>
             <a:fld id="{1F6E899E-4C0E-41C7-8157-00F34C0710C4}" type="datetimeFigureOut">
               <a:rPr lang="en-US" smtClean="0"/>
-              <a:t>5/13/2023</a:t>
+              <a:t>5/19/2023</a:t>
             </a:fld>
             <a:endParaRPr lang="en-US"/>
           </a:p>
@@ -1595,7 +1602,7 @@
           <a:p>
             <a:fld id="{1F6E899E-4C0E-41C7-8157-00F34C0710C4}" type="datetimeFigureOut">
               <a:rPr lang="en-US" smtClean="0"/>
-              <a:t>5/13/2023</a:t>
+              <a:t>5/19/2023</a:t>
             </a:fld>
             <a:endParaRPr lang="en-US"/>
           </a:p>
@@ -1974,7 +1981,7 @@
           <a:p>
             <a:fld id="{1F6E899E-4C0E-41C7-8157-00F34C0710C4}" type="datetimeFigureOut">
               <a:rPr lang="en-US" smtClean="0"/>
-              <a:t>5/13/2023</a:t>
+              <a:t>5/19/2023</a:t>
             </a:fld>
             <a:endParaRPr lang="en-US"/>
           </a:p>
@@ -2092,7 +2099,7 @@
           <a:p>
             <a:fld id="{1F6E899E-4C0E-41C7-8157-00F34C0710C4}" type="datetimeFigureOut">
               <a:rPr lang="en-US" smtClean="0"/>
-              <a:t>5/13/2023</a:t>
+              <a:t>5/19/2023</a:t>
             </a:fld>
             <a:endParaRPr lang="en-US"/>
           </a:p>
@@ -2263,7 +2270,7 @@
           <a:p>
             <a:fld id="{1F6E899E-4C0E-41C7-8157-00F34C0710C4}" type="datetimeFigureOut">
               <a:rPr lang="en-US" smtClean="0"/>
-              <a:t>5/13/2023</a:t>
+              <a:t>5/19/2023</a:t>
             </a:fld>
             <a:endParaRPr lang="en-US"/>
           </a:p>
@@ -2617,7 +2624,7 @@
           <a:p>
             <a:fld id="{1F6E899E-4C0E-41C7-8157-00F34C0710C4}" type="datetimeFigureOut">
               <a:rPr lang="en-US" smtClean="0"/>
-              <a:t>5/13/2023</a:t>
+              <a:t>5/19/2023</a:t>
             </a:fld>
             <a:endParaRPr lang="en-US"/>
           </a:p>
@@ -2994,7 +3001,7 @@
           <a:p>
             <a:fld id="{1F6E899E-4C0E-41C7-8157-00F34C0710C4}" type="datetimeFigureOut">
               <a:rPr lang="en-US" smtClean="0"/>
-              <a:t>5/13/2023</a:t>
+              <a:t>5/19/2023</a:t>
             </a:fld>
             <a:endParaRPr lang="en-US"/>
           </a:p>
@@ -3281,7 +3288,7 @@
           <a:p>
             <a:fld id="{1F6E899E-4C0E-41C7-8157-00F34C0710C4}" type="datetimeFigureOut">
               <a:rPr lang="en-US" smtClean="0"/>
-              <a:t>5/13/2023</a:t>
+              <a:t>5/19/2023</a:t>
             </a:fld>
             <a:endParaRPr lang="en-US"/>
           </a:p>
@@ -3973,6 +3980,415 @@
 </p:sld>
 </file>
 
+<file path=ppt/slides/slide10.xml><?xml version="1.0" encoding="utf-8"?>
+<p:sld xmlns:a="http://schemas.openxmlformats.org/drawingml/2006/main" xmlns:r="http://schemas.openxmlformats.org/officeDocument/2006/relationships" xmlns:p="http://schemas.openxmlformats.org/presentationml/2006/main">
+  <p:cSld>
+    <p:spTree>
+      <p:nvGrpSpPr>
+        <p:cNvPr id="1" name=""/>
+        <p:cNvGrpSpPr/>
+        <p:nvPr/>
+      </p:nvGrpSpPr>
+      <p:grpSpPr>
+        <a:xfrm>
+          <a:off x="0" y="0"/>
+          <a:ext cx="0" cy="0"/>
+          <a:chOff x="0" y="0"/>
+          <a:chExt cx="0" cy="0"/>
+        </a:xfrm>
+      </p:grpSpPr>
+      <p:sp>
+        <p:nvSpPr>
+          <p:cNvPr id="2" name="Title 1">
+            <a:extLst>
+              <a:ext uri="{FF2B5EF4-FFF2-40B4-BE49-F238E27FC236}">
+                <a16:creationId xmlns:a16="http://schemas.microsoft.com/office/drawing/2014/main" id="{AA601E24-7FD1-589C-44E4-08EBA0BC45EA}"/>
+              </a:ext>
+            </a:extLst>
+          </p:cNvPr>
+          <p:cNvSpPr>
+            <a:spLocks noGrp="1"/>
+          </p:cNvSpPr>
+          <p:nvPr>
+            <p:ph type="title"/>
+          </p:nvPr>
+        </p:nvSpPr>
+        <p:spPr/>
+        <p:txBody>
+          <a:bodyPr/>
+          <a:lstStyle/>
+          <a:p>
+            <a:r>
+              <a:rPr lang="en-GB" dirty="0"/>
+              <a:t>3. SIMULATION PROCESS</a:t>
+            </a:r>
+            <a:br>
+              <a:rPr lang="en-GB" dirty="0"/>
+            </a:br>
+            <a:r>
+              <a:rPr lang="en-GB" sz="3200" dirty="0"/>
+              <a:t>3.4. COMPLETE SIMULATION MODEL</a:t>
+            </a:r>
+            <a:endParaRPr lang="en-US" dirty="0"/>
+          </a:p>
+        </p:txBody>
+      </p:sp>
+      <p:pic>
+        <p:nvPicPr>
+          <p:cNvPr id="4" name="Content Placeholder 3" descr="A picture containing text, diagram, sketch, design&#10;&#10;Description automatically generated">
+            <a:extLst>
+              <a:ext uri="{FF2B5EF4-FFF2-40B4-BE49-F238E27FC236}">
+                <a16:creationId xmlns:a16="http://schemas.microsoft.com/office/drawing/2014/main" id="{4B43E48F-899F-7755-BC90-ABCA9FE44135}"/>
+              </a:ext>
+            </a:extLst>
+          </p:cNvPr>
+          <p:cNvPicPr>
+            <a:picLocks noGrp="1" noChangeAspect="1"/>
+          </p:cNvPicPr>
+          <p:nvPr>
+            <p:ph idx="1"/>
+          </p:nvPr>
+        </p:nvPicPr>
+        <p:blipFill>
+          <a:blip r:embed="rId2"/>
+          <a:stretch>
+            <a:fillRect/>
+          </a:stretch>
+        </p:blipFill>
+        <p:spPr>
+          <a:xfrm>
+            <a:off x="1335982" y="1846263"/>
+            <a:ext cx="9580362" cy="4022725"/>
+          </a:xfrm>
+          <a:prstGeom prst="rect">
+            <a:avLst/>
+          </a:prstGeom>
+        </p:spPr>
+      </p:pic>
+    </p:spTree>
+    <p:extLst>
+      <p:ext uri="{BB962C8B-B14F-4D97-AF65-F5344CB8AC3E}">
+        <p14:creationId xmlns:p14="http://schemas.microsoft.com/office/powerpoint/2010/main" val="907847968"/>
+      </p:ext>
+    </p:extLst>
+  </p:cSld>
+  <p:clrMapOvr>
+    <a:masterClrMapping/>
+  </p:clrMapOvr>
+</p:sld>
+</file>
+
+<file path=ppt/slides/slide11.xml><?xml version="1.0" encoding="utf-8"?>
+<p:sld xmlns:a="http://schemas.openxmlformats.org/drawingml/2006/main" xmlns:r="http://schemas.openxmlformats.org/officeDocument/2006/relationships" xmlns:p="http://schemas.openxmlformats.org/presentationml/2006/main">
+  <p:cSld>
+    <p:spTree>
+      <p:nvGrpSpPr>
+        <p:cNvPr id="1" name=""/>
+        <p:cNvGrpSpPr/>
+        <p:nvPr/>
+      </p:nvGrpSpPr>
+      <p:grpSpPr>
+        <a:xfrm>
+          <a:off x="0" y="0"/>
+          <a:ext cx="0" cy="0"/>
+          <a:chOff x="0" y="0"/>
+          <a:chExt cx="0" cy="0"/>
+        </a:xfrm>
+      </p:grpSpPr>
+      <p:sp>
+        <p:nvSpPr>
+          <p:cNvPr id="2" name="Title 1">
+            <a:extLst>
+              <a:ext uri="{FF2B5EF4-FFF2-40B4-BE49-F238E27FC236}">
+                <a16:creationId xmlns:a16="http://schemas.microsoft.com/office/drawing/2014/main" id="{AF3A52C7-A354-7807-ED33-B5E0A5BBE12B}"/>
+              </a:ext>
+            </a:extLst>
+          </p:cNvPr>
+          <p:cNvSpPr>
+            <a:spLocks noGrp="1"/>
+          </p:cNvSpPr>
+          <p:nvPr>
+            <p:ph type="title"/>
+          </p:nvPr>
+        </p:nvSpPr>
+        <p:spPr/>
+        <p:txBody>
+          <a:bodyPr/>
+          <a:lstStyle/>
+          <a:p>
+            <a:r>
+              <a:rPr lang="en-GB" dirty="0"/>
+              <a:t>4. RESULT AND EVALUATION</a:t>
+            </a:r>
+            <a:br>
+              <a:rPr lang="en-GB" dirty="0"/>
+            </a:br>
+            <a:r>
+              <a:rPr lang="en-GB" sz="3200" dirty="0"/>
+              <a:t>4.1. AT 10KM/H</a:t>
+            </a:r>
+            <a:endParaRPr lang="en-US" dirty="0"/>
+          </a:p>
+        </p:txBody>
+      </p:sp>
+      <p:pic>
+        <p:nvPicPr>
+          <p:cNvPr id="5" name="Content Placeholder 4" descr="A picture containing line, plot, diagram, text&#10;&#10;Description automatically generated">
+            <a:extLst>
+              <a:ext uri="{FF2B5EF4-FFF2-40B4-BE49-F238E27FC236}">
+                <a16:creationId xmlns:a16="http://schemas.microsoft.com/office/drawing/2014/main" id="{219A7B18-B84A-A502-7C2E-BF9BEB9C3133}"/>
+              </a:ext>
+            </a:extLst>
+          </p:cNvPr>
+          <p:cNvPicPr>
+            <a:picLocks noGrp="1" noChangeAspect="1"/>
+          </p:cNvPicPr>
+          <p:nvPr>
+            <p:ph idx="1"/>
+          </p:nvPr>
+        </p:nvPicPr>
+        <p:blipFill>
+          <a:blip r:embed="rId2">
+            <a:extLst>
+              <a:ext uri="{28A0092B-C50C-407E-A947-70E740481C1C}">
+                <a14:useLocalDpi xmlns:a14="http://schemas.microsoft.com/office/drawing/2010/main" val="0"/>
+              </a:ext>
+            </a:extLst>
+          </a:blip>
+          <a:stretch>
+            <a:fillRect/>
+          </a:stretch>
+        </p:blipFill>
+        <p:spPr>
+          <a:xfrm>
+            <a:off x="1096963" y="2089547"/>
+            <a:ext cx="10058400" cy="3536156"/>
+          </a:xfrm>
+        </p:spPr>
+      </p:pic>
+    </p:spTree>
+    <p:extLst>
+      <p:ext uri="{BB962C8B-B14F-4D97-AF65-F5344CB8AC3E}">
+        <p14:creationId xmlns:p14="http://schemas.microsoft.com/office/powerpoint/2010/main" val="3219670005"/>
+      </p:ext>
+    </p:extLst>
+  </p:cSld>
+  <p:clrMapOvr>
+    <a:masterClrMapping/>
+  </p:clrMapOvr>
+</p:sld>
+</file>
+
+<file path=ppt/slides/slide12.xml><?xml version="1.0" encoding="utf-8"?>
+<p:sld xmlns:a="http://schemas.openxmlformats.org/drawingml/2006/main" xmlns:r="http://schemas.openxmlformats.org/officeDocument/2006/relationships" xmlns:p="http://schemas.openxmlformats.org/presentationml/2006/main">
+  <p:cSld>
+    <p:spTree>
+      <p:nvGrpSpPr>
+        <p:cNvPr id="1" name=""/>
+        <p:cNvGrpSpPr/>
+        <p:nvPr/>
+      </p:nvGrpSpPr>
+      <p:grpSpPr>
+        <a:xfrm>
+          <a:off x="0" y="0"/>
+          <a:ext cx="0" cy="0"/>
+          <a:chOff x="0" y="0"/>
+          <a:chExt cx="0" cy="0"/>
+        </a:xfrm>
+      </p:grpSpPr>
+      <p:sp>
+        <p:nvSpPr>
+          <p:cNvPr id="2" name="Title 1">
+            <a:extLst>
+              <a:ext uri="{FF2B5EF4-FFF2-40B4-BE49-F238E27FC236}">
+                <a16:creationId xmlns:a16="http://schemas.microsoft.com/office/drawing/2014/main" id="{AF3A52C7-A354-7807-ED33-B5E0A5BBE12B}"/>
+              </a:ext>
+            </a:extLst>
+          </p:cNvPr>
+          <p:cNvSpPr>
+            <a:spLocks noGrp="1"/>
+          </p:cNvSpPr>
+          <p:nvPr>
+            <p:ph type="title"/>
+          </p:nvPr>
+        </p:nvSpPr>
+        <p:spPr/>
+        <p:txBody>
+          <a:bodyPr/>
+          <a:lstStyle/>
+          <a:p>
+            <a:r>
+              <a:rPr lang="en-GB" dirty="0"/>
+              <a:t>4. RESULT AND EVALUATION</a:t>
+            </a:r>
+            <a:br>
+              <a:rPr lang="en-GB" dirty="0"/>
+            </a:br>
+            <a:r>
+              <a:rPr lang="en-GB" sz="3200" dirty="0"/>
+              <a:t>4.1. AT 10KM/H</a:t>
+            </a:r>
+            <a:endParaRPr lang="en-US" dirty="0"/>
+          </a:p>
+        </p:txBody>
+      </p:sp>
+      <p:pic>
+        <p:nvPicPr>
+          <p:cNvPr id="7" name="Content Placeholder 6" descr="A picture containing text, line, plot, diagram&#10;&#10;Description automatically generated">
+            <a:extLst>
+              <a:ext uri="{FF2B5EF4-FFF2-40B4-BE49-F238E27FC236}">
+                <a16:creationId xmlns:a16="http://schemas.microsoft.com/office/drawing/2014/main" id="{28F4CE7B-B84D-54D7-F46A-B3A6EE092D1F}"/>
+              </a:ext>
+            </a:extLst>
+          </p:cNvPr>
+          <p:cNvPicPr>
+            <a:picLocks noGrp="1" noChangeAspect="1"/>
+          </p:cNvPicPr>
+          <p:nvPr>
+            <p:ph idx="1"/>
+          </p:nvPr>
+        </p:nvPicPr>
+        <p:blipFill rotWithShape="1">
+          <a:blip r:embed="rId2">
+            <a:extLst>
+              <a:ext uri="{28A0092B-C50C-407E-A947-70E740481C1C}">
+                <a14:useLocalDpi xmlns:a14="http://schemas.microsoft.com/office/drawing/2010/main" val="0"/>
+              </a:ext>
+            </a:extLst>
+          </a:blip>
+          <a:srcRect l="8477" r="7132"/>
+          <a:stretch/>
+        </p:blipFill>
+        <p:spPr>
+          <a:xfrm>
+            <a:off x="999250" y="1794295"/>
+            <a:ext cx="10457360" cy="4382218"/>
+          </a:xfrm>
+        </p:spPr>
+      </p:pic>
+    </p:spTree>
+    <p:extLst>
+      <p:ext uri="{BB962C8B-B14F-4D97-AF65-F5344CB8AC3E}">
+        <p14:creationId xmlns:p14="http://schemas.microsoft.com/office/powerpoint/2010/main" val="1854730520"/>
+      </p:ext>
+    </p:extLst>
+  </p:cSld>
+  <p:clrMapOvr>
+    <a:masterClrMapping/>
+  </p:clrMapOvr>
+</p:sld>
+</file>
+
+<file path=ppt/slides/slide13.xml><?xml version="1.0" encoding="utf-8"?>
+<p:sld xmlns:a="http://schemas.openxmlformats.org/drawingml/2006/main" xmlns:r="http://schemas.openxmlformats.org/officeDocument/2006/relationships" xmlns:p="http://schemas.openxmlformats.org/presentationml/2006/main">
+  <p:cSld>
+    <p:spTree>
+      <p:nvGrpSpPr>
+        <p:cNvPr id="1" name=""/>
+        <p:cNvGrpSpPr/>
+        <p:nvPr/>
+      </p:nvGrpSpPr>
+      <p:grpSpPr>
+        <a:xfrm>
+          <a:off x="0" y="0"/>
+          <a:ext cx="0" cy="0"/>
+          <a:chOff x="0" y="0"/>
+          <a:chExt cx="0" cy="0"/>
+        </a:xfrm>
+      </p:grpSpPr>
+      <p:sp>
+        <p:nvSpPr>
+          <p:cNvPr id="2" name="Title 1">
+            <a:extLst>
+              <a:ext uri="{FF2B5EF4-FFF2-40B4-BE49-F238E27FC236}">
+                <a16:creationId xmlns:a16="http://schemas.microsoft.com/office/drawing/2014/main" id="{EF7B1B91-3168-07BC-D9C7-43F714A1299B}"/>
+              </a:ext>
+            </a:extLst>
+          </p:cNvPr>
+          <p:cNvSpPr>
+            <a:spLocks noGrp="1"/>
+          </p:cNvSpPr>
+          <p:nvPr>
+            <p:ph type="title"/>
+          </p:nvPr>
+        </p:nvSpPr>
+        <p:spPr/>
+        <p:txBody>
+          <a:bodyPr/>
+          <a:lstStyle/>
+          <a:p>
+            <a:r>
+              <a:rPr lang="en-GB" dirty="0"/>
+              <a:t>5. FUTURE WORK AND ENHANCEMENT</a:t>
+            </a:r>
+            <a:endParaRPr lang="en-US" dirty="0"/>
+          </a:p>
+        </p:txBody>
+      </p:sp>
+      <p:sp>
+        <p:nvSpPr>
+          <p:cNvPr id="3" name="Content Placeholder 2">
+            <a:extLst>
+              <a:ext uri="{FF2B5EF4-FFF2-40B4-BE49-F238E27FC236}">
+                <a16:creationId xmlns:a16="http://schemas.microsoft.com/office/drawing/2014/main" id="{3C75946D-68EA-D081-2E84-5049E64387B7}"/>
+              </a:ext>
+            </a:extLst>
+          </p:cNvPr>
+          <p:cNvSpPr>
+            <a:spLocks noGrp="1"/>
+          </p:cNvSpPr>
+          <p:nvPr>
+            <p:ph idx="1"/>
+          </p:nvPr>
+        </p:nvSpPr>
+        <p:spPr/>
+        <p:txBody>
+          <a:bodyPr>
+            <a:normAutofit/>
+          </a:bodyPr>
+          <a:lstStyle/>
+          <a:p>
+            <a:pPr>
+              <a:buFont typeface="Arial" panose="020B0604020202020204" pitchFamily="34" charset="0"/>
+              <a:buChar char="•"/>
+            </a:pPr>
+            <a:r>
+              <a:rPr lang="en-GB" sz="2800" dirty="0"/>
+              <a:t> PID coefficients need more adjustment</a:t>
+            </a:r>
+          </a:p>
+          <a:p>
+            <a:pPr>
+              <a:buFont typeface="Arial" panose="020B0604020202020204" pitchFamily="34" charset="0"/>
+              <a:buChar char="•"/>
+            </a:pPr>
+            <a:r>
+              <a:rPr lang="en-GB" sz="2800" dirty="0"/>
+              <a:t> Simulate in more scenarios</a:t>
+            </a:r>
+          </a:p>
+          <a:p>
+            <a:pPr>
+              <a:buFont typeface="Arial" panose="020B0604020202020204" pitchFamily="34" charset="0"/>
+              <a:buChar char="•"/>
+            </a:pPr>
+            <a:endParaRPr lang="en-US" sz="2800" dirty="0"/>
+          </a:p>
+        </p:txBody>
+      </p:sp>
+    </p:spTree>
+    <p:extLst>
+      <p:ext uri="{BB962C8B-B14F-4D97-AF65-F5344CB8AC3E}">
+        <p14:creationId xmlns:p14="http://schemas.microsoft.com/office/powerpoint/2010/main" val="2624957742"/>
+      </p:ext>
+    </p:extLst>
+  </p:cSld>
+  <p:clrMapOvr>
+    <a:masterClrMapping/>
+  </p:clrMapOvr>
+</p:sld>
+</file>
+
 <file path=ppt/slides/slide2.xml><?xml version="1.0" encoding="utf-8"?>
 <p:sld xmlns:a="http://schemas.openxmlformats.org/drawingml/2006/main" xmlns:r="http://schemas.openxmlformats.org/officeDocument/2006/relationships" xmlns:p="http://schemas.openxmlformats.org/presentationml/2006/main">
   <p:cSld>
@@ -4079,6 +4495,16 @@
             <a:r>
               <a:rPr lang="en-GB" sz="3200" dirty="0"/>
               <a:t>RESULTS AND EVALUATION</a:t>
+            </a:r>
+          </a:p>
+          <a:p>
+            <a:pPr marL="457200" indent="-457200">
+              <a:buFont typeface="+mj-lt"/>
+              <a:buAutoNum type="arabicPeriod"/>
+            </a:pPr>
+            <a:r>
+              <a:rPr lang="en-GB" sz="3200" dirty="0"/>
+              <a:t>FUTURE WORK AND ENHANCEMENT</a:t>
             </a:r>
             <a:endParaRPr lang="en-US" sz="3200" dirty="0"/>
           </a:p>
@@ -4316,10 +4742,10 @@
       </p:sp>
       <p:pic>
         <p:nvPicPr>
-          <p:cNvPr id="4" name="Hình ảnh 9">
+          <p:cNvPr id="7" name="Content Placeholder 6" descr="A picture containing text, diagram, plan, screenshot&#10;&#10;Description automatically generated">
             <a:extLst>
               <a:ext uri="{FF2B5EF4-FFF2-40B4-BE49-F238E27FC236}">
-                <a16:creationId xmlns:a16="http://schemas.microsoft.com/office/drawing/2014/main" id="{E0401B35-F08B-2AF1-E09B-87E91393952A}"/>
+                <a16:creationId xmlns:a16="http://schemas.microsoft.com/office/drawing/2014/main" id="{73B5FBBA-21D0-45BC-9DED-BBC805E0DC50}"/>
               </a:ext>
             </a:extLst>
           </p:cNvPr>
@@ -4338,8 +4764,8 @@
         </p:blipFill>
         <p:spPr>
           <a:xfrm>
-            <a:off x="853698" y="954811"/>
-            <a:ext cx="10484603" cy="5180307"/>
+            <a:off x="1066800" y="954811"/>
+            <a:ext cx="10173419" cy="5356492"/>
           </a:xfrm>
           <a:prstGeom prst="rect">
             <a:avLst/>
@@ -4376,53 +4802,12 @@
           <a:chExt cx="0" cy="0"/>
         </a:xfrm>
       </p:grpSpPr>
-      <p:sp>
-        <p:nvSpPr>
-          <p:cNvPr id="2" name="Title 1">
+      <p:pic>
+        <p:nvPicPr>
+          <p:cNvPr id="9" name="Content Placeholder 6" descr="A picture containing text, diagram, plan, screenshot&#10;&#10;Description automatically generated">
             <a:extLst>
               <a:ext uri="{FF2B5EF4-FFF2-40B4-BE49-F238E27FC236}">
-                <a16:creationId xmlns:a16="http://schemas.microsoft.com/office/drawing/2014/main" id="{119C5C9F-1570-CA95-49B7-538C161B2954}"/>
-              </a:ext>
-            </a:extLst>
-          </p:cNvPr>
-          <p:cNvSpPr>
-            <a:spLocks noGrp="1"/>
-          </p:cNvSpPr>
-          <p:nvPr>
-            <p:ph type="title"/>
-          </p:nvPr>
-        </p:nvSpPr>
-        <p:spPr>
-          <a:xfrm>
-            <a:off x="1131786" y="0"/>
-            <a:ext cx="10058400" cy="1450757"/>
-          </a:xfrm>
-        </p:spPr>
-        <p:txBody>
-          <a:bodyPr/>
-          <a:lstStyle/>
-          <a:p>
-            <a:r>
-              <a:rPr lang="en-GB" dirty="0"/>
-              <a:t>2. THEORETICAL BASIS</a:t>
-            </a:r>
-            <a:br>
-              <a:rPr lang="en-GB" dirty="0"/>
-            </a:br>
-            <a:r>
-              <a:rPr lang="en-GB" sz="3200" dirty="0"/>
-              <a:t>2.2. DYNAMIC EQUILIBRIUM EQUATION</a:t>
-            </a:r>
-            <a:endParaRPr lang="en-US" dirty="0"/>
-          </a:p>
-        </p:txBody>
-      </p:sp>
-      <p:pic>
-        <p:nvPicPr>
-          <p:cNvPr id="4" name="Hình ảnh 9">
-            <a:extLst>
-              <a:ext uri="{FF2B5EF4-FFF2-40B4-BE49-F238E27FC236}">
-                <a16:creationId xmlns:a16="http://schemas.microsoft.com/office/drawing/2014/main" id="{E0401B35-F08B-2AF1-E09B-87E91393952A}"/>
+                <a16:creationId xmlns:a16="http://schemas.microsoft.com/office/drawing/2014/main" id="{17438295-358C-48D4-3B57-BAB51CA80E18}"/>
               </a:ext>
             </a:extLst>
           </p:cNvPr>
@@ -4441,14 +4826,55 @@
         </p:blipFill>
         <p:spPr>
           <a:xfrm>
-            <a:off x="142263" y="1737360"/>
-            <a:ext cx="6714532" cy="4470465"/>
+            <a:off x="135618" y="1623905"/>
+            <a:ext cx="6817892" cy="4543982"/>
           </a:xfrm>
           <a:prstGeom prst="rect">
             <a:avLst/>
           </a:prstGeom>
         </p:spPr>
       </p:pic>
+      <p:sp>
+        <p:nvSpPr>
+          <p:cNvPr id="2" name="Title 1">
+            <a:extLst>
+              <a:ext uri="{FF2B5EF4-FFF2-40B4-BE49-F238E27FC236}">
+                <a16:creationId xmlns:a16="http://schemas.microsoft.com/office/drawing/2014/main" id="{119C5C9F-1570-CA95-49B7-538C161B2954}"/>
+              </a:ext>
+            </a:extLst>
+          </p:cNvPr>
+          <p:cNvSpPr>
+            <a:spLocks noGrp="1"/>
+          </p:cNvSpPr>
+          <p:nvPr>
+            <p:ph type="title"/>
+          </p:nvPr>
+        </p:nvSpPr>
+        <p:spPr>
+          <a:xfrm>
+            <a:off x="1131786" y="0"/>
+            <a:ext cx="10058400" cy="1450757"/>
+          </a:xfrm>
+        </p:spPr>
+        <p:txBody>
+          <a:bodyPr/>
+          <a:lstStyle/>
+          <a:p>
+            <a:r>
+              <a:rPr lang="en-GB" dirty="0"/>
+              <a:t>2. THEORETICAL BASIS</a:t>
+            </a:r>
+            <a:br>
+              <a:rPr lang="en-GB" dirty="0"/>
+            </a:br>
+            <a:r>
+              <a:rPr lang="en-GB" sz="3200" dirty="0"/>
+              <a:t>2.2. DYNAMIC EQUILIBRIUM EQUATION</a:t>
+            </a:r>
+            <a:endParaRPr lang="en-US" dirty="0"/>
+          </a:p>
+        </p:txBody>
+      </p:sp>
       <mc:AlternateContent xmlns:mc="http://schemas.openxmlformats.org/markup-compatibility/2006" xmlns:a14="http://schemas.microsoft.com/office/drawing/2010/main">
         <mc:Choice Requires="a14">
           <p:sp>
@@ -6022,7 +6448,7 @@
         </p:blipFill>
         <p:spPr>
           <a:xfrm>
-            <a:off x="1288418" y="1863516"/>
+            <a:off x="1288418" y="1829011"/>
             <a:ext cx="9615163" cy="4332551"/>
           </a:xfrm>
           <a:prstGeom prst="rect">
@@ -6034,6 +6460,347 @@
     <p:extLst>
       <p:ext uri="{BB962C8B-B14F-4D97-AF65-F5344CB8AC3E}">
         <p14:creationId xmlns:p14="http://schemas.microsoft.com/office/powerpoint/2010/main" val="2837201752"/>
+      </p:ext>
+    </p:extLst>
+  </p:cSld>
+  <p:clrMapOvr>
+    <a:masterClrMapping/>
+  </p:clrMapOvr>
+</p:sld>
+</file>
+
+<file path=ppt/slides/slide7.xml><?xml version="1.0" encoding="utf-8"?>
+<p:sld xmlns:a="http://schemas.openxmlformats.org/drawingml/2006/main" xmlns:r="http://schemas.openxmlformats.org/officeDocument/2006/relationships" xmlns:p="http://schemas.openxmlformats.org/presentationml/2006/main">
+  <p:cSld>
+    <p:spTree>
+      <p:nvGrpSpPr>
+        <p:cNvPr id="1" name=""/>
+        <p:cNvGrpSpPr/>
+        <p:nvPr/>
+      </p:nvGrpSpPr>
+      <p:grpSpPr>
+        <a:xfrm>
+          <a:off x="0" y="0"/>
+          <a:ext cx="0" cy="0"/>
+          <a:chOff x="0" y="0"/>
+          <a:chExt cx="0" cy="0"/>
+        </a:xfrm>
+      </p:grpSpPr>
+      <p:sp>
+        <p:nvSpPr>
+          <p:cNvPr id="2" name="Title 1">
+            <a:extLst>
+              <a:ext uri="{FF2B5EF4-FFF2-40B4-BE49-F238E27FC236}">
+                <a16:creationId xmlns:a16="http://schemas.microsoft.com/office/drawing/2014/main" id="{587F1559-0C73-3AB1-9CA6-943EE2A43937}"/>
+              </a:ext>
+            </a:extLst>
+          </p:cNvPr>
+          <p:cNvSpPr>
+            <a:spLocks noGrp="1"/>
+          </p:cNvSpPr>
+          <p:nvPr>
+            <p:ph type="title"/>
+          </p:nvPr>
+        </p:nvSpPr>
+        <p:spPr/>
+        <p:txBody>
+          <a:bodyPr/>
+          <a:lstStyle/>
+          <a:p>
+            <a:r>
+              <a:rPr lang="en-GB" dirty="0"/>
+              <a:t>3. SIMULATION PROCESS</a:t>
+            </a:r>
+            <a:br>
+              <a:rPr lang="en-GB" dirty="0"/>
+            </a:br>
+            <a:r>
+              <a:rPr lang="en-GB" sz="3200" dirty="0"/>
+              <a:t>3.1 CREATING A PATH</a:t>
+            </a:r>
+            <a:endParaRPr lang="en-US" dirty="0"/>
+          </a:p>
+        </p:txBody>
+      </p:sp>
+      <p:pic>
+        <p:nvPicPr>
+          <p:cNvPr id="4" name="Content Placeholder 3" descr="Illustration of lane-keeping (AB and DE) and lane-changing processes... |  Download Scientific Diagram">
+            <a:extLst>
+              <a:ext uri="{FF2B5EF4-FFF2-40B4-BE49-F238E27FC236}">
+                <a16:creationId xmlns:a16="http://schemas.microsoft.com/office/drawing/2014/main" id="{360C7D03-ADD4-D589-8116-4C31DD660061}"/>
+              </a:ext>
+            </a:extLst>
+          </p:cNvPr>
+          <p:cNvPicPr>
+            <a:picLocks noGrp="1" noChangeAspect="1"/>
+          </p:cNvPicPr>
+          <p:nvPr>
+            <p:ph idx="1"/>
+          </p:nvPr>
+        </p:nvPicPr>
+        <p:blipFill rotWithShape="1">
+          <a:blip r:embed="rId2">
+            <a:extLst>
+              <a:ext uri="{28A0092B-C50C-407E-A947-70E740481C1C}">
+                <a14:useLocalDpi xmlns:a14="http://schemas.microsoft.com/office/drawing/2010/main" val="0"/>
+              </a:ext>
+            </a:extLst>
+          </a:blip>
+          <a:srcRect l="12101" t="4735" r="12037" b="7375"/>
+          <a:stretch/>
+        </p:blipFill>
+        <p:spPr bwMode="auto">
+          <a:xfrm>
+            <a:off x="163902" y="2992379"/>
+            <a:ext cx="6142008" cy="1699404"/>
+          </a:xfrm>
+          <a:prstGeom prst="rect">
+            <a:avLst/>
+          </a:prstGeom>
+          <a:noFill/>
+          <a:ln>
+            <a:noFill/>
+          </a:ln>
+        </p:spPr>
+      </p:pic>
+      <p:pic>
+        <p:nvPicPr>
+          <p:cNvPr id="5" name="Picture 4" descr="Two to Four: Bicycle model for Car | by Archit Rastogi | Medium">
+            <a:extLst>
+              <a:ext uri="{FF2B5EF4-FFF2-40B4-BE49-F238E27FC236}">
+                <a16:creationId xmlns:a16="http://schemas.microsoft.com/office/drawing/2014/main" id="{3BF59C3E-5F9C-F8D7-73F7-0494040B2F83}"/>
+              </a:ext>
+            </a:extLst>
+          </p:cNvPr>
+          <p:cNvPicPr>
+            <a:picLocks noChangeAspect="1"/>
+          </p:cNvPicPr>
+          <p:nvPr/>
+        </p:nvPicPr>
+        <p:blipFill>
+          <a:blip r:embed="rId3">
+            <a:extLst>
+              <a:ext uri="{28A0092B-C50C-407E-A947-70E740481C1C}">
+                <a14:useLocalDpi xmlns:a14="http://schemas.microsoft.com/office/drawing/2010/main" val="0"/>
+              </a:ext>
+            </a:extLst>
+          </a:blip>
+          <a:srcRect/>
+          <a:stretch>
+            <a:fillRect/>
+          </a:stretch>
+        </p:blipFill>
+        <p:spPr bwMode="auto">
+          <a:xfrm>
+            <a:off x="6452558" y="1899102"/>
+            <a:ext cx="5071534" cy="3885958"/>
+          </a:xfrm>
+          <a:prstGeom prst="rect">
+            <a:avLst/>
+          </a:prstGeom>
+          <a:noFill/>
+          <a:ln>
+            <a:noFill/>
+          </a:ln>
+        </p:spPr>
+      </p:pic>
+    </p:spTree>
+    <p:extLst>
+      <p:ext uri="{BB962C8B-B14F-4D97-AF65-F5344CB8AC3E}">
+        <p14:creationId xmlns:p14="http://schemas.microsoft.com/office/powerpoint/2010/main" val="1157736340"/>
+      </p:ext>
+    </p:extLst>
+  </p:cSld>
+  <p:clrMapOvr>
+    <a:masterClrMapping/>
+  </p:clrMapOvr>
+</p:sld>
+</file>
+
+<file path=ppt/slides/slide8.xml><?xml version="1.0" encoding="utf-8"?>
+<p:sld xmlns:a="http://schemas.openxmlformats.org/drawingml/2006/main" xmlns:r="http://schemas.openxmlformats.org/officeDocument/2006/relationships" xmlns:p="http://schemas.openxmlformats.org/presentationml/2006/main">
+  <p:cSld>
+    <p:spTree>
+      <p:nvGrpSpPr>
+        <p:cNvPr id="1" name=""/>
+        <p:cNvGrpSpPr/>
+        <p:nvPr/>
+      </p:nvGrpSpPr>
+      <p:grpSpPr>
+        <a:xfrm>
+          <a:off x="0" y="0"/>
+          <a:ext cx="0" cy="0"/>
+          <a:chOff x="0" y="0"/>
+          <a:chExt cx="0" cy="0"/>
+        </a:xfrm>
+      </p:grpSpPr>
+      <p:sp>
+        <p:nvSpPr>
+          <p:cNvPr id="2" name="Title 1">
+            <a:extLst>
+              <a:ext uri="{FF2B5EF4-FFF2-40B4-BE49-F238E27FC236}">
+                <a16:creationId xmlns:a16="http://schemas.microsoft.com/office/drawing/2014/main" id="{AA601E24-7FD1-589C-44E4-08EBA0BC45EA}"/>
+              </a:ext>
+            </a:extLst>
+          </p:cNvPr>
+          <p:cNvSpPr>
+            <a:spLocks noGrp="1"/>
+          </p:cNvSpPr>
+          <p:nvPr>
+            <p:ph type="title"/>
+          </p:nvPr>
+        </p:nvSpPr>
+        <p:spPr/>
+        <p:txBody>
+          <a:bodyPr/>
+          <a:lstStyle/>
+          <a:p>
+            <a:r>
+              <a:rPr lang="en-GB" dirty="0"/>
+              <a:t>3. SIMULATION PROCESS</a:t>
+            </a:r>
+            <a:br>
+              <a:rPr lang="en-GB" dirty="0"/>
+            </a:br>
+            <a:r>
+              <a:rPr lang="en-GB" sz="3200" dirty="0"/>
+              <a:t>3.2 SIMULATION OF A DRIVER</a:t>
+            </a:r>
+            <a:endParaRPr lang="en-US" dirty="0"/>
+          </a:p>
+        </p:txBody>
+      </p:sp>
+      <p:pic>
+        <p:nvPicPr>
+          <p:cNvPr id="6" name="Content Placeholder 5" descr="A picture containing diagram, design&#10;&#10;Description automatically generated">
+            <a:extLst>
+              <a:ext uri="{FF2B5EF4-FFF2-40B4-BE49-F238E27FC236}">
+                <a16:creationId xmlns:a16="http://schemas.microsoft.com/office/drawing/2014/main" id="{E25A10B3-62AB-CD4B-D9AA-55EB30E7FC6D}"/>
+              </a:ext>
+            </a:extLst>
+          </p:cNvPr>
+          <p:cNvPicPr>
+            <a:picLocks noGrp="1" noChangeAspect="1"/>
+          </p:cNvPicPr>
+          <p:nvPr>
+            <p:ph idx="1"/>
+          </p:nvPr>
+        </p:nvPicPr>
+        <p:blipFill>
+          <a:blip r:embed="rId2"/>
+          <a:stretch>
+            <a:fillRect/>
+          </a:stretch>
+        </p:blipFill>
+        <p:spPr>
+          <a:xfrm>
+            <a:off x="1308054" y="1846263"/>
+            <a:ext cx="9636217" cy="4022725"/>
+          </a:xfrm>
+          <a:prstGeom prst="rect">
+            <a:avLst/>
+          </a:prstGeom>
+        </p:spPr>
+      </p:pic>
+    </p:spTree>
+    <p:extLst>
+      <p:ext uri="{BB962C8B-B14F-4D97-AF65-F5344CB8AC3E}">
+        <p14:creationId xmlns:p14="http://schemas.microsoft.com/office/powerpoint/2010/main" val="144565989"/>
+      </p:ext>
+    </p:extLst>
+  </p:cSld>
+  <p:clrMapOvr>
+    <a:masterClrMapping/>
+  </p:clrMapOvr>
+</p:sld>
+</file>
+
+<file path=ppt/slides/slide9.xml><?xml version="1.0" encoding="utf-8"?>
+<p:sld xmlns:a="http://schemas.openxmlformats.org/drawingml/2006/main" xmlns:r="http://schemas.openxmlformats.org/officeDocument/2006/relationships" xmlns:p="http://schemas.openxmlformats.org/presentationml/2006/main">
+  <p:cSld>
+    <p:spTree>
+      <p:nvGrpSpPr>
+        <p:cNvPr id="1" name=""/>
+        <p:cNvGrpSpPr/>
+        <p:nvPr/>
+      </p:nvGrpSpPr>
+      <p:grpSpPr>
+        <a:xfrm>
+          <a:off x="0" y="0"/>
+          <a:ext cx="0" cy="0"/>
+          <a:chOff x="0" y="0"/>
+          <a:chExt cx="0" cy="0"/>
+        </a:xfrm>
+      </p:grpSpPr>
+      <p:sp>
+        <p:nvSpPr>
+          <p:cNvPr id="2" name="Title 1">
+            <a:extLst>
+              <a:ext uri="{FF2B5EF4-FFF2-40B4-BE49-F238E27FC236}">
+                <a16:creationId xmlns:a16="http://schemas.microsoft.com/office/drawing/2014/main" id="{AA601E24-7FD1-589C-44E4-08EBA0BC45EA}"/>
+              </a:ext>
+            </a:extLst>
+          </p:cNvPr>
+          <p:cNvSpPr>
+            <a:spLocks noGrp="1"/>
+          </p:cNvSpPr>
+          <p:nvPr>
+            <p:ph type="title"/>
+          </p:nvPr>
+        </p:nvSpPr>
+        <p:spPr/>
+        <p:txBody>
+          <a:bodyPr/>
+          <a:lstStyle/>
+          <a:p>
+            <a:r>
+              <a:rPr lang="en-GB" dirty="0"/>
+              <a:t>3. SIMULATION PROCESS</a:t>
+            </a:r>
+            <a:br>
+              <a:rPr lang="en-GB" dirty="0"/>
+            </a:br>
+            <a:r>
+              <a:rPr lang="en-GB" sz="3200" dirty="0"/>
+              <a:t>3.3. DC MOTOR MODEL</a:t>
+            </a:r>
+            <a:endParaRPr lang="en-US" dirty="0"/>
+          </a:p>
+        </p:txBody>
+      </p:sp>
+      <p:pic>
+        <p:nvPicPr>
+          <p:cNvPr id="7" name="Content Placeholder 6">
+            <a:extLst>
+              <a:ext uri="{FF2B5EF4-FFF2-40B4-BE49-F238E27FC236}">
+                <a16:creationId xmlns:a16="http://schemas.microsoft.com/office/drawing/2014/main" id="{327BD686-FE6E-21F2-F46C-DCD39E639721}"/>
+              </a:ext>
+            </a:extLst>
+          </p:cNvPr>
+          <p:cNvPicPr>
+            <a:picLocks noGrp="1" noChangeAspect="1"/>
+          </p:cNvPicPr>
+          <p:nvPr>
+            <p:ph idx="1"/>
+          </p:nvPr>
+        </p:nvPicPr>
+        <p:blipFill>
+          <a:blip r:embed="rId2"/>
+          <a:stretch>
+            <a:fillRect/>
+          </a:stretch>
+        </p:blipFill>
+        <p:spPr>
+          <a:xfrm>
+            <a:off x="1096963" y="2161113"/>
+            <a:ext cx="10058400" cy="3393024"/>
+          </a:xfrm>
+        </p:spPr>
+      </p:pic>
+    </p:spTree>
+    <p:extLst>
+      <p:ext uri="{BB962C8B-B14F-4D97-AF65-F5344CB8AC3E}">
+        <p14:creationId xmlns:p14="http://schemas.microsoft.com/office/powerpoint/2010/main" val="1272022922"/>
       </p:ext>
     </p:extLst>
   </p:cSld>

--- a/duy/CAPSTONE PROJECT/CAPSTONE PROJECT REPORT.pptx
+++ b/duy/CAPSTONE PROJECT/CAPSTONE PROJECT REPORT.pptx
@@ -14,10 +14,17 @@
     <p:sldId id="262" r:id="rId8"/>
     <p:sldId id="264" r:id="rId9"/>
     <p:sldId id="265" r:id="rId10"/>
-    <p:sldId id="263" r:id="rId11"/>
-    <p:sldId id="266" r:id="rId12"/>
-    <p:sldId id="267" r:id="rId13"/>
-    <p:sldId id="268" r:id="rId14"/>
+    <p:sldId id="269" r:id="rId11"/>
+    <p:sldId id="270" r:id="rId12"/>
+    <p:sldId id="263" r:id="rId13"/>
+    <p:sldId id="266" r:id="rId14"/>
+    <p:sldId id="267" r:id="rId15"/>
+    <p:sldId id="271" r:id="rId16"/>
+    <p:sldId id="272" r:id="rId17"/>
+    <p:sldId id="273" r:id="rId18"/>
+    <p:sldId id="274" r:id="rId19"/>
+    <p:sldId id="268" r:id="rId20"/>
+    <p:sldId id="275" r:id="rId21"/>
   </p:sldIdLst>
   <p:sldSz cx="12192000" cy="6858000"/>
   <p:notesSz cx="6858000" cy="9144000"/>
@@ -350,7 +357,7 @@
           <a:p>
             <a:fld id="{1F6E899E-4C0E-41C7-8157-00F34C0710C4}" type="datetimeFigureOut">
               <a:rPr lang="en-US" smtClean="0"/>
-              <a:t>5/19/2023</a:t>
+              <a:t>5/24/2023</a:t>
             </a:fld>
             <a:endParaRPr lang="en-US"/>
           </a:p>
@@ -558,7 +565,7 @@
           <a:p>
             <a:fld id="{1F6E899E-4C0E-41C7-8157-00F34C0710C4}" type="datetimeFigureOut">
               <a:rPr lang="en-US" smtClean="0"/>
-              <a:t>5/19/2023</a:t>
+              <a:t>5/24/2023</a:t>
             </a:fld>
             <a:endParaRPr lang="en-US"/>
           </a:p>
@@ -814,7 +821,7 @@
           <a:p>
             <a:fld id="{1F6E899E-4C0E-41C7-8157-00F34C0710C4}" type="datetimeFigureOut">
               <a:rPr lang="en-US" smtClean="0"/>
-              <a:t>5/19/2023</a:t>
+              <a:t>5/24/2023</a:t>
             </a:fld>
             <a:endParaRPr lang="en-US"/>
           </a:p>
@@ -984,7 +991,7 @@
           <a:p>
             <a:fld id="{1F6E899E-4C0E-41C7-8157-00F34C0710C4}" type="datetimeFigureOut">
               <a:rPr lang="en-US" smtClean="0"/>
-              <a:t>5/19/2023</a:t>
+              <a:t>5/24/2023</a:t>
             </a:fld>
             <a:endParaRPr lang="en-US"/>
           </a:p>
@@ -1327,7 +1334,7 @@
           <a:p>
             <a:fld id="{1F6E899E-4C0E-41C7-8157-00F34C0710C4}" type="datetimeFigureOut">
               <a:rPr lang="en-US" smtClean="0"/>
-              <a:t>5/19/2023</a:t>
+              <a:t>5/24/2023</a:t>
             </a:fld>
             <a:endParaRPr lang="en-US"/>
           </a:p>
@@ -1602,7 +1609,7 @@
           <a:p>
             <a:fld id="{1F6E899E-4C0E-41C7-8157-00F34C0710C4}" type="datetimeFigureOut">
               <a:rPr lang="en-US" smtClean="0"/>
-              <a:t>5/19/2023</a:t>
+              <a:t>5/24/2023</a:t>
             </a:fld>
             <a:endParaRPr lang="en-US"/>
           </a:p>
@@ -1981,7 +1988,7 @@
           <a:p>
             <a:fld id="{1F6E899E-4C0E-41C7-8157-00F34C0710C4}" type="datetimeFigureOut">
               <a:rPr lang="en-US" smtClean="0"/>
-              <a:t>5/19/2023</a:t>
+              <a:t>5/24/2023</a:t>
             </a:fld>
             <a:endParaRPr lang="en-US"/>
           </a:p>
@@ -2099,7 +2106,7 @@
           <a:p>
             <a:fld id="{1F6E899E-4C0E-41C7-8157-00F34C0710C4}" type="datetimeFigureOut">
               <a:rPr lang="en-US" smtClean="0"/>
-              <a:t>5/19/2023</a:t>
+              <a:t>5/24/2023</a:t>
             </a:fld>
             <a:endParaRPr lang="en-US"/>
           </a:p>
@@ -2270,7 +2277,7 @@
           <a:p>
             <a:fld id="{1F6E899E-4C0E-41C7-8157-00F34C0710C4}" type="datetimeFigureOut">
               <a:rPr lang="en-US" smtClean="0"/>
-              <a:t>5/19/2023</a:t>
+              <a:t>5/24/2023</a:t>
             </a:fld>
             <a:endParaRPr lang="en-US"/>
           </a:p>
@@ -2624,7 +2631,7 @@
           <a:p>
             <a:fld id="{1F6E899E-4C0E-41C7-8157-00F34C0710C4}" type="datetimeFigureOut">
               <a:rPr lang="en-US" smtClean="0"/>
-              <a:t>5/19/2023</a:t>
+              <a:t>5/24/2023</a:t>
             </a:fld>
             <a:endParaRPr lang="en-US"/>
           </a:p>
@@ -3001,7 +3008,7 @@
           <a:p>
             <a:fld id="{1F6E899E-4C0E-41C7-8157-00F34C0710C4}" type="datetimeFigureOut">
               <a:rPr lang="en-US" smtClean="0"/>
-              <a:t>5/19/2023</a:t>
+              <a:t>5/24/2023</a:t>
             </a:fld>
             <a:endParaRPr lang="en-US"/>
           </a:p>
@@ -3288,7 +3295,7 @@
           <a:p>
             <a:fld id="{1F6E899E-4C0E-41C7-8157-00F34C0710C4}" type="datetimeFigureOut">
               <a:rPr lang="en-US" smtClean="0"/>
-              <a:t>5/19/2023</a:t>
+              <a:t>5/24/2023</a:t>
             </a:fld>
             <a:endParaRPr lang="en-US"/>
           </a:p>
@@ -4027,7 +4034,7 @@
             </a:br>
             <a:r>
               <a:rPr lang="en-GB" sz="3200" dirty="0"/>
-              <a:t>3.4. COMPLETE SIMULATION MODEL</a:t>
+              <a:t>3.3. DC MOTOR MODEL</a:t>
             </a:r>
             <a:endParaRPr lang="en-US" dirty="0"/>
           </a:p>
@@ -4035,10 +4042,10 @@
       </p:sp>
       <p:pic>
         <p:nvPicPr>
-          <p:cNvPr id="4" name="Content Placeholder 3" descr="A picture containing text, diagram, sketch, design&#10;&#10;Description automatically generated">
+          <p:cNvPr id="6" name="Content Placeholder 5">
             <a:extLst>
               <a:ext uri="{FF2B5EF4-FFF2-40B4-BE49-F238E27FC236}">
-                <a16:creationId xmlns:a16="http://schemas.microsoft.com/office/drawing/2014/main" id="{4B43E48F-899F-7755-BC90-ABCA9FE44135}"/>
+                <a16:creationId xmlns:a16="http://schemas.microsoft.com/office/drawing/2014/main" id="{D861143E-34EE-5BB8-E90C-A5ECF0A86EC0}"/>
               </a:ext>
             </a:extLst>
           </p:cNvPr>
@@ -4050,25 +4057,33 @@
           </p:nvPr>
         </p:nvPicPr>
         <p:blipFill>
-          <a:blip r:embed="rId2"/>
+          <a:blip r:embed="rId2">
+            <a:extLst>
+              <a:ext uri="{28A0092B-C50C-407E-A947-70E740481C1C}">
+                <a14:useLocalDpi xmlns:a14="http://schemas.microsoft.com/office/drawing/2010/main" val="0"/>
+              </a:ext>
+            </a:extLst>
+          </a:blip>
+          <a:srcRect/>
           <a:stretch>
             <a:fillRect/>
           </a:stretch>
         </p:blipFill>
-        <p:spPr>
+        <p:spPr bwMode="auto">
           <a:xfrm>
-            <a:off x="1335982" y="1846263"/>
-            <a:ext cx="9580362" cy="4022725"/>
+            <a:off x="2110991" y="2008943"/>
+            <a:ext cx="7970017" cy="3111698"/>
           </a:xfrm>
           <a:prstGeom prst="rect">
             <a:avLst/>
           </a:prstGeom>
+          <a:noFill/>
         </p:spPr>
       </p:pic>
     </p:spTree>
     <p:extLst>
       <p:ext uri="{BB962C8B-B14F-4D97-AF65-F5344CB8AC3E}">
-        <p14:creationId xmlns:p14="http://schemas.microsoft.com/office/powerpoint/2010/main" val="907847968"/>
+        <p14:creationId xmlns:p14="http://schemas.microsoft.com/office/powerpoint/2010/main" val="2803060457"/>
       </p:ext>
     </p:extLst>
   </p:cSld>
@@ -4100,7 +4115,7 @@
           <p:cNvPr id="2" name="Title 1">
             <a:extLst>
               <a:ext uri="{FF2B5EF4-FFF2-40B4-BE49-F238E27FC236}">
-                <a16:creationId xmlns:a16="http://schemas.microsoft.com/office/drawing/2014/main" id="{AF3A52C7-A354-7807-ED33-B5E0A5BBE12B}"/>
+                <a16:creationId xmlns:a16="http://schemas.microsoft.com/office/drawing/2014/main" id="{AA601E24-7FD1-589C-44E4-08EBA0BC45EA}"/>
               </a:ext>
             </a:extLst>
           </p:cNvPr>
@@ -4111,21 +4126,26 @@
             <p:ph type="title"/>
           </p:nvPr>
         </p:nvSpPr>
-        <p:spPr/>
+        <p:spPr>
+          <a:xfrm>
+            <a:off x="1066800" y="0"/>
+            <a:ext cx="10058400" cy="1450757"/>
+          </a:xfrm>
+        </p:spPr>
         <p:txBody>
           <a:bodyPr/>
           <a:lstStyle/>
           <a:p>
             <a:r>
               <a:rPr lang="en-GB" dirty="0"/>
-              <a:t>4. RESULT AND EVALUATION</a:t>
+              <a:t>3. SIMULATION PROCESS</a:t>
             </a:r>
             <a:br>
               <a:rPr lang="en-GB" dirty="0"/>
             </a:br>
             <a:r>
               <a:rPr lang="en-GB" sz="3200" dirty="0"/>
-              <a:t>4.1. AT 10KM/H</a:t>
+              <a:t>3.3. DC MOTOR MODEL</a:t>
             </a:r>
             <a:endParaRPr lang="en-US" dirty="0"/>
           </a:p>
@@ -4133,10 +4153,10 @@
       </p:sp>
       <p:pic>
         <p:nvPicPr>
-          <p:cNvPr id="5" name="Content Placeholder 4" descr="A picture containing line, plot, diagram, text&#10;&#10;Description automatically generated">
+          <p:cNvPr id="7" name="Content Placeholder 6">
             <a:extLst>
               <a:ext uri="{FF2B5EF4-FFF2-40B4-BE49-F238E27FC236}">
-                <a16:creationId xmlns:a16="http://schemas.microsoft.com/office/drawing/2014/main" id="{219A7B18-B84A-A502-7C2E-BF9BEB9C3133}"/>
+                <a16:creationId xmlns:a16="http://schemas.microsoft.com/office/drawing/2014/main" id="{48095EAB-1AB4-C6F3-83B3-6EA5DC0527C5}"/>
               </a:ext>
             </a:extLst>
           </p:cNvPr>
@@ -4161,15 +4181,18 @@
         </p:blipFill>
         <p:spPr>
           <a:xfrm>
-            <a:off x="1096963" y="2089547"/>
-            <a:ext cx="10058400" cy="3536156"/>
+            <a:off x="1952787" y="1543747"/>
+            <a:ext cx="7959495" cy="4289915"/>
           </a:xfrm>
+          <a:prstGeom prst="rect">
+            <a:avLst/>
+          </a:prstGeom>
         </p:spPr>
       </p:pic>
     </p:spTree>
     <p:extLst>
       <p:ext uri="{BB962C8B-B14F-4D97-AF65-F5344CB8AC3E}">
-        <p14:creationId xmlns:p14="http://schemas.microsoft.com/office/powerpoint/2010/main" val="3219670005"/>
+        <p14:creationId xmlns:p14="http://schemas.microsoft.com/office/powerpoint/2010/main" val="4088232570"/>
       </p:ext>
     </p:extLst>
   </p:cSld>
@@ -4201,7 +4224,7 @@
           <p:cNvPr id="2" name="Title 1">
             <a:extLst>
               <a:ext uri="{FF2B5EF4-FFF2-40B4-BE49-F238E27FC236}">
-                <a16:creationId xmlns:a16="http://schemas.microsoft.com/office/drawing/2014/main" id="{AF3A52C7-A354-7807-ED33-B5E0A5BBE12B}"/>
+                <a16:creationId xmlns:a16="http://schemas.microsoft.com/office/drawing/2014/main" id="{AA601E24-7FD1-589C-44E4-08EBA0BC45EA}"/>
               </a:ext>
             </a:extLst>
           </p:cNvPr>
@@ -4219,14 +4242,14 @@
           <a:p>
             <a:r>
               <a:rPr lang="en-GB" dirty="0"/>
-              <a:t>4. RESULT AND EVALUATION</a:t>
+              <a:t>3. SIMULATION PROCESS</a:t>
             </a:r>
             <a:br>
               <a:rPr lang="en-GB" dirty="0"/>
             </a:br>
             <a:r>
               <a:rPr lang="en-GB" sz="3200" dirty="0"/>
-              <a:t>4.1. AT 10KM/H</a:t>
+              <a:t>3.4. COMPLETE SIMULATION MODEL</a:t>
             </a:r>
             <a:endParaRPr lang="en-US" dirty="0"/>
           </a:p>
@@ -4234,10 +4257,10 @@
       </p:sp>
       <p:pic>
         <p:nvPicPr>
-          <p:cNvPr id="7" name="Content Placeholder 6" descr="A picture containing text, line, plot, diagram&#10;&#10;Description automatically generated">
+          <p:cNvPr id="4" name="Content Placeholder 3" descr="A picture containing text, diagram, sketch, design&#10;&#10;Description automatically generated">
             <a:extLst>
               <a:ext uri="{FF2B5EF4-FFF2-40B4-BE49-F238E27FC236}">
-                <a16:creationId xmlns:a16="http://schemas.microsoft.com/office/drawing/2014/main" id="{28F4CE7B-B84D-54D7-F46A-B3A6EE092D1F}"/>
+                <a16:creationId xmlns:a16="http://schemas.microsoft.com/office/drawing/2014/main" id="{4B43E48F-899F-7755-BC90-ABCA9FE44135}"/>
               </a:ext>
             </a:extLst>
           </p:cNvPr>
@@ -4248,28 +4271,26 @@
             <p:ph idx="1"/>
           </p:nvPr>
         </p:nvPicPr>
-        <p:blipFill rotWithShape="1">
-          <a:blip r:embed="rId2">
-            <a:extLst>
-              <a:ext uri="{28A0092B-C50C-407E-A947-70E740481C1C}">
-                <a14:useLocalDpi xmlns:a14="http://schemas.microsoft.com/office/drawing/2010/main" val="0"/>
-              </a:ext>
-            </a:extLst>
-          </a:blip>
-          <a:srcRect l="8477" r="7132"/>
-          <a:stretch/>
+        <p:blipFill>
+          <a:blip r:embed="rId2"/>
+          <a:stretch>
+            <a:fillRect/>
+          </a:stretch>
         </p:blipFill>
         <p:spPr>
           <a:xfrm>
-            <a:off x="999250" y="1794295"/>
-            <a:ext cx="10457360" cy="4382218"/>
+            <a:off x="1336299" y="1885009"/>
+            <a:ext cx="9580362" cy="4022725"/>
           </a:xfrm>
+          <a:prstGeom prst="rect">
+            <a:avLst/>
+          </a:prstGeom>
         </p:spPr>
       </p:pic>
     </p:spTree>
     <p:extLst>
       <p:ext uri="{BB962C8B-B14F-4D97-AF65-F5344CB8AC3E}">
-        <p14:creationId xmlns:p14="http://schemas.microsoft.com/office/powerpoint/2010/main" val="1854730520"/>
+        <p14:creationId xmlns:p14="http://schemas.microsoft.com/office/powerpoint/2010/main" val="907847968"/>
       </p:ext>
     </p:extLst>
   </p:cSld>
@@ -4301,6 +4322,853 @@
           <p:cNvPr id="2" name="Title 1">
             <a:extLst>
               <a:ext uri="{FF2B5EF4-FFF2-40B4-BE49-F238E27FC236}">
+                <a16:creationId xmlns:a16="http://schemas.microsoft.com/office/drawing/2014/main" id="{AF3A52C7-A354-7807-ED33-B5E0A5BBE12B}"/>
+              </a:ext>
+            </a:extLst>
+          </p:cNvPr>
+          <p:cNvSpPr>
+            <a:spLocks noGrp="1"/>
+          </p:cNvSpPr>
+          <p:nvPr>
+            <p:ph type="title"/>
+          </p:nvPr>
+        </p:nvSpPr>
+        <p:spPr/>
+        <p:txBody>
+          <a:bodyPr/>
+          <a:lstStyle/>
+          <a:p>
+            <a:r>
+              <a:rPr lang="en-GB" dirty="0"/>
+              <a:t>4. RESULT AND EVALUATION</a:t>
+            </a:r>
+            <a:br>
+              <a:rPr lang="en-GB" dirty="0"/>
+            </a:br>
+            <a:r>
+              <a:rPr lang="en-GB" sz="3200" dirty="0"/>
+              <a:t>4.1. OUTPUT RESPONSE OF DC MOTOR</a:t>
+            </a:r>
+            <a:endParaRPr lang="en-US" dirty="0"/>
+          </a:p>
+        </p:txBody>
+      </p:sp>
+      <p:pic>
+        <p:nvPicPr>
+          <p:cNvPr id="6" name="Content Placeholder 5" descr="A picture containing text, line, number, screenshot&#10;&#10;Description automatically generated">
+            <a:extLst>
+              <a:ext uri="{FF2B5EF4-FFF2-40B4-BE49-F238E27FC236}">
+                <a16:creationId xmlns:a16="http://schemas.microsoft.com/office/drawing/2014/main" id="{88B6EC45-BEE4-4059-8CDE-64ED87AB6EFC}"/>
+              </a:ext>
+            </a:extLst>
+          </p:cNvPr>
+          <p:cNvPicPr>
+            <a:picLocks noGrp="1" noChangeAspect="1"/>
+          </p:cNvPicPr>
+          <p:nvPr>
+            <p:ph idx="1"/>
+          </p:nvPr>
+        </p:nvPicPr>
+        <p:blipFill>
+          <a:blip r:embed="rId2" cstate="print">
+            <a:extLst>
+              <a:ext uri="{28A0092B-C50C-407E-A947-70E740481C1C}">
+                <a14:useLocalDpi xmlns:a14="http://schemas.microsoft.com/office/drawing/2010/main" val="0"/>
+              </a:ext>
+            </a:extLst>
+          </a:blip>
+          <a:srcRect/>
+          <a:stretch>
+            <a:fillRect/>
+          </a:stretch>
+        </p:blipFill>
+        <p:spPr bwMode="auto">
+          <a:xfrm>
+            <a:off x="-1" y="2225763"/>
+            <a:ext cx="5924489" cy="2780190"/>
+          </a:xfrm>
+          <a:prstGeom prst="rect">
+            <a:avLst/>
+          </a:prstGeom>
+          <a:noFill/>
+          <a:ln>
+            <a:solidFill>
+              <a:schemeClr val="tx1"/>
+            </a:solidFill>
+          </a:ln>
+        </p:spPr>
+      </p:pic>
+      <p:pic>
+        <p:nvPicPr>
+          <p:cNvPr id="7" name="Picture 6" descr="A picture containing text, screenshot, plot, line&#10;&#10;Description automatically generated">
+            <a:extLst>
+              <a:ext uri="{FF2B5EF4-FFF2-40B4-BE49-F238E27FC236}">
+                <a16:creationId xmlns:a16="http://schemas.microsoft.com/office/drawing/2014/main" id="{D92C5668-5604-F061-B2C3-1F08FB363F55}"/>
+              </a:ext>
+            </a:extLst>
+          </p:cNvPr>
+          <p:cNvPicPr>
+            <a:picLocks noChangeAspect="1"/>
+          </p:cNvPicPr>
+          <p:nvPr/>
+        </p:nvPicPr>
+        <p:blipFill rotWithShape="1">
+          <a:blip r:embed="rId3" cstate="print">
+            <a:extLst>
+              <a:ext uri="{28A0092B-C50C-407E-A947-70E740481C1C}">
+                <a14:useLocalDpi xmlns:a14="http://schemas.microsoft.com/office/drawing/2010/main" val="0"/>
+              </a:ext>
+            </a:extLst>
+          </a:blip>
+          <a:srcRect r="816" b="1591"/>
+          <a:stretch/>
+        </p:blipFill>
+        <p:spPr bwMode="auto">
+          <a:xfrm>
+            <a:off x="5924488" y="2225764"/>
+            <a:ext cx="6128833" cy="2780189"/>
+          </a:xfrm>
+          <a:prstGeom prst="rect">
+            <a:avLst/>
+          </a:prstGeom>
+          <a:noFill/>
+          <a:ln>
+            <a:solidFill>
+              <a:schemeClr val="tx1"/>
+            </a:solidFill>
+          </a:ln>
+          <a:extLst>
+            <a:ext uri="{53640926-AAD7-44D8-BBD7-CCE9431645EC}">
+              <a14:shadowObscured xmlns:a14="http://schemas.microsoft.com/office/drawing/2010/main"/>
+            </a:ext>
+          </a:extLst>
+        </p:spPr>
+      </p:pic>
+      <p:sp>
+        <p:nvSpPr>
+          <p:cNvPr id="8" name="TextBox 7">
+            <a:extLst>
+              <a:ext uri="{FF2B5EF4-FFF2-40B4-BE49-F238E27FC236}">
+                <a16:creationId xmlns:a16="http://schemas.microsoft.com/office/drawing/2014/main" id="{3274FBAE-E94B-464E-37D5-45D325A672DC}"/>
+              </a:ext>
+            </a:extLst>
+          </p:cNvPr>
+          <p:cNvSpPr txBox="1"/>
+          <p:nvPr/>
+        </p:nvSpPr>
+        <p:spPr>
+          <a:xfrm>
+            <a:off x="2394750" y="5494356"/>
+            <a:ext cx="7059476" cy="369332"/>
+          </a:xfrm>
+          <a:prstGeom prst="rect">
+            <a:avLst/>
+          </a:prstGeom>
+          <a:noFill/>
+        </p:spPr>
+        <p:txBody>
+          <a:bodyPr wrap="square" rtlCol="0">
+            <a:spAutoFit/>
+          </a:bodyPr>
+          <a:lstStyle/>
+          <a:p>
+            <a:r>
+              <a:rPr lang="en-US" dirty="0">
+                <a:solidFill>
+                  <a:srgbClr val="FF0000"/>
+                </a:solidFill>
+                <a:sym typeface="Wingdings" panose="05000000000000000000" pitchFamily="2" charset="2"/>
+              </a:rPr>
+              <a:t> Both models give out the same results  Both models are correct</a:t>
+            </a:r>
+            <a:endParaRPr lang="en-US" dirty="0">
+              <a:solidFill>
+                <a:srgbClr val="FF0000"/>
+              </a:solidFill>
+            </a:endParaRPr>
+          </a:p>
+        </p:txBody>
+      </p:sp>
+    </p:spTree>
+    <p:extLst>
+      <p:ext uri="{BB962C8B-B14F-4D97-AF65-F5344CB8AC3E}">
+        <p14:creationId xmlns:p14="http://schemas.microsoft.com/office/powerpoint/2010/main" val="3219670005"/>
+      </p:ext>
+    </p:extLst>
+  </p:cSld>
+  <p:clrMapOvr>
+    <a:masterClrMapping/>
+  </p:clrMapOvr>
+</p:sld>
+</file>
+
+<file path=ppt/slides/slide14.xml><?xml version="1.0" encoding="utf-8"?>
+<p:sld xmlns:a="http://schemas.openxmlformats.org/drawingml/2006/main" xmlns:r="http://schemas.openxmlformats.org/officeDocument/2006/relationships" xmlns:p="http://schemas.openxmlformats.org/presentationml/2006/main">
+  <p:cSld>
+    <p:spTree>
+      <p:nvGrpSpPr>
+        <p:cNvPr id="1" name=""/>
+        <p:cNvGrpSpPr/>
+        <p:nvPr/>
+      </p:nvGrpSpPr>
+      <p:grpSpPr>
+        <a:xfrm>
+          <a:off x="0" y="0"/>
+          <a:ext cx="0" cy="0"/>
+          <a:chOff x="0" y="0"/>
+          <a:chExt cx="0" cy="0"/>
+        </a:xfrm>
+      </p:grpSpPr>
+      <p:sp>
+        <p:nvSpPr>
+          <p:cNvPr id="2" name="Title 1">
+            <a:extLst>
+              <a:ext uri="{FF2B5EF4-FFF2-40B4-BE49-F238E27FC236}">
+                <a16:creationId xmlns:a16="http://schemas.microsoft.com/office/drawing/2014/main" id="{AF3A52C7-A354-7807-ED33-B5E0A5BBE12B}"/>
+              </a:ext>
+            </a:extLst>
+          </p:cNvPr>
+          <p:cNvSpPr>
+            <a:spLocks noGrp="1"/>
+          </p:cNvSpPr>
+          <p:nvPr>
+            <p:ph type="title"/>
+          </p:nvPr>
+        </p:nvSpPr>
+        <p:spPr>
+          <a:xfrm>
+            <a:off x="1066800" y="147234"/>
+            <a:ext cx="10058400" cy="1055550"/>
+          </a:xfrm>
+        </p:spPr>
+        <p:txBody>
+          <a:bodyPr>
+            <a:normAutofit/>
+          </a:bodyPr>
+          <a:lstStyle/>
+          <a:p>
+            <a:r>
+              <a:rPr lang="en-GB" sz="4400" dirty="0"/>
+              <a:t>4. RESULT AND EVALUATION</a:t>
+            </a:r>
+            <a:br>
+              <a:rPr lang="en-GB" sz="4400" dirty="0"/>
+            </a:br>
+            <a:r>
+              <a:rPr lang="en-GB" sz="2800" dirty="0"/>
+              <a:t>4.1. AT 10KM/H</a:t>
+            </a:r>
+            <a:endParaRPr lang="en-US" sz="4400" dirty="0"/>
+          </a:p>
+        </p:txBody>
+      </p:sp>
+      <p:pic>
+        <p:nvPicPr>
+          <p:cNvPr id="5" name="Content Placeholder 4" descr="A picture containing text, line, plot, diagram&#10;&#10;Description automatically generated">
+            <a:extLst>
+              <a:ext uri="{FF2B5EF4-FFF2-40B4-BE49-F238E27FC236}">
+                <a16:creationId xmlns:a16="http://schemas.microsoft.com/office/drawing/2014/main" id="{318FC4B7-071C-C748-8E80-A0EDCD41B9F2}"/>
+              </a:ext>
+            </a:extLst>
+          </p:cNvPr>
+          <p:cNvPicPr>
+            <a:picLocks noGrp="1" noChangeAspect="1"/>
+          </p:cNvPicPr>
+          <p:nvPr>
+            <p:ph idx="1"/>
+          </p:nvPr>
+        </p:nvPicPr>
+        <p:blipFill>
+          <a:blip r:embed="rId2" cstate="print">
+            <a:extLst>
+              <a:ext uri="{28A0092B-C50C-407E-A947-70E740481C1C}">
+                <a14:useLocalDpi xmlns:a14="http://schemas.microsoft.com/office/drawing/2010/main" val="0"/>
+              </a:ext>
+            </a:extLst>
+          </a:blip>
+          <a:stretch>
+            <a:fillRect/>
+          </a:stretch>
+        </p:blipFill>
+        <p:spPr>
+          <a:xfrm>
+            <a:off x="1880461" y="1202784"/>
+            <a:ext cx="8648054" cy="4738413"/>
+          </a:xfrm>
+          <a:prstGeom prst="rect">
+            <a:avLst/>
+          </a:prstGeom>
+          <a:ln>
+            <a:solidFill>
+              <a:schemeClr val="tx1"/>
+            </a:solidFill>
+          </a:ln>
+        </p:spPr>
+      </p:pic>
+    </p:spTree>
+    <p:extLst>
+      <p:ext uri="{BB962C8B-B14F-4D97-AF65-F5344CB8AC3E}">
+        <p14:creationId xmlns:p14="http://schemas.microsoft.com/office/powerpoint/2010/main" val="1854730520"/>
+      </p:ext>
+    </p:extLst>
+  </p:cSld>
+  <p:clrMapOvr>
+    <a:masterClrMapping/>
+  </p:clrMapOvr>
+</p:sld>
+</file>
+
+<file path=ppt/slides/slide15.xml><?xml version="1.0" encoding="utf-8"?>
+<p:sld xmlns:a="http://schemas.openxmlformats.org/drawingml/2006/main" xmlns:r="http://schemas.openxmlformats.org/officeDocument/2006/relationships" xmlns:p="http://schemas.openxmlformats.org/presentationml/2006/main">
+  <p:cSld>
+    <p:spTree>
+      <p:nvGrpSpPr>
+        <p:cNvPr id="1" name=""/>
+        <p:cNvGrpSpPr/>
+        <p:nvPr/>
+      </p:nvGrpSpPr>
+      <p:grpSpPr>
+        <a:xfrm>
+          <a:off x="0" y="0"/>
+          <a:ext cx="0" cy="0"/>
+          <a:chOff x="0" y="0"/>
+          <a:chExt cx="0" cy="0"/>
+        </a:xfrm>
+      </p:grpSpPr>
+      <p:sp>
+        <p:nvSpPr>
+          <p:cNvPr id="2" name="Title 1">
+            <a:extLst>
+              <a:ext uri="{FF2B5EF4-FFF2-40B4-BE49-F238E27FC236}">
+                <a16:creationId xmlns:a16="http://schemas.microsoft.com/office/drawing/2014/main" id="{AF3A52C7-A354-7807-ED33-B5E0A5BBE12B}"/>
+              </a:ext>
+            </a:extLst>
+          </p:cNvPr>
+          <p:cNvSpPr>
+            <a:spLocks noGrp="1"/>
+          </p:cNvSpPr>
+          <p:nvPr>
+            <p:ph type="title"/>
+          </p:nvPr>
+        </p:nvSpPr>
+        <p:spPr>
+          <a:xfrm>
+            <a:off x="1066800" y="147234"/>
+            <a:ext cx="10058400" cy="1055550"/>
+          </a:xfrm>
+        </p:spPr>
+        <p:txBody>
+          <a:bodyPr>
+            <a:normAutofit/>
+          </a:bodyPr>
+          <a:lstStyle/>
+          <a:p>
+            <a:r>
+              <a:rPr lang="en-GB" sz="4400" dirty="0"/>
+              <a:t>4. RESULT AND EVALUATION</a:t>
+            </a:r>
+            <a:br>
+              <a:rPr lang="en-GB" sz="4400" dirty="0"/>
+            </a:br>
+            <a:r>
+              <a:rPr lang="en-GB" sz="2800" dirty="0"/>
+              <a:t>4.1. AT 10KM/H</a:t>
+            </a:r>
+            <a:endParaRPr lang="en-US" sz="4400" dirty="0"/>
+          </a:p>
+        </p:txBody>
+      </p:sp>
+      <p:pic>
+        <p:nvPicPr>
+          <p:cNvPr id="6" name="Content Placeholder 5" descr="A graph of a steering wheel&#10;&#10;Description automatically generated with low confidence">
+            <a:extLst>
+              <a:ext uri="{FF2B5EF4-FFF2-40B4-BE49-F238E27FC236}">
+                <a16:creationId xmlns:a16="http://schemas.microsoft.com/office/drawing/2014/main" id="{5E351718-8356-9814-8D9B-22C70EBDE1B7}"/>
+              </a:ext>
+            </a:extLst>
+          </p:cNvPr>
+          <p:cNvPicPr>
+            <a:picLocks noGrp="1" noChangeAspect="1"/>
+          </p:cNvPicPr>
+          <p:nvPr>
+            <p:ph idx="1"/>
+          </p:nvPr>
+        </p:nvPicPr>
+        <p:blipFill>
+          <a:blip r:embed="rId2" cstate="print">
+            <a:extLst>
+              <a:ext uri="{28A0092B-C50C-407E-A947-70E740481C1C}">
+                <a14:useLocalDpi xmlns:a14="http://schemas.microsoft.com/office/drawing/2010/main" val="0"/>
+              </a:ext>
+            </a:extLst>
+          </a:blip>
+          <a:stretch>
+            <a:fillRect/>
+          </a:stretch>
+        </p:blipFill>
+        <p:spPr>
+          <a:xfrm>
+            <a:off x="1765632" y="1311272"/>
+            <a:ext cx="8660735" cy="4745362"/>
+          </a:xfrm>
+          <a:prstGeom prst="rect">
+            <a:avLst/>
+          </a:prstGeom>
+          <a:ln>
+            <a:solidFill>
+              <a:schemeClr val="tx1"/>
+            </a:solidFill>
+          </a:ln>
+        </p:spPr>
+      </p:pic>
+    </p:spTree>
+    <p:extLst>
+      <p:ext uri="{BB962C8B-B14F-4D97-AF65-F5344CB8AC3E}">
+        <p14:creationId xmlns:p14="http://schemas.microsoft.com/office/powerpoint/2010/main" val="1978554766"/>
+      </p:ext>
+    </p:extLst>
+  </p:cSld>
+  <p:clrMapOvr>
+    <a:masterClrMapping/>
+  </p:clrMapOvr>
+</p:sld>
+</file>
+
+<file path=ppt/slides/slide16.xml><?xml version="1.0" encoding="utf-8"?>
+<p:sld xmlns:a="http://schemas.openxmlformats.org/drawingml/2006/main" xmlns:r="http://schemas.openxmlformats.org/officeDocument/2006/relationships" xmlns:p="http://schemas.openxmlformats.org/presentationml/2006/main">
+  <p:cSld>
+    <p:spTree>
+      <p:nvGrpSpPr>
+        <p:cNvPr id="1" name=""/>
+        <p:cNvGrpSpPr/>
+        <p:nvPr/>
+      </p:nvGrpSpPr>
+      <p:grpSpPr>
+        <a:xfrm>
+          <a:off x="0" y="0"/>
+          <a:ext cx="0" cy="0"/>
+          <a:chOff x="0" y="0"/>
+          <a:chExt cx="0" cy="0"/>
+        </a:xfrm>
+      </p:grpSpPr>
+      <p:sp>
+        <p:nvSpPr>
+          <p:cNvPr id="2" name="Title 1">
+            <a:extLst>
+              <a:ext uri="{FF2B5EF4-FFF2-40B4-BE49-F238E27FC236}">
+                <a16:creationId xmlns:a16="http://schemas.microsoft.com/office/drawing/2014/main" id="{AF3A52C7-A354-7807-ED33-B5E0A5BBE12B}"/>
+              </a:ext>
+            </a:extLst>
+          </p:cNvPr>
+          <p:cNvSpPr>
+            <a:spLocks noGrp="1"/>
+          </p:cNvSpPr>
+          <p:nvPr>
+            <p:ph type="title"/>
+          </p:nvPr>
+        </p:nvSpPr>
+        <p:spPr>
+          <a:xfrm>
+            <a:off x="1066800" y="147234"/>
+            <a:ext cx="10058400" cy="1055550"/>
+          </a:xfrm>
+        </p:spPr>
+        <p:txBody>
+          <a:bodyPr>
+            <a:normAutofit/>
+          </a:bodyPr>
+          <a:lstStyle/>
+          <a:p>
+            <a:r>
+              <a:rPr lang="en-GB" sz="4400" dirty="0"/>
+              <a:t>4. RESULT AND EVALUATION</a:t>
+            </a:r>
+            <a:br>
+              <a:rPr lang="en-GB" sz="4400" dirty="0"/>
+            </a:br>
+            <a:r>
+              <a:rPr lang="en-GB" sz="2800" dirty="0"/>
+              <a:t>4.1. AT 40KM/H</a:t>
+            </a:r>
+            <a:endParaRPr lang="en-US" sz="4400" dirty="0"/>
+          </a:p>
+        </p:txBody>
+      </p:sp>
+      <p:pic>
+        <p:nvPicPr>
+          <p:cNvPr id="5" name="Content Placeholder 4" descr="A picture containing text, plot, line, screenshot&#10;&#10;Description automatically generated">
+            <a:extLst>
+              <a:ext uri="{FF2B5EF4-FFF2-40B4-BE49-F238E27FC236}">
+                <a16:creationId xmlns:a16="http://schemas.microsoft.com/office/drawing/2014/main" id="{AE3DB56C-B212-CE2D-CAE2-8204E0A6A552}"/>
+              </a:ext>
+            </a:extLst>
+          </p:cNvPr>
+          <p:cNvPicPr>
+            <a:picLocks noGrp="1" noChangeAspect="1"/>
+          </p:cNvPicPr>
+          <p:nvPr>
+            <p:ph idx="1"/>
+          </p:nvPr>
+        </p:nvPicPr>
+        <p:blipFill>
+          <a:blip r:embed="rId2" cstate="print">
+            <a:extLst>
+              <a:ext uri="{28A0092B-C50C-407E-A947-70E740481C1C}">
+                <a14:useLocalDpi xmlns:a14="http://schemas.microsoft.com/office/drawing/2010/main" val="0"/>
+              </a:ext>
+            </a:extLst>
+          </a:blip>
+          <a:stretch>
+            <a:fillRect/>
+          </a:stretch>
+        </p:blipFill>
+        <p:spPr>
+          <a:xfrm>
+            <a:off x="1801889" y="1202784"/>
+            <a:ext cx="8588222" cy="4705630"/>
+          </a:xfrm>
+          <a:prstGeom prst="rect">
+            <a:avLst/>
+          </a:prstGeom>
+          <a:ln>
+            <a:solidFill>
+              <a:schemeClr val="tx1"/>
+            </a:solidFill>
+          </a:ln>
+        </p:spPr>
+      </p:pic>
+    </p:spTree>
+    <p:extLst>
+      <p:ext uri="{BB962C8B-B14F-4D97-AF65-F5344CB8AC3E}">
+        <p14:creationId xmlns:p14="http://schemas.microsoft.com/office/powerpoint/2010/main" val="138390650"/>
+      </p:ext>
+    </p:extLst>
+  </p:cSld>
+  <p:clrMapOvr>
+    <a:masterClrMapping/>
+  </p:clrMapOvr>
+</p:sld>
+</file>
+
+<file path=ppt/slides/slide17.xml><?xml version="1.0" encoding="utf-8"?>
+<p:sld xmlns:a="http://schemas.openxmlformats.org/drawingml/2006/main" xmlns:r="http://schemas.openxmlformats.org/officeDocument/2006/relationships" xmlns:p="http://schemas.openxmlformats.org/presentationml/2006/main">
+  <p:cSld>
+    <p:spTree>
+      <p:nvGrpSpPr>
+        <p:cNvPr id="1" name=""/>
+        <p:cNvGrpSpPr/>
+        <p:nvPr/>
+      </p:nvGrpSpPr>
+      <p:grpSpPr>
+        <a:xfrm>
+          <a:off x="0" y="0"/>
+          <a:ext cx="0" cy="0"/>
+          <a:chOff x="0" y="0"/>
+          <a:chExt cx="0" cy="0"/>
+        </a:xfrm>
+      </p:grpSpPr>
+      <p:sp>
+        <p:nvSpPr>
+          <p:cNvPr id="2" name="Title 1">
+            <a:extLst>
+              <a:ext uri="{FF2B5EF4-FFF2-40B4-BE49-F238E27FC236}">
+                <a16:creationId xmlns:a16="http://schemas.microsoft.com/office/drawing/2014/main" id="{AF3A52C7-A354-7807-ED33-B5E0A5BBE12B}"/>
+              </a:ext>
+            </a:extLst>
+          </p:cNvPr>
+          <p:cNvSpPr>
+            <a:spLocks noGrp="1"/>
+          </p:cNvSpPr>
+          <p:nvPr>
+            <p:ph type="title"/>
+          </p:nvPr>
+        </p:nvSpPr>
+        <p:spPr>
+          <a:xfrm>
+            <a:off x="1066800" y="147234"/>
+            <a:ext cx="10058400" cy="1055550"/>
+          </a:xfrm>
+        </p:spPr>
+        <p:txBody>
+          <a:bodyPr>
+            <a:normAutofit/>
+          </a:bodyPr>
+          <a:lstStyle/>
+          <a:p>
+            <a:r>
+              <a:rPr lang="en-GB" sz="4400" dirty="0"/>
+              <a:t>4. RESULT AND EVALUATION</a:t>
+            </a:r>
+            <a:br>
+              <a:rPr lang="en-GB" sz="4400" dirty="0"/>
+            </a:br>
+            <a:r>
+              <a:rPr lang="en-GB" sz="2800" dirty="0"/>
+              <a:t>4.1. AT 40KM/H</a:t>
+            </a:r>
+            <a:endParaRPr lang="en-US" sz="4400" dirty="0"/>
+          </a:p>
+        </p:txBody>
+      </p:sp>
+      <p:pic>
+        <p:nvPicPr>
+          <p:cNvPr id="5" name="Content Placeholder 4" descr="A graph of a steering wheel&#10;&#10;Description automatically generated with low confidence">
+            <a:extLst>
+              <a:ext uri="{FF2B5EF4-FFF2-40B4-BE49-F238E27FC236}">
+                <a16:creationId xmlns:a16="http://schemas.microsoft.com/office/drawing/2014/main" id="{1A92538C-B0AC-29A5-BDB2-F10215042890}"/>
+              </a:ext>
+            </a:extLst>
+          </p:cNvPr>
+          <p:cNvPicPr>
+            <a:picLocks noGrp="1" noChangeAspect="1"/>
+          </p:cNvPicPr>
+          <p:nvPr>
+            <p:ph idx="1"/>
+          </p:nvPr>
+        </p:nvPicPr>
+        <p:blipFill>
+          <a:blip r:embed="rId2" cstate="print">
+            <a:extLst>
+              <a:ext uri="{28A0092B-C50C-407E-A947-70E740481C1C}">
+                <a14:useLocalDpi xmlns:a14="http://schemas.microsoft.com/office/drawing/2010/main" val="0"/>
+              </a:ext>
+            </a:extLst>
+          </a:blip>
+          <a:stretch>
+            <a:fillRect/>
+          </a:stretch>
+        </p:blipFill>
+        <p:spPr>
+          <a:xfrm>
+            <a:off x="1919208" y="1202784"/>
+            <a:ext cx="8638296" cy="4733067"/>
+          </a:xfrm>
+          <a:prstGeom prst="rect">
+            <a:avLst/>
+          </a:prstGeom>
+          <a:ln>
+            <a:solidFill>
+              <a:schemeClr val="tx1"/>
+            </a:solidFill>
+          </a:ln>
+        </p:spPr>
+      </p:pic>
+    </p:spTree>
+    <p:extLst>
+      <p:ext uri="{BB962C8B-B14F-4D97-AF65-F5344CB8AC3E}">
+        <p14:creationId xmlns:p14="http://schemas.microsoft.com/office/powerpoint/2010/main" val="2625359691"/>
+      </p:ext>
+    </p:extLst>
+  </p:cSld>
+  <p:clrMapOvr>
+    <a:masterClrMapping/>
+  </p:clrMapOvr>
+</p:sld>
+</file>
+
+<file path=ppt/slides/slide18.xml><?xml version="1.0" encoding="utf-8"?>
+<p:sld xmlns:a="http://schemas.openxmlformats.org/drawingml/2006/main" xmlns:r="http://schemas.openxmlformats.org/officeDocument/2006/relationships" xmlns:p="http://schemas.openxmlformats.org/presentationml/2006/main">
+  <p:cSld>
+    <p:spTree>
+      <p:nvGrpSpPr>
+        <p:cNvPr id="1" name=""/>
+        <p:cNvGrpSpPr/>
+        <p:nvPr/>
+      </p:nvGrpSpPr>
+      <p:grpSpPr>
+        <a:xfrm>
+          <a:off x="0" y="0"/>
+          <a:ext cx="0" cy="0"/>
+          <a:chOff x="0" y="0"/>
+          <a:chExt cx="0" cy="0"/>
+        </a:xfrm>
+      </p:grpSpPr>
+      <p:sp>
+        <p:nvSpPr>
+          <p:cNvPr id="2" name="Title 1">
+            <a:extLst>
+              <a:ext uri="{FF2B5EF4-FFF2-40B4-BE49-F238E27FC236}">
+                <a16:creationId xmlns:a16="http://schemas.microsoft.com/office/drawing/2014/main" id="{E2F4E8F5-CE6A-6CD9-4BAD-FB3123181E60}"/>
+              </a:ext>
+            </a:extLst>
+          </p:cNvPr>
+          <p:cNvSpPr>
+            <a:spLocks noGrp="1"/>
+          </p:cNvSpPr>
+          <p:nvPr>
+            <p:ph type="title"/>
+          </p:nvPr>
+        </p:nvSpPr>
+        <p:spPr/>
+        <p:txBody>
+          <a:bodyPr/>
+          <a:lstStyle/>
+          <a:p>
+            <a:r>
+              <a:rPr lang="en-GB" dirty="0"/>
+              <a:t>5. CONCLUSION</a:t>
+            </a:r>
+            <a:endParaRPr lang="en-US" dirty="0"/>
+          </a:p>
+        </p:txBody>
+      </p:sp>
+      <p:sp>
+        <p:nvSpPr>
+          <p:cNvPr id="3" name="Text Placeholder 2">
+            <a:extLst>
+              <a:ext uri="{FF2B5EF4-FFF2-40B4-BE49-F238E27FC236}">
+                <a16:creationId xmlns:a16="http://schemas.microsoft.com/office/drawing/2014/main" id="{F208030F-8D54-5478-641D-1D7EFF563163}"/>
+              </a:ext>
+            </a:extLst>
+          </p:cNvPr>
+          <p:cNvSpPr>
+            <a:spLocks noGrp="1"/>
+          </p:cNvSpPr>
+          <p:nvPr>
+            <p:ph type="body" idx="1"/>
+          </p:nvPr>
+        </p:nvSpPr>
+        <p:spPr/>
+        <p:txBody>
+          <a:bodyPr/>
+          <a:lstStyle/>
+          <a:p>
+            <a:r>
+              <a:rPr lang="en-GB" dirty="0"/>
+              <a:t>Project’s control rules</a:t>
+            </a:r>
+            <a:endParaRPr lang="en-US" dirty="0"/>
+          </a:p>
+        </p:txBody>
+      </p:sp>
+      <p:sp>
+        <p:nvSpPr>
+          <p:cNvPr id="5" name="Text Placeholder 4">
+            <a:extLst>
+              <a:ext uri="{FF2B5EF4-FFF2-40B4-BE49-F238E27FC236}">
+                <a16:creationId xmlns:a16="http://schemas.microsoft.com/office/drawing/2014/main" id="{EC8D7B96-D6A8-A444-2862-B80C878B060F}"/>
+              </a:ext>
+            </a:extLst>
+          </p:cNvPr>
+          <p:cNvSpPr>
+            <a:spLocks noGrp="1"/>
+          </p:cNvSpPr>
+          <p:nvPr>
+            <p:ph type="body" sz="quarter" idx="3"/>
+          </p:nvPr>
+        </p:nvSpPr>
+        <p:spPr/>
+        <p:txBody>
+          <a:bodyPr/>
+          <a:lstStyle/>
+          <a:p>
+            <a:r>
+              <a:rPr lang="en-GB" i="1" dirty="0"/>
+              <a:t>A New Control Strategy of an Electric-Power-Assisted Steering System</a:t>
+            </a:r>
+            <a:endParaRPr lang="en-US" i="1" dirty="0"/>
+          </a:p>
+        </p:txBody>
+      </p:sp>
+      <p:pic>
+        <p:nvPicPr>
+          <p:cNvPr id="7" name="Content Placeholder 6" descr="A picture containing text, screenshot, line, plot&#10;&#10;Description automatically generated">
+            <a:extLst>
+              <a:ext uri="{FF2B5EF4-FFF2-40B4-BE49-F238E27FC236}">
+                <a16:creationId xmlns:a16="http://schemas.microsoft.com/office/drawing/2014/main" id="{C59FD37C-2FC3-29D6-CD98-FF961CA9673B}"/>
+              </a:ext>
+            </a:extLst>
+          </p:cNvPr>
+          <p:cNvPicPr>
+            <a:picLocks noGrp="1" noChangeAspect="1"/>
+          </p:cNvPicPr>
+          <p:nvPr>
+            <p:ph sz="half" idx="2"/>
+          </p:nvPr>
+        </p:nvPicPr>
+        <p:blipFill>
+          <a:blip r:embed="rId2"/>
+          <a:stretch>
+            <a:fillRect/>
+          </a:stretch>
+        </p:blipFill>
+        <p:spPr>
+          <a:xfrm>
+            <a:off x="1096963" y="2895560"/>
+            <a:ext cx="4938712" cy="2660731"/>
+          </a:xfrm>
+          <a:prstGeom prst="rect">
+            <a:avLst/>
+          </a:prstGeom>
+        </p:spPr>
+      </p:pic>
+      <p:pic>
+        <p:nvPicPr>
+          <p:cNvPr id="8" name="Content Placeholder 7" descr="A graph of a driver torque&#10;&#10;Description automatically generated with low confidence">
+            <a:extLst>
+              <a:ext uri="{FF2B5EF4-FFF2-40B4-BE49-F238E27FC236}">
+                <a16:creationId xmlns:a16="http://schemas.microsoft.com/office/drawing/2014/main" id="{FF907256-12F1-AE12-61A2-98B111083C00}"/>
+              </a:ext>
+            </a:extLst>
+          </p:cNvPr>
+          <p:cNvPicPr>
+            <a:picLocks noGrp="1" noChangeAspect="1"/>
+          </p:cNvPicPr>
+          <p:nvPr>
+            <p:ph sz="quarter" idx="4"/>
+          </p:nvPr>
+        </p:nvPicPr>
+        <p:blipFill>
+          <a:blip r:embed="rId3"/>
+          <a:stretch>
+            <a:fillRect/>
+          </a:stretch>
+        </p:blipFill>
+        <p:spPr>
+          <a:xfrm>
+            <a:off x="6505209" y="2582863"/>
+            <a:ext cx="4363182" cy="3286125"/>
+          </a:xfrm>
+          <a:prstGeom prst="rect">
+            <a:avLst/>
+          </a:prstGeom>
+        </p:spPr>
+      </p:pic>
+    </p:spTree>
+    <p:extLst>
+      <p:ext uri="{BB962C8B-B14F-4D97-AF65-F5344CB8AC3E}">
+        <p14:creationId xmlns:p14="http://schemas.microsoft.com/office/powerpoint/2010/main" val="4187011482"/>
+      </p:ext>
+    </p:extLst>
+  </p:cSld>
+  <p:clrMapOvr>
+    <a:masterClrMapping/>
+  </p:clrMapOvr>
+</p:sld>
+</file>
+
+<file path=ppt/slides/slide19.xml><?xml version="1.0" encoding="utf-8"?>
+<p:sld xmlns:a="http://schemas.openxmlformats.org/drawingml/2006/main" xmlns:r="http://schemas.openxmlformats.org/officeDocument/2006/relationships" xmlns:p="http://schemas.openxmlformats.org/presentationml/2006/main">
+  <p:cSld>
+    <p:spTree>
+      <p:nvGrpSpPr>
+        <p:cNvPr id="1" name=""/>
+        <p:cNvGrpSpPr/>
+        <p:nvPr/>
+      </p:nvGrpSpPr>
+      <p:grpSpPr>
+        <a:xfrm>
+          <a:off x="0" y="0"/>
+          <a:ext cx="0" cy="0"/>
+          <a:chOff x="0" y="0"/>
+          <a:chExt cx="0" cy="0"/>
+        </a:xfrm>
+      </p:grpSpPr>
+      <p:sp>
+        <p:nvSpPr>
+          <p:cNvPr id="2" name="Title 1">
+            <a:extLst>
+              <a:ext uri="{FF2B5EF4-FFF2-40B4-BE49-F238E27FC236}">
                 <a16:creationId xmlns:a16="http://schemas.microsoft.com/office/drawing/2014/main" id="{EF7B1B91-3168-07BC-D9C7-43F714A1299B}"/>
               </a:ext>
             </a:extLst>
@@ -4319,7 +5187,7 @@
           <a:p>
             <a:r>
               <a:rPr lang="en-GB" dirty="0"/>
-              <a:t>5. FUTURE WORK AND ENHANCEMENT</a:t>
+              <a:t>6. FUTURE WORK AND ENHANCEMENT</a:t>
             </a:r>
             <a:endParaRPr lang="en-US" dirty="0"/>
           </a:p>
@@ -4354,7 +5222,7 @@
             </a:pPr>
             <a:r>
               <a:rPr lang="en-GB" sz="2800" dirty="0"/>
-              <a:t> PID coefficients need more adjustment</a:t>
+              <a:t> Enhance the accuracy and realism of the simulation model by incorporating data from real-world driving scenarios and testing conditions.</a:t>
             </a:r>
           </a:p>
           <a:p>
@@ -4364,7 +5232,7 @@
             </a:pPr>
             <a:r>
               <a:rPr lang="en-GB" sz="2800" dirty="0"/>
-              <a:t> Simulate in more scenarios</a:t>
+              <a:t>Improve the predictive capabilities of the model, allowing for more accurate and reliable simulations of different driving scenarios.</a:t>
             </a:r>
           </a:p>
           <a:p>
@@ -4372,7 +5240,10 @@
               <a:buFont typeface="Arial" panose="020B0604020202020204" pitchFamily="34" charset="0"/>
               <a:buChar char="•"/>
             </a:pPr>
-            <a:endParaRPr lang="en-US" sz="2800" dirty="0"/>
+            <a:r>
+              <a:rPr lang="en-GB" sz="2800" dirty="0"/>
+              <a:t>Develop new control rules and algorithms for EPS systems could help to further optimize the performance and efficiency of these systems</a:t>
+            </a:r>
           </a:p>
         </p:txBody>
       </p:sp>
@@ -4514,6 +5385,71 @@
     <p:extLst>
       <p:ext uri="{BB962C8B-B14F-4D97-AF65-F5344CB8AC3E}">
         <p14:creationId xmlns:p14="http://schemas.microsoft.com/office/powerpoint/2010/main" val="3408403612"/>
+      </p:ext>
+    </p:extLst>
+  </p:cSld>
+  <p:clrMapOvr>
+    <a:masterClrMapping/>
+  </p:clrMapOvr>
+</p:sld>
+</file>
+
+<file path=ppt/slides/slide20.xml><?xml version="1.0" encoding="utf-8"?>
+<p:sld xmlns:a="http://schemas.openxmlformats.org/drawingml/2006/main" xmlns:r="http://schemas.openxmlformats.org/officeDocument/2006/relationships" xmlns:p="http://schemas.openxmlformats.org/presentationml/2006/main">
+  <p:cSld>
+    <p:spTree>
+      <p:nvGrpSpPr>
+        <p:cNvPr id="1" name=""/>
+        <p:cNvGrpSpPr/>
+        <p:nvPr/>
+      </p:nvGrpSpPr>
+      <p:grpSpPr>
+        <a:xfrm>
+          <a:off x="0" y="0"/>
+          <a:ext cx="0" cy="0"/>
+          <a:chOff x="0" y="0"/>
+          <a:chExt cx="0" cy="0"/>
+        </a:xfrm>
+      </p:grpSpPr>
+      <p:sp>
+        <p:nvSpPr>
+          <p:cNvPr id="2" name="Title 1">
+            <a:extLst>
+              <a:ext uri="{FF2B5EF4-FFF2-40B4-BE49-F238E27FC236}">
+                <a16:creationId xmlns:a16="http://schemas.microsoft.com/office/drawing/2014/main" id="{3A0C3861-E612-37A0-48EB-78489BC56456}"/>
+              </a:ext>
+            </a:extLst>
+          </p:cNvPr>
+          <p:cNvSpPr>
+            <a:spLocks noGrp="1"/>
+          </p:cNvSpPr>
+          <p:nvPr>
+            <p:ph type="title"/>
+          </p:nvPr>
+        </p:nvSpPr>
+        <p:spPr>
+          <a:xfrm>
+            <a:off x="1190787" y="1743444"/>
+            <a:ext cx="10058400" cy="1450757"/>
+          </a:xfrm>
+        </p:spPr>
+        <p:txBody>
+          <a:bodyPr/>
+          <a:lstStyle/>
+          <a:p>
+            <a:pPr algn="ctr"/>
+            <a:r>
+              <a:rPr lang="en-GB" dirty="0"/>
+              <a:t>THANKS FOR YOUR ATTENTION!</a:t>
+            </a:r>
+            <a:endParaRPr lang="en-US" dirty="0"/>
+          </a:p>
+        </p:txBody>
+      </p:sp>
+    </p:spTree>
+    <p:extLst>
+      <p:ext uri="{BB962C8B-B14F-4D97-AF65-F5344CB8AC3E}">
+        <p14:creationId xmlns:p14="http://schemas.microsoft.com/office/powerpoint/2010/main" val="2978840451"/>
       </p:ext>
     </p:extLst>
   </p:cSld>
@@ -6426,10 +7362,10 @@
       </p:sp>
       <p:pic>
         <p:nvPicPr>
-          <p:cNvPr id="6" name="Hình ảnh 3">
+          <p:cNvPr id="7" name="Content Placeholder 6">
             <a:extLst>
               <a:ext uri="{FF2B5EF4-FFF2-40B4-BE49-F238E27FC236}">
-                <a16:creationId xmlns:a16="http://schemas.microsoft.com/office/drawing/2014/main" id="{4C002AAD-3F3C-5357-CEC4-61BE66B56552}"/>
+                <a16:creationId xmlns:a16="http://schemas.microsoft.com/office/drawing/2014/main" id="{F556B640-D2B4-EB22-40AE-54F48938D469}"/>
               </a:ext>
             </a:extLst>
           </p:cNvPr>
@@ -6448,8 +7384,8 @@
         </p:blipFill>
         <p:spPr>
           <a:xfrm>
-            <a:off x="1288418" y="1829011"/>
-            <a:ext cx="9615163" cy="4332551"/>
+            <a:off x="1480087" y="1846263"/>
+            <a:ext cx="8986977" cy="4358648"/>
           </a:xfrm>
           <a:prstGeom prst="rect">
             <a:avLst/>
@@ -6551,7 +7487,7 @@
         </p:blipFill>
         <p:spPr bwMode="auto">
           <a:xfrm>
-            <a:off x="163902" y="2992379"/>
+            <a:off x="458369" y="2992379"/>
             <a:ext cx="6142008" cy="1699404"/>
           </a:xfrm>
           <a:prstGeom prst="rect">
@@ -6770,10 +7706,10 @@
       </p:sp>
       <p:pic>
         <p:nvPicPr>
-          <p:cNvPr id="7" name="Content Placeholder 6">
+          <p:cNvPr id="5" name="Content Placeholder 4" descr="A diagram of a motor circuit&#10;&#10;Description automatically generated with low confidence">
             <a:extLst>
               <a:ext uri="{FF2B5EF4-FFF2-40B4-BE49-F238E27FC236}">
-                <a16:creationId xmlns:a16="http://schemas.microsoft.com/office/drawing/2014/main" id="{327BD686-FE6E-21F2-F46C-DCD39E639721}"/>
+                <a16:creationId xmlns:a16="http://schemas.microsoft.com/office/drawing/2014/main" id="{EB6F6B41-CFCA-51B3-0D49-8F88473ACF52}"/>
               </a:ext>
             </a:extLst>
           </p:cNvPr>
@@ -6785,18 +7721,928 @@
           </p:nvPr>
         </p:nvPicPr>
         <p:blipFill>
-          <a:blip r:embed="rId2"/>
+          <a:blip r:embed="rId2">
+            <a:extLst>
+              <a:ext uri="{28A0092B-C50C-407E-A947-70E740481C1C}">
+                <a14:useLocalDpi xmlns:a14="http://schemas.microsoft.com/office/drawing/2010/main" val="0"/>
+              </a:ext>
+            </a:extLst>
+          </a:blip>
+          <a:srcRect/>
           <a:stretch>
             <a:fillRect/>
           </a:stretch>
         </p:blipFill>
-        <p:spPr>
+        <p:spPr bwMode="auto">
           <a:xfrm>
-            <a:off x="1096963" y="2161113"/>
-            <a:ext cx="10058400" cy="3393024"/>
+            <a:off x="1097280" y="2011845"/>
+            <a:ext cx="5106632" cy="3338476"/>
           </a:xfrm>
+          <a:prstGeom prst="rect">
+            <a:avLst/>
+          </a:prstGeom>
+          <a:noFill/>
+          <a:ln>
+            <a:noFill/>
+          </a:ln>
         </p:spPr>
       </p:pic>
+      <mc:AlternateContent xmlns:mc="http://schemas.openxmlformats.org/markup-compatibility/2006">
+        <mc:Choice xmlns:a14="http://schemas.microsoft.com/office/drawing/2010/main" Requires="a14">
+          <p:sp>
+            <p:nvSpPr>
+              <p:cNvPr id="8" name="TextBox 7">
+                <a:extLst>
+                  <a:ext uri="{FF2B5EF4-FFF2-40B4-BE49-F238E27FC236}">
+                    <a16:creationId xmlns:a16="http://schemas.microsoft.com/office/drawing/2014/main" id="{D678224D-EE6F-DFBD-34E2-C3F4925CF915}"/>
+                  </a:ext>
+                </a:extLst>
+              </p:cNvPr>
+              <p:cNvSpPr txBox="1"/>
+              <p:nvPr/>
+            </p:nvSpPr>
+            <p:spPr>
+              <a:xfrm>
+                <a:off x="6477775" y="1880110"/>
+                <a:ext cx="5528245" cy="4072397"/>
+              </a:xfrm>
+              <a:prstGeom prst="rect">
+                <a:avLst/>
+              </a:prstGeom>
+              <a:noFill/>
+            </p:spPr>
+            <p:txBody>
+              <a:bodyPr wrap="square">
+                <a:spAutoFit/>
+              </a:bodyPr>
+              <a:lstStyle/>
+              <a:p>
+                <a:pPr marL="342900" lvl="0" indent="-342900" algn="just">
+                  <a:lnSpc>
+                    <a:spcPct val="150000"/>
+                  </a:lnSpc>
+                  <a:buFont typeface="Wingdings" panose="05000000000000000000" pitchFamily="2" charset="2"/>
+                  <a:buChar char=""/>
+                </a:pPr>
+                <a:r>
+                  <a:rPr lang="en-US" sz="2000" b="1" dirty="0">
+                    <a:effectLst/>
+                    <a:ea typeface="Calibri" panose="020F0502020204030204" pitchFamily="34" charset="0"/>
+                    <a:cs typeface="Times New Roman" panose="02020603050405020304" pitchFamily="18" charset="0"/>
+                  </a:rPr>
+                  <a:t>Electrical equations:</a:t>
+                </a:r>
+              </a:p>
+              <a:p>
+                <a:pPr marL="742950" lvl="1" indent="-285750" algn="just">
+                  <a:lnSpc>
+                    <a:spcPct val="150000"/>
+                  </a:lnSpc>
+                  <a:buFont typeface="Courier New" panose="02070309020205020404" pitchFamily="49" charset="0"/>
+                  <a:buChar char="o"/>
+                </a:pPr>
+                <a:r>
+                  <a:rPr lang="fr-FR" sz="2000" dirty="0">
+                    <a:effectLst/>
+                    <a:ea typeface="Calibri" panose="020F0502020204030204" pitchFamily="34" charset="0"/>
+                    <a:cs typeface="Times New Roman" panose="02020603050405020304" pitchFamily="18" charset="0"/>
+                  </a:rPr>
+                  <a:t>Armature voltage : </a:t>
+                </a:r>
+                <a14:m>
+                  <m:oMath xmlns:m="http://schemas.openxmlformats.org/officeDocument/2006/math">
+                    <m:r>
+                      <a:rPr lang="en-US" sz="2000" i="1" smtClean="0">
+                        <a:solidFill>
+                          <a:srgbClr val="FF0000"/>
+                        </a:solidFill>
+                        <a:effectLst/>
+                        <a:ea typeface="Calibri" panose="020F0502020204030204" pitchFamily="34" charset="0"/>
+                        <a:cs typeface="Times New Roman" panose="02020603050405020304" pitchFamily="18" charset="0"/>
+                      </a:rPr>
+                      <m:t>𝑒</m:t>
+                    </m:r>
+                    <m:r>
+                      <a:rPr lang="fr-FR" sz="2000" i="1">
+                        <a:solidFill>
+                          <a:srgbClr val="FF0000"/>
+                        </a:solidFill>
+                        <a:effectLst/>
+                        <a:ea typeface="Calibri" panose="020F0502020204030204" pitchFamily="34" charset="0"/>
+                        <a:cs typeface="Times New Roman" panose="02020603050405020304" pitchFamily="18" charset="0"/>
+                      </a:rPr>
+                      <m:t>=</m:t>
+                    </m:r>
+                    <m:sSub>
+                      <m:sSubPr>
+                        <m:ctrlPr>
+                          <a:rPr lang="en-US" sz="2000" i="1">
+                            <a:solidFill>
+                              <a:srgbClr val="FF0000"/>
+                            </a:solidFill>
+                            <a:effectLst/>
+                            <a:ea typeface="Calibri" panose="020F0502020204030204" pitchFamily="34" charset="0"/>
+                            <a:cs typeface="Times New Roman" panose="02020603050405020304" pitchFamily="18" charset="0"/>
+                          </a:rPr>
+                        </m:ctrlPr>
+                      </m:sSubPr>
+                      <m:e>
+                        <m:r>
+                          <a:rPr lang="en-US" sz="2000" i="1">
+                            <a:solidFill>
+                              <a:srgbClr val="FF0000"/>
+                            </a:solidFill>
+                            <a:effectLst/>
+                            <a:ea typeface="Calibri" panose="020F0502020204030204" pitchFamily="34" charset="0"/>
+                            <a:cs typeface="Times New Roman" panose="02020603050405020304" pitchFamily="18" charset="0"/>
+                          </a:rPr>
+                          <m:t>𝐾</m:t>
+                        </m:r>
+                      </m:e>
+                      <m:sub>
+                        <m:r>
+                          <a:rPr lang="en-US" sz="2000" i="1">
+                            <a:solidFill>
+                              <a:srgbClr val="FF0000"/>
+                            </a:solidFill>
+                            <a:effectLst/>
+                            <a:ea typeface="Calibri" panose="020F0502020204030204" pitchFamily="34" charset="0"/>
+                            <a:cs typeface="Times New Roman" panose="02020603050405020304" pitchFamily="18" charset="0"/>
+                          </a:rPr>
+                          <m:t>𝑏</m:t>
+                        </m:r>
+                      </m:sub>
+                    </m:sSub>
+                    <m:acc>
+                      <m:accPr>
+                        <m:chr m:val="̇"/>
+                        <m:ctrlPr>
+                          <a:rPr lang="en-US" sz="2000" i="1">
+                            <a:solidFill>
+                              <a:srgbClr val="FF0000"/>
+                            </a:solidFill>
+                            <a:effectLst/>
+                            <a:ea typeface="Times New Roman" panose="02020603050405020304" pitchFamily="18" charset="0"/>
+                            <a:cs typeface="Times New Roman" panose="02020603050405020304" pitchFamily="18" charset="0"/>
+                          </a:rPr>
+                        </m:ctrlPr>
+                      </m:accPr>
+                      <m:e>
+                        <m:r>
+                          <a:rPr lang="en-US" sz="2000" i="1">
+                            <a:solidFill>
+                              <a:srgbClr val="FF0000"/>
+                            </a:solidFill>
+                            <a:effectLst/>
+                            <a:ea typeface="Calibri" panose="020F0502020204030204" pitchFamily="34" charset="0"/>
+                            <a:cs typeface="Times New Roman" panose="02020603050405020304" pitchFamily="18" charset="0"/>
+                          </a:rPr>
+                          <m:t>𝜃</m:t>
+                        </m:r>
+                      </m:e>
+                    </m:acc>
+                  </m:oMath>
+                </a14:m>
+                <a:endParaRPr lang="en-US" sz="2000" dirty="0">
+                  <a:effectLst/>
+                  <a:ea typeface="Calibri" panose="020F0502020204030204" pitchFamily="34" charset="0"/>
+                  <a:cs typeface="Times New Roman" panose="02020603050405020304" pitchFamily="18" charset="0"/>
+                </a:endParaRPr>
+              </a:p>
+              <a:p>
+                <a:pPr marL="742950" lvl="1" indent="-285750" algn="just">
+                  <a:lnSpc>
+                    <a:spcPct val="150000"/>
+                  </a:lnSpc>
+                  <a:buFont typeface="Courier New" panose="02070309020205020404" pitchFamily="49" charset="0"/>
+                  <a:buChar char="o"/>
+                </a:pPr>
+                <a:r>
+                  <a:rPr lang="en-US" sz="2000" dirty="0">
+                    <a:effectLst/>
+                    <a:ea typeface="Calibri" panose="020F0502020204030204" pitchFamily="34" charset="0"/>
+                    <a:cs typeface="Times New Roman" panose="02020603050405020304" pitchFamily="18" charset="0"/>
+                  </a:rPr>
+                  <a:t>Motor voltage: </a:t>
+                </a:r>
+                <a14:m>
+                  <m:oMath xmlns:m="http://schemas.openxmlformats.org/officeDocument/2006/math">
+                    <m:r>
+                      <a:rPr lang="en-US" sz="2000" i="1" smtClean="0">
+                        <a:solidFill>
+                          <a:srgbClr val="FF0000"/>
+                        </a:solidFill>
+                        <a:effectLst/>
+                        <a:ea typeface="Calibri" panose="020F0502020204030204" pitchFamily="34" charset="0"/>
+                        <a:cs typeface="Times New Roman" panose="02020603050405020304" pitchFamily="18" charset="0"/>
+                      </a:rPr>
+                      <m:t>𝑈</m:t>
+                    </m:r>
+                    <m:r>
+                      <a:rPr lang="en-US" sz="2000" i="1" smtClean="0">
+                        <a:solidFill>
+                          <a:srgbClr val="FF0000"/>
+                        </a:solidFill>
+                        <a:effectLst/>
+                        <a:ea typeface="Calibri" panose="020F0502020204030204" pitchFamily="34" charset="0"/>
+                        <a:cs typeface="Times New Roman" panose="02020603050405020304" pitchFamily="18" charset="0"/>
+                      </a:rPr>
+                      <m:t>=</m:t>
+                    </m:r>
+                    <m:r>
+                      <a:rPr lang="en-US" sz="2000" i="1" smtClean="0">
+                        <a:solidFill>
+                          <a:srgbClr val="FF0000"/>
+                        </a:solidFill>
+                        <a:effectLst/>
+                        <a:ea typeface="Calibri" panose="020F0502020204030204" pitchFamily="34" charset="0"/>
+                        <a:cs typeface="Times New Roman" panose="02020603050405020304" pitchFamily="18" charset="0"/>
+                      </a:rPr>
+                      <m:t>𝐼𝑅</m:t>
+                    </m:r>
+                    <m:r>
+                      <a:rPr lang="en-US" sz="2000" i="1" smtClean="0">
+                        <a:solidFill>
+                          <a:srgbClr val="FF0000"/>
+                        </a:solidFill>
+                        <a:effectLst/>
+                        <a:ea typeface="Calibri" panose="020F0502020204030204" pitchFamily="34" charset="0"/>
+                        <a:cs typeface="Times New Roman" panose="02020603050405020304" pitchFamily="18" charset="0"/>
+                      </a:rPr>
+                      <m:t>+</m:t>
+                    </m:r>
+                    <m:r>
+                      <a:rPr lang="en-US" sz="2000" i="1" smtClean="0">
+                        <a:solidFill>
+                          <a:srgbClr val="FF0000"/>
+                        </a:solidFill>
+                        <a:effectLst/>
+                        <a:ea typeface="Calibri" panose="020F0502020204030204" pitchFamily="34" charset="0"/>
+                        <a:cs typeface="Times New Roman" panose="02020603050405020304" pitchFamily="18" charset="0"/>
+                      </a:rPr>
+                      <m:t>𝐿</m:t>
+                    </m:r>
+                    <m:acc>
+                      <m:accPr>
+                        <m:chr m:val="̇"/>
+                        <m:ctrlPr>
+                          <a:rPr lang="en-US" sz="2000" i="1">
+                            <a:solidFill>
+                              <a:srgbClr val="FF0000"/>
+                            </a:solidFill>
+                            <a:effectLst/>
+                            <a:ea typeface="Calibri" panose="020F0502020204030204" pitchFamily="34" charset="0"/>
+                            <a:cs typeface="Times New Roman" panose="02020603050405020304" pitchFamily="18" charset="0"/>
+                          </a:rPr>
+                        </m:ctrlPr>
+                      </m:accPr>
+                      <m:e>
+                        <m:r>
+                          <a:rPr lang="en-US" sz="2000" i="1">
+                            <a:solidFill>
+                              <a:srgbClr val="FF0000"/>
+                            </a:solidFill>
+                            <a:effectLst/>
+                            <a:ea typeface="Calibri" panose="020F0502020204030204" pitchFamily="34" charset="0"/>
+                            <a:cs typeface="Times New Roman" panose="02020603050405020304" pitchFamily="18" charset="0"/>
+                          </a:rPr>
+                          <m:t>𝐼</m:t>
+                        </m:r>
+                      </m:e>
+                    </m:acc>
+                    <m:r>
+                      <a:rPr lang="en-US" sz="2000" i="1">
+                        <a:solidFill>
+                          <a:srgbClr val="FF0000"/>
+                        </a:solidFill>
+                        <a:effectLst/>
+                        <a:ea typeface="Calibri" panose="020F0502020204030204" pitchFamily="34" charset="0"/>
+                        <a:cs typeface="Times New Roman" panose="02020603050405020304" pitchFamily="18" charset="0"/>
+                      </a:rPr>
+                      <m:t>+</m:t>
+                    </m:r>
+                    <m:r>
+                      <a:rPr lang="en-US" sz="2000" i="1">
+                        <a:solidFill>
+                          <a:srgbClr val="FF0000"/>
+                        </a:solidFill>
+                        <a:effectLst/>
+                        <a:ea typeface="Calibri" panose="020F0502020204030204" pitchFamily="34" charset="0"/>
+                        <a:cs typeface="Times New Roman" panose="02020603050405020304" pitchFamily="18" charset="0"/>
+                      </a:rPr>
+                      <m:t>𝐾</m:t>
+                    </m:r>
+                    <m:acc>
+                      <m:accPr>
+                        <m:chr m:val="̇"/>
+                        <m:ctrlPr>
+                          <a:rPr lang="en-US" sz="2000" i="1">
+                            <a:solidFill>
+                              <a:srgbClr val="FF0000"/>
+                            </a:solidFill>
+                            <a:effectLst/>
+                            <a:ea typeface="Calibri" panose="020F0502020204030204" pitchFamily="34" charset="0"/>
+                            <a:cs typeface="Times New Roman" panose="02020603050405020304" pitchFamily="18" charset="0"/>
+                          </a:rPr>
+                        </m:ctrlPr>
+                      </m:accPr>
+                      <m:e>
+                        <m:r>
+                          <a:rPr lang="en-US" sz="2000" i="1">
+                            <a:solidFill>
+                              <a:srgbClr val="FF0000"/>
+                            </a:solidFill>
+                            <a:effectLst/>
+                            <a:ea typeface="Calibri" panose="020F0502020204030204" pitchFamily="34" charset="0"/>
+                            <a:cs typeface="Times New Roman" panose="02020603050405020304" pitchFamily="18" charset="0"/>
+                          </a:rPr>
+                          <m:t>𝜃</m:t>
+                        </m:r>
+                      </m:e>
+                    </m:acc>
+                  </m:oMath>
+                </a14:m>
+                <a:endParaRPr lang="en-US" sz="2000" dirty="0">
+                  <a:effectLst/>
+                  <a:ea typeface="Calibri" panose="020F0502020204030204" pitchFamily="34" charset="0"/>
+                  <a:cs typeface="Times New Roman" panose="02020603050405020304" pitchFamily="18" charset="0"/>
+                </a:endParaRPr>
+              </a:p>
+              <a:p>
+                <a:pPr marL="342900" lvl="0" indent="-342900" algn="just">
+                  <a:lnSpc>
+                    <a:spcPct val="150000"/>
+                  </a:lnSpc>
+                  <a:buFont typeface="Wingdings" panose="05000000000000000000" pitchFamily="2" charset="2"/>
+                  <a:buChar char=""/>
+                </a:pPr>
+                <a:r>
+                  <a:rPr lang="en-US" sz="2000" b="1" dirty="0">
+                    <a:effectLst/>
+                    <a:ea typeface="Calibri" panose="020F0502020204030204" pitchFamily="34" charset="0"/>
+                    <a:cs typeface="Times New Roman" panose="02020603050405020304" pitchFamily="18" charset="0"/>
+                  </a:rPr>
+                  <a:t>Mechanical equation:</a:t>
+                </a:r>
+              </a:p>
+              <a:p>
+                <a:pPr marL="742950" lvl="1" indent="-285750" algn="just">
+                  <a:lnSpc>
+                    <a:spcPct val="150000"/>
+                  </a:lnSpc>
+                  <a:spcAft>
+                    <a:spcPts val="800"/>
+                  </a:spcAft>
+                  <a:buFont typeface="Courier New" panose="02070309020205020404" pitchFamily="49" charset="0"/>
+                  <a:buChar char="o"/>
+                </a:pPr>
+                <a14:m>
+                  <m:oMath xmlns:m="http://schemas.openxmlformats.org/officeDocument/2006/math">
+                    <m:sSub>
+                      <m:sSubPr>
+                        <m:ctrlPr>
+                          <a:rPr lang="en-US" sz="2000" i="1" smtClean="0">
+                            <a:solidFill>
+                              <a:srgbClr val="FF0000"/>
+                            </a:solidFill>
+                            <a:effectLst/>
+                            <a:ea typeface="Calibri" panose="020F0502020204030204" pitchFamily="34" charset="0"/>
+                            <a:cs typeface="Times New Roman" panose="02020603050405020304" pitchFamily="18" charset="0"/>
+                          </a:rPr>
+                        </m:ctrlPr>
+                      </m:sSubPr>
+                      <m:e>
+                        <m:r>
+                          <a:rPr lang="en-US" sz="2000" i="1">
+                            <a:solidFill>
+                              <a:srgbClr val="FF0000"/>
+                            </a:solidFill>
+                            <a:effectLst/>
+                            <a:ea typeface="Calibri" panose="020F0502020204030204" pitchFamily="34" charset="0"/>
+                            <a:cs typeface="Times New Roman" panose="02020603050405020304" pitchFamily="18" charset="0"/>
+                          </a:rPr>
+                          <m:t>𝑇</m:t>
+                        </m:r>
+                      </m:e>
+                      <m:sub>
+                        <m:r>
+                          <a:rPr lang="en-US" sz="2000" i="1">
+                            <a:solidFill>
+                              <a:srgbClr val="FF0000"/>
+                            </a:solidFill>
+                            <a:effectLst/>
+                            <a:ea typeface="Calibri" panose="020F0502020204030204" pitchFamily="34" charset="0"/>
+                            <a:cs typeface="Times New Roman" panose="02020603050405020304" pitchFamily="18" charset="0"/>
+                          </a:rPr>
+                          <m:t>𝑒</m:t>
+                        </m:r>
+                      </m:sub>
+                    </m:sSub>
+                    <m:r>
+                      <a:rPr lang="en-US" sz="2000" i="1">
+                        <a:solidFill>
+                          <a:srgbClr val="FF0000"/>
+                        </a:solidFill>
+                        <a:effectLst/>
+                        <a:ea typeface="Calibri" panose="020F0502020204030204" pitchFamily="34" charset="0"/>
+                        <a:cs typeface="Times New Roman" panose="02020603050405020304" pitchFamily="18" charset="0"/>
+                      </a:rPr>
+                      <m:t>−</m:t>
+                    </m:r>
+                    <m:sSub>
+                      <m:sSubPr>
+                        <m:ctrlPr>
+                          <a:rPr lang="en-US" sz="2000" i="1">
+                            <a:solidFill>
+                              <a:srgbClr val="FF0000"/>
+                            </a:solidFill>
+                            <a:effectLst/>
+                            <a:ea typeface="Calibri" panose="020F0502020204030204" pitchFamily="34" charset="0"/>
+                            <a:cs typeface="Times New Roman" panose="02020603050405020304" pitchFamily="18" charset="0"/>
+                          </a:rPr>
+                        </m:ctrlPr>
+                      </m:sSubPr>
+                      <m:e>
+                        <m:r>
+                          <a:rPr lang="en-US" sz="2000" i="1">
+                            <a:solidFill>
+                              <a:srgbClr val="FF0000"/>
+                            </a:solidFill>
+                            <a:effectLst/>
+                            <a:ea typeface="Calibri" panose="020F0502020204030204" pitchFamily="34" charset="0"/>
+                            <a:cs typeface="Times New Roman" panose="02020603050405020304" pitchFamily="18" charset="0"/>
+                          </a:rPr>
+                          <m:t>𝑇</m:t>
+                        </m:r>
+                      </m:e>
+                      <m:sub>
+                        <m:r>
+                          <a:rPr lang="en-US" sz="2000" i="1">
+                            <a:solidFill>
+                              <a:srgbClr val="FF0000"/>
+                            </a:solidFill>
+                            <a:effectLst/>
+                            <a:ea typeface="Calibri" panose="020F0502020204030204" pitchFamily="34" charset="0"/>
+                            <a:cs typeface="Times New Roman" panose="02020603050405020304" pitchFamily="18" charset="0"/>
+                          </a:rPr>
+                          <m:t>𝑓</m:t>
+                        </m:r>
+                      </m:sub>
+                    </m:sSub>
+                    <m:r>
+                      <a:rPr lang="en-US" sz="2000" i="1">
+                        <a:solidFill>
+                          <a:srgbClr val="FF0000"/>
+                        </a:solidFill>
+                        <a:effectLst/>
+                        <a:ea typeface="Calibri" panose="020F0502020204030204" pitchFamily="34" charset="0"/>
+                        <a:cs typeface="Times New Roman" panose="02020603050405020304" pitchFamily="18" charset="0"/>
+                      </a:rPr>
+                      <m:t>−</m:t>
+                    </m:r>
+                    <m:sSub>
+                      <m:sSubPr>
+                        <m:ctrlPr>
+                          <a:rPr lang="en-US" sz="2000" i="1">
+                            <a:solidFill>
+                              <a:srgbClr val="FF0000"/>
+                            </a:solidFill>
+                            <a:effectLst/>
+                            <a:ea typeface="Calibri" panose="020F0502020204030204" pitchFamily="34" charset="0"/>
+                            <a:cs typeface="Times New Roman" panose="02020603050405020304" pitchFamily="18" charset="0"/>
+                          </a:rPr>
+                        </m:ctrlPr>
+                      </m:sSubPr>
+                      <m:e>
+                        <m:r>
+                          <a:rPr lang="en-US" sz="2000" i="1">
+                            <a:solidFill>
+                              <a:srgbClr val="FF0000"/>
+                            </a:solidFill>
+                            <a:effectLst/>
+                            <a:ea typeface="Calibri" panose="020F0502020204030204" pitchFamily="34" charset="0"/>
+                            <a:cs typeface="Times New Roman" panose="02020603050405020304" pitchFamily="18" charset="0"/>
+                          </a:rPr>
+                          <m:t>𝑇</m:t>
+                        </m:r>
+                      </m:e>
+                      <m:sub>
+                        <m:r>
+                          <a:rPr lang="en-US" sz="2000" i="1">
+                            <a:solidFill>
+                              <a:srgbClr val="FF0000"/>
+                            </a:solidFill>
+                            <a:effectLst/>
+                            <a:ea typeface="Calibri" panose="020F0502020204030204" pitchFamily="34" charset="0"/>
+                            <a:cs typeface="Times New Roman" panose="02020603050405020304" pitchFamily="18" charset="0"/>
+                          </a:rPr>
+                          <m:t>𝑚</m:t>
+                        </m:r>
+                      </m:sub>
+                    </m:sSub>
+                    <m:r>
+                      <a:rPr lang="en-US" sz="2000" i="1">
+                        <a:solidFill>
+                          <a:srgbClr val="FF0000"/>
+                        </a:solidFill>
+                        <a:effectLst/>
+                        <a:latin typeface="Cambria Math" panose="02040503050406030204" pitchFamily="18" charset="0"/>
+                        <a:ea typeface="Calibri" panose="020F0502020204030204" pitchFamily="34" charset="0"/>
+                        <a:cs typeface="Times New Roman" panose="02020603050405020304" pitchFamily="18" charset="0"/>
+                      </a:rPr>
+                      <m:t>=</m:t>
+                    </m:r>
+                    <m:r>
+                      <a:rPr lang="en-US" sz="2000" i="1">
+                        <a:solidFill>
+                          <a:srgbClr val="FF0000"/>
+                        </a:solidFill>
+                        <a:effectLst/>
+                        <a:latin typeface="Cambria Math" panose="02040503050406030204" pitchFamily="18" charset="0"/>
+                        <a:ea typeface="Calibri" panose="020F0502020204030204" pitchFamily="34" charset="0"/>
+                        <a:cs typeface="Times New Roman" panose="02020603050405020304" pitchFamily="18" charset="0"/>
+                      </a:rPr>
+                      <m:t>𝐽</m:t>
+                    </m:r>
+                    <m:acc>
+                      <m:accPr>
+                        <m:chr m:val="̈"/>
+                        <m:ctrlPr>
+                          <a:rPr lang="en-US" sz="2000" i="1">
+                            <a:solidFill>
+                              <a:srgbClr val="FF0000"/>
+                            </a:solidFill>
+                            <a:effectLst/>
+                            <a:latin typeface="Cambria Math" panose="02040503050406030204" pitchFamily="18" charset="0"/>
+                            <a:ea typeface="Times New Roman" panose="02020603050405020304" pitchFamily="18" charset="0"/>
+                            <a:cs typeface="Times New Roman" panose="02020603050405020304" pitchFamily="18" charset="0"/>
+                          </a:rPr>
+                        </m:ctrlPr>
+                      </m:accPr>
+                      <m:e>
+                        <m:r>
+                          <a:rPr lang="en-US" sz="2000" i="1">
+                            <a:solidFill>
+                              <a:srgbClr val="FF0000"/>
+                            </a:solidFill>
+                            <a:effectLst/>
+                            <a:latin typeface="Cambria Math" panose="02040503050406030204" pitchFamily="18" charset="0"/>
+                            <a:ea typeface="Calibri" panose="020F0502020204030204" pitchFamily="34" charset="0"/>
+                            <a:cs typeface="Times New Roman" panose="02020603050405020304" pitchFamily="18" charset="0"/>
+                          </a:rPr>
+                          <m:t>𝜃</m:t>
+                        </m:r>
+                      </m:e>
+                    </m:acc>
+                  </m:oMath>
+                </a14:m>
+                <a:endParaRPr lang="en-US" sz="2000" dirty="0">
+                  <a:solidFill>
+                    <a:srgbClr val="FF0000"/>
+                  </a:solidFill>
+                  <a:latin typeface="Calibri" panose="020F0502020204030204" pitchFamily="34" charset="0"/>
+                  <a:ea typeface="Calibri" panose="020F0502020204030204" pitchFamily="34" charset="0"/>
+                  <a:cs typeface="Times New Roman" panose="02020603050405020304" pitchFamily="18" charset="0"/>
+                  <a:sym typeface="Wingdings" panose="05000000000000000000" pitchFamily="2" charset="2"/>
+                </a:endParaRPr>
+              </a:p>
+              <a:p>
+                <a:pPr marL="742950" lvl="1" indent="-285750" algn="just">
+                  <a:lnSpc>
+                    <a:spcPct val="150000"/>
+                  </a:lnSpc>
+                  <a:spcAft>
+                    <a:spcPts val="800"/>
+                  </a:spcAft>
+                  <a:buFont typeface="Wingdings" panose="05000000000000000000" pitchFamily="2" charset="2"/>
+                  <a:buChar char="è"/>
+                </a:pPr>
+                <a:r>
+                  <a:rPr lang="en-US" sz="1800" b="1" dirty="0">
+                    <a:effectLst/>
+                    <a:ea typeface="Calibri" panose="020F0502020204030204" pitchFamily="34" charset="0"/>
+                    <a:cs typeface="Times New Roman" panose="02020603050405020304" pitchFamily="18" charset="0"/>
+                  </a:rPr>
+                  <a:t>Assist torque from the motor</a:t>
+                </a:r>
+                <a:r>
+                  <a:rPr lang="en-US" sz="1800" dirty="0">
+                    <a:effectLst/>
+                    <a:ea typeface="Calibri" panose="020F0502020204030204" pitchFamily="34" charset="0"/>
+                    <a:cs typeface="Times New Roman" panose="02020603050405020304" pitchFamily="18" charset="0"/>
+                  </a:rPr>
+                  <a:t>:</a:t>
+                </a:r>
+              </a:p>
+              <a:p>
+                <a:pPr lvl="1" algn="just">
+                  <a:lnSpc>
+                    <a:spcPct val="150000"/>
+                  </a:lnSpc>
+                  <a:spcAft>
+                    <a:spcPts val="800"/>
+                  </a:spcAft>
+                </a:pPr>
+                <a14:m>
+                  <m:oMathPara xmlns:m="http://schemas.openxmlformats.org/officeDocument/2006/math">
+                    <m:oMathParaPr>
+                      <m:jc m:val="centerGroup"/>
+                    </m:oMathParaPr>
+                    <m:oMath xmlns:m="http://schemas.openxmlformats.org/officeDocument/2006/math">
+                      <m:sSub>
+                        <m:sSubPr>
+                          <m:ctrlPr>
+                            <a:rPr lang="en-US" sz="1800" b="1" i="1" smtClean="0">
+                              <a:solidFill>
+                                <a:srgbClr val="FF0000"/>
+                              </a:solidFill>
+                              <a:effectLst/>
+                              <a:latin typeface="Cambria Math" panose="02040503050406030204" pitchFamily="18" charset="0"/>
+                              <a:cs typeface="Times New Roman" panose="02020603050405020304" pitchFamily="18" charset="0"/>
+                            </a:rPr>
+                          </m:ctrlPr>
+                        </m:sSubPr>
+                        <m:e>
+                          <m:r>
+                            <a:rPr lang="en-US" sz="1800" b="1" i="1">
+                              <a:solidFill>
+                                <a:srgbClr val="FF0000"/>
+                              </a:solidFill>
+                              <a:effectLst/>
+                              <a:latin typeface="Cambria Math" panose="02040503050406030204" pitchFamily="18" charset="0"/>
+                              <a:ea typeface="Calibri" panose="020F0502020204030204" pitchFamily="34" charset="0"/>
+                              <a:cs typeface="Times New Roman" panose="02020603050405020304" pitchFamily="18" charset="0"/>
+                            </a:rPr>
+                            <m:t>𝑻</m:t>
+                          </m:r>
+                        </m:e>
+                        <m:sub>
+                          <m:r>
+                            <a:rPr lang="en-US" sz="1800" b="1" i="1">
+                              <a:solidFill>
+                                <a:srgbClr val="FF0000"/>
+                              </a:solidFill>
+                              <a:effectLst/>
+                              <a:latin typeface="Cambria Math" panose="02040503050406030204" pitchFamily="18" charset="0"/>
+                              <a:ea typeface="Calibri" panose="020F0502020204030204" pitchFamily="34" charset="0"/>
+                              <a:cs typeface="Times New Roman" panose="02020603050405020304" pitchFamily="18" charset="0"/>
+                            </a:rPr>
+                            <m:t>𝒎</m:t>
+                          </m:r>
+                        </m:sub>
+                      </m:sSub>
+                      <m:r>
+                        <a:rPr lang="en-US" sz="1800" b="1" i="1">
+                          <a:solidFill>
+                            <a:srgbClr val="FF0000"/>
+                          </a:solidFill>
+                          <a:effectLst/>
+                          <a:latin typeface="Cambria Math" panose="02040503050406030204" pitchFamily="18" charset="0"/>
+                          <a:ea typeface="Calibri" panose="020F0502020204030204" pitchFamily="34" charset="0"/>
+                          <a:cs typeface="Times New Roman" panose="02020603050405020304" pitchFamily="18" charset="0"/>
+                        </a:rPr>
+                        <m:t>=</m:t>
+                      </m:r>
+                      <m:sSub>
+                        <m:sSubPr>
+                          <m:ctrlPr>
+                            <a:rPr lang="en-US" sz="1800" b="1" i="1">
+                              <a:solidFill>
+                                <a:srgbClr val="FF0000"/>
+                              </a:solidFill>
+                              <a:effectLst/>
+                              <a:latin typeface="Cambria Math" panose="02040503050406030204" pitchFamily="18" charset="0"/>
+                              <a:cs typeface="Times New Roman" panose="02020603050405020304" pitchFamily="18" charset="0"/>
+                            </a:rPr>
+                          </m:ctrlPr>
+                        </m:sSubPr>
+                        <m:e>
+                          <m:r>
+                            <a:rPr lang="en-US" sz="1800" b="1" i="1">
+                              <a:solidFill>
+                                <a:srgbClr val="FF0000"/>
+                              </a:solidFill>
+                              <a:effectLst/>
+                              <a:latin typeface="Cambria Math" panose="02040503050406030204" pitchFamily="18" charset="0"/>
+                              <a:ea typeface="Calibri" panose="020F0502020204030204" pitchFamily="34" charset="0"/>
+                              <a:cs typeface="Times New Roman" panose="02020603050405020304" pitchFamily="18" charset="0"/>
+                            </a:rPr>
+                            <m:t>𝑲</m:t>
+                          </m:r>
+                        </m:e>
+                        <m:sub>
+                          <m:r>
+                            <a:rPr lang="en-US" sz="1800" b="1" i="1">
+                              <a:solidFill>
+                                <a:srgbClr val="FF0000"/>
+                              </a:solidFill>
+                              <a:effectLst/>
+                              <a:latin typeface="Cambria Math" panose="02040503050406030204" pitchFamily="18" charset="0"/>
+                              <a:ea typeface="Calibri" panose="020F0502020204030204" pitchFamily="34" charset="0"/>
+                              <a:cs typeface="Times New Roman" panose="02020603050405020304" pitchFamily="18" charset="0"/>
+                            </a:rPr>
+                            <m:t>𝒕</m:t>
+                          </m:r>
+                        </m:sub>
+                      </m:sSub>
+                      <m:r>
+                        <a:rPr lang="en-US" sz="1800" b="1" i="1">
+                          <a:solidFill>
+                            <a:srgbClr val="FF0000"/>
+                          </a:solidFill>
+                          <a:effectLst/>
+                          <a:latin typeface="Cambria Math" panose="02040503050406030204" pitchFamily="18" charset="0"/>
+                          <a:ea typeface="Calibri" panose="020F0502020204030204" pitchFamily="34" charset="0"/>
+                          <a:cs typeface="Times New Roman" panose="02020603050405020304" pitchFamily="18" charset="0"/>
+                        </a:rPr>
+                        <m:t>𝑰</m:t>
+                      </m:r>
+                      <m:r>
+                        <a:rPr lang="en-US" sz="1800" b="1" i="1">
+                          <a:solidFill>
+                            <a:srgbClr val="FF0000"/>
+                          </a:solidFill>
+                          <a:effectLst/>
+                          <a:latin typeface="Cambria Math" panose="02040503050406030204" pitchFamily="18" charset="0"/>
+                          <a:ea typeface="Calibri" panose="020F0502020204030204" pitchFamily="34" charset="0"/>
+                          <a:cs typeface="Times New Roman" panose="02020603050405020304" pitchFamily="18" charset="0"/>
+                        </a:rPr>
+                        <m:t>−</m:t>
+                      </m:r>
+                      <m:r>
+                        <a:rPr lang="en-US" sz="1800" b="1" i="1">
+                          <a:solidFill>
+                            <a:srgbClr val="FF0000"/>
+                          </a:solidFill>
+                          <a:effectLst/>
+                          <a:latin typeface="Cambria Math" panose="02040503050406030204" pitchFamily="18" charset="0"/>
+                          <a:ea typeface="Calibri" panose="020F0502020204030204" pitchFamily="34" charset="0"/>
+                          <a:cs typeface="Times New Roman" panose="02020603050405020304" pitchFamily="18" charset="0"/>
+                        </a:rPr>
+                        <m:t>𝒃</m:t>
+                      </m:r>
+                      <m:acc>
+                        <m:accPr>
+                          <m:chr m:val="̇"/>
+                          <m:ctrlPr>
+                            <a:rPr lang="en-US" sz="1800" b="1" i="1">
+                              <a:solidFill>
+                                <a:srgbClr val="FF0000"/>
+                              </a:solidFill>
+                              <a:effectLst/>
+                              <a:latin typeface="Cambria Math" panose="02040503050406030204" pitchFamily="18" charset="0"/>
+                              <a:ea typeface="Times New Roman" panose="02020603050405020304" pitchFamily="18" charset="0"/>
+                              <a:cs typeface="Times New Roman" panose="02020603050405020304" pitchFamily="18" charset="0"/>
+                            </a:rPr>
+                          </m:ctrlPr>
+                        </m:accPr>
+                        <m:e>
+                          <m:r>
+                            <a:rPr lang="en-US" sz="1800" b="1" i="1">
+                              <a:solidFill>
+                                <a:srgbClr val="FF0000"/>
+                              </a:solidFill>
+                              <a:effectLst/>
+                              <a:latin typeface="Cambria Math" panose="02040503050406030204" pitchFamily="18" charset="0"/>
+                              <a:ea typeface="Calibri" panose="020F0502020204030204" pitchFamily="34" charset="0"/>
+                              <a:cs typeface="Times New Roman" panose="02020603050405020304" pitchFamily="18" charset="0"/>
+                            </a:rPr>
+                            <m:t>𝜽</m:t>
+                          </m:r>
+                        </m:e>
+                      </m:acc>
+                      <m:r>
+                        <a:rPr lang="en-US" sz="1800" b="1" i="1">
+                          <a:solidFill>
+                            <a:srgbClr val="FF0000"/>
+                          </a:solidFill>
+                          <a:effectLst/>
+                          <a:latin typeface="Cambria Math" panose="02040503050406030204" pitchFamily="18" charset="0"/>
+                          <a:ea typeface="Times New Roman" panose="02020603050405020304" pitchFamily="18" charset="0"/>
+                          <a:cs typeface="Times New Roman" panose="02020603050405020304" pitchFamily="18" charset="0"/>
+                        </a:rPr>
+                        <m:t>−</m:t>
+                      </m:r>
+                      <m:r>
+                        <a:rPr lang="en-US" sz="1800" b="1" i="1">
+                          <a:solidFill>
+                            <a:srgbClr val="FF0000"/>
+                          </a:solidFill>
+                          <a:effectLst/>
+                          <a:latin typeface="Cambria Math" panose="02040503050406030204" pitchFamily="18" charset="0"/>
+                          <a:ea typeface="Times New Roman" panose="02020603050405020304" pitchFamily="18" charset="0"/>
+                          <a:cs typeface="Times New Roman" panose="02020603050405020304" pitchFamily="18" charset="0"/>
+                        </a:rPr>
+                        <m:t>𝑱</m:t>
+                      </m:r>
+                      <m:acc>
+                        <m:accPr>
+                          <m:chr m:val="̈"/>
+                          <m:ctrlPr>
+                            <a:rPr lang="en-US" sz="1800" b="1" i="1">
+                              <a:solidFill>
+                                <a:srgbClr val="FF0000"/>
+                              </a:solidFill>
+                              <a:effectLst/>
+                              <a:latin typeface="Cambria Math" panose="02040503050406030204" pitchFamily="18" charset="0"/>
+                              <a:ea typeface="Times New Roman" panose="02020603050405020304" pitchFamily="18" charset="0"/>
+                              <a:cs typeface="Times New Roman" panose="02020603050405020304" pitchFamily="18" charset="0"/>
+                            </a:rPr>
+                          </m:ctrlPr>
+                        </m:accPr>
+                        <m:e>
+                          <m:r>
+                            <a:rPr lang="en-US" sz="1800" b="1" i="1">
+                              <a:solidFill>
+                                <a:srgbClr val="FF0000"/>
+                              </a:solidFill>
+                              <a:effectLst/>
+                              <a:latin typeface="Cambria Math" panose="02040503050406030204" pitchFamily="18" charset="0"/>
+                              <a:ea typeface="Calibri" panose="020F0502020204030204" pitchFamily="34" charset="0"/>
+                              <a:cs typeface="Times New Roman" panose="02020603050405020304" pitchFamily="18" charset="0"/>
+                            </a:rPr>
+                            <m:t>𝜽</m:t>
+                          </m:r>
+                        </m:e>
+                      </m:acc>
+                    </m:oMath>
+                  </m:oMathPara>
+                </a14:m>
+                <a:endParaRPr lang="en-US" dirty="0">
+                  <a:solidFill>
+                    <a:srgbClr val="FF0000"/>
+                  </a:solidFill>
+                  <a:effectLst/>
+                  <a:ea typeface="Calibri" panose="020F0502020204030204" pitchFamily="34" charset="0"/>
+                  <a:cs typeface="Times New Roman" panose="02020603050405020304" pitchFamily="18" charset="0"/>
+                </a:endParaRPr>
+              </a:p>
+              <a:p>
+                <a:pPr lvl="1" algn="just">
+                  <a:lnSpc>
+                    <a:spcPct val="150000"/>
+                  </a:lnSpc>
+                  <a:spcAft>
+                    <a:spcPts val="800"/>
+                  </a:spcAft>
+                </a:pPr>
+                <a:endParaRPr lang="en-US" sz="2000" dirty="0">
+                  <a:solidFill>
+                    <a:srgbClr val="FF0000"/>
+                  </a:solidFill>
+                  <a:latin typeface="Calibri" panose="020F0502020204030204" pitchFamily="34" charset="0"/>
+                  <a:ea typeface="Calibri" panose="020F0502020204030204" pitchFamily="34" charset="0"/>
+                  <a:cs typeface="Times New Roman" panose="02020603050405020304" pitchFamily="18" charset="0"/>
+                </a:endParaRPr>
+              </a:p>
+            </p:txBody>
+          </p:sp>
+        </mc:Choice>
+        <mc:Fallback>
+          <p:sp>
+            <p:nvSpPr>
+              <p:cNvPr id="8" name="TextBox 7">
+                <a:extLst>
+                  <a:ext uri="{FF2B5EF4-FFF2-40B4-BE49-F238E27FC236}">
+                    <a16:creationId xmlns:a16="http://schemas.microsoft.com/office/drawing/2014/main" id="{D678224D-EE6F-DFBD-34E2-C3F4925CF915}"/>
+                  </a:ext>
+                </a:extLst>
+              </p:cNvPr>
+              <p:cNvSpPr txBox="1">
+                <a:spLocks noRot="1" noChangeAspect="1" noMove="1" noResize="1" noEditPoints="1" noAdjustHandles="1" noChangeArrowheads="1" noChangeShapeType="1" noTextEdit="1"/>
+              </p:cNvSpPr>
+              <p:nvPr/>
+            </p:nvSpPr>
+            <p:spPr>
+              <a:xfrm>
+                <a:off x="6477775" y="1880110"/>
+                <a:ext cx="5528245" cy="4072397"/>
+              </a:xfrm>
+              <a:prstGeom prst="rect">
+                <a:avLst/>
+              </a:prstGeom>
+              <a:blipFill>
+                <a:blip r:embed="rId3"/>
+                <a:stretch>
+                  <a:fillRect l="-993"/>
+                </a:stretch>
+              </a:blipFill>
+            </p:spPr>
+            <p:txBody>
+              <a:bodyPr/>
+              <a:lstStyle/>
+              <a:p>
+                <a:r>
+                  <a:rPr lang="en-US">
+                    <a:noFill/>
+                  </a:rPr>
+                  <a:t> </a:t>
+                </a:r>
+              </a:p>
+            </p:txBody>
+          </p:sp>
+        </mc:Fallback>
+      </mc:AlternateContent>
     </p:spTree>
     <p:extLst>
       <p:ext uri="{BB962C8B-B14F-4D97-AF65-F5344CB8AC3E}">

--- a/duy/CAPSTONE PROJECT/CAPSTONE PROJECT REPORT.pptx
+++ b/duy/CAPSTONE PROJECT/CAPSTONE PROJECT REPORT.pptx
@@ -2,13 +2,19 @@
 <file path=ppt/presentation.xml><?xml version="1.0" encoding="utf-8"?>
 <p:presentation xmlns:a="http://schemas.openxmlformats.org/drawingml/2006/main" xmlns:r="http://schemas.openxmlformats.org/officeDocument/2006/relationships" xmlns:p="http://schemas.openxmlformats.org/presentationml/2006/main" saveSubsetFonts="1">
   <p:sldMasterIdLst>
-    <p:sldMasterId id="2147483672" r:id="rId1"/>
+    <p:sldMasterId id="2147483756" r:id="rId1"/>
   </p:sldMasterIdLst>
+  <p:notesMasterIdLst>
+    <p:notesMasterId r:id="rId22"/>
+  </p:notesMasterIdLst>
+  <p:handoutMasterIdLst>
+    <p:handoutMasterId r:id="rId23"/>
+  </p:handoutMasterIdLst>
   <p:sldIdLst>
     <p:sldId id="256" r:id="rId2"/>
     <p:sldId id="257" r:id="rId3"/>
     <p:sldId id="258" r:id="rId4"/>
-    <p:sldId id="259" r:id="rId5"/>
+    <p:sldId id="276" r:id="rId5"/>
     <p:sldId id="260" r:id="rId6"/>
     <p:sldId id="261" r:id="rId7"/>
     <p:sldId id="262" r:id="rId8"/>
@@ -131,8 +137,546 @@
 </p:presentation>
 </file>
 
+<file path=ppt/handoutMasters/handoutMaster1.xml><?xml version="1.0" encoding="utf-8"?>
+<p:handoutMaster xmlns:a="http://schemas.openxmlformats.org/drawingml/2006/main" xmlns:r="http://schemas.openxmlformats.org/officeDocument/2006/relationships" xmlns:p="http://schemas.openxmlformats.org/presentationml/2006/main">
+  <p:cSld>
+    <p:bg>
+      <p:bgRef idx="1001">
+        <a:schemeClr val="bg1"/>
+      </p:bgRef>
+    </p:bg>
+    <p:spTree>
+      <p:nvGrpSpPr>
+        <p:cNvPr id="1" name=""/>
+        <p:cNvGrpSpPr/>
+        <p:nvPr/>
+      </p:nvGrpSpPr>
+      <p:grpSpPr>
+        <a:xfrm>
+          <a:off x="0" y="0"/>
+          <a:ext cx="0" cy="0"/>
+          <a:chOff x="0" y="0"/>
+          <a:chExt cx="0" cy="0"/>
+        </a:xfrm>
+      </p:grpSpPr>
+      <p:sp>
+        <p:nvSpPr>
+          <p:cNvPr id="2" name="Header Placeholder 1">
+            <a:extLst>
+              <a:ext uri="{FF2B5EF4-FFF2-40B4-BE49-F238E27FC236}">
+                <a16:creationId xmlns:a16="http://schemas.microsoft.com/office/drawing/2014/main" id="{C4606103-B3AE-044F-CF8A-53A53C701A28}"/>
+              </a:ext>
+            </a:extLst>
+          </p:cNvPr>
+          <p:cNvSpPr>
+            <a:spLocks noGrp="1"/>
+          </p:cNvSpPr>
+          <p:nvPr>
+            <p:ph type="hdr" sz="quarter"/>
+          </p:nvPr>
+        </p:nvSpPr>
+        <p:spPr>
+          <a:xfrm>
+            <a:off x="0" y="0"/>
+            <a:ext cx="2971800" cy="458788"/>
+          </a:xfrm>
+          <a:prstGeom prst="rect">
+            <a:avLst/>
+          </a:prstGeom>
+        </p:spPr>
+        <p:txBody>
+          <a:bodyPr vert="horz" lIns="91440" tIns="45720" rIns="91440" bIns="45720" rtlCol="0"/>
+          <a:lstStyle>
+            <a:lvl1pPr algn="l">
+              <a:defRPr sz="1200"/>
+            </a:lvl1pPr>
+          </a:lstStyle>
+          <a:p>
+            <a:endParaRPr lang="en-US"/>
+          </a:p>
+        </p:txBody>
+      </p:sp>
+      <p:sp>
+        <p:nvSpPr>
+          <p:cNvPr id="3" name="Date Placeholder 2">
+            <a:extLst>
+              <a:ext uri="{FF2B5EF4-FFF2-40B4-BE49-F238E27FC236}">
+                <a16:creationId xmlns:a16="http://schemas.microsoft.com/office/drawing/2014/main" id="{ECEBDB54-1E8B-D746-9F08-6390B575527F}"/>
+              </a:ext>
+            </a:extLst>
+          </p:cNvPr>
+          <p:cNvSpPr>
+            <a:spLocks noGrp="1"/>
+          </p:cNvSpPr>
+          <p:nvPr>
+            <p:ph type="dt" sz="quarter" idx="1"/>
+          </p:nvPr>
+        </p:nvSpPr>
+        <p:spPr>
+          <a:xfrm>
+            <a:off x="3884613" y="0"/>
+            <a:ext cx="2971800" cy="458788"/>
+          </a:xfrm>
+          <a:prstGeom prst="rect">
+            <a:avLst/>
+          </a:prstGeom>
+        </p:spPr>
+        <p:txBody>
+          <a:bodyPr vert="horz" lIns="91440" tIns="45720" rIns="91440" bIns="45720" rtlCol="0"/>
+          <a:lstStyle>
+            <a:lvl1pPr algn="r">
+              <a:defRPr sz="1200"/>
+            </a:lvl1pPr>
+          </a:lstStyle>
+          <a:p>
+            <a:fld id="{054414A4-A4E6-47E7-8EC5-6743C01C615D}" type="datetimeFigureOut">
+              <a:rPr lang="en-US" smtClean="0"/>
+              <a:t>6/6/2023</a:t>
+            </a:fld>
+            <a:endParaRPr lang="en-US"/>
+          </a:p>
+        </p:txBody>
+      </p:sp>
+      <p:sp>
+        <p:nvSpPr>
+          <p:cNvPr id="4" name="Footer Placeholder 3">
+            <a:extLst>
+              <a:ext uri="{FF2B5EF4-FFF2-40B4-BE49-F238E27FC236}">
+                <a16:creationId xmlns:a16="http://schemas.microsoft.com/office/drawing/2014/main" id="{48FAF4C9-CF3C-5598-B5E8-3076333B0CD9}"/>
+              </a:ext>
+            </a:extLst>
+          </p:cNvPr>
+          <p:cNvSpPr>
+            <a:spLocks noGrp="1"/>
+          </p:cNvSpPr>
+          <p:nvPr>
+            <p:ph type="ftr" sz="quarter" idx="2"/>
+          </p:nvPr>
+        </p:nvSpPr>
+        <p:spPr>
+          <a:xfrm>
+            <a:off x="0" y="8685213"/>
+            <a:ext cx="2971800" cy="458787"/>
+          </a:xfrm>
+          <a:prstGeom prst="rect">
+            <a:avLst/>
+          </a:prstGeom>
+        </p:spPr>
+        <p:txBody>
+          <a:bodyPr vert="horz" lIns="91440" tIns="45720" rIns="91440" bIns="45720" rtlCol="0" anchor="b"/>
+          <a:lstStyle>
+            <a:lvl1pPr algn="l">
+              <a:defRPr sz="1200"/>
+            </a:lvl1pPr>
+          </a:lstStyle>
+          <a:p>
+            <a:endParaRPr lang="en-US"/>
+          </a:p>
+        </p:txBody>
+      </p:sp>
+      <p:sp>
+        <p:nvSpPr>
+          <p:cNvPr id="5" name="Slide Number Placeholder 4">
+            <a:extLst>
+              <a:ext uri="{FF2B5EF4-FFF2-40B4-BE49-F238E27FC236}">
+                <a16:creationId xmlns:a16="http://schemas.microsoft.com/office/drawing/2014/main" id="{7B5D10D9-00C9-99A9-8EAC-67E398881604}"/>
+              </a:ext>
+            </a:extLst>
+          </p:cNvPr>
+          <p:cNvSpPr>
+            <a:spLocks noGrp="1"/>
+          </p:cNvSpPr>
+          <p:nvPr>
+            <p:ph type="sldNum" sz="quarter" idx="3"/>
+          </p:nvPr>
+        </p:nvSpPr>
+        <p:spPr>
+          <a:xfrm>
+            <a:off x="3884613" y="8685213"/>
+            <a:ext cx="2971800" cy="458787"/>
+          </a:xfrm>
+          <a:prstGeom prst="rect">
+            <a:avLst/>
+          </a:prstGeom>
+        </p:spPr>
+        <p:txBody>
+          <a:bodyPr vert="horz" lIns="91440" tIns="45720" rIns="91440" bIns="45720" rtlCol="0" anchor="b"/>
+          <a:lstStyle>
+            <a:lvl1pPr algn="r">
+              <a:defRPr sz="1200"/>
+            </a:lvl1pPr>
+          </a:lstStyle>
+          <a:p>
+            <a:fld id="{C4EF6EC9-4D5F-4798-B5C6-68F777D26A97}" type="slidenum">
+              <a:rPr lang="en-US" smtClean="0"/>
+              <a:t>‹#›</a:t>
+            </a:fld>
+            <a:endParaRPr lang="en-US"/>
+          </a:p>
+        </p:txBody>
+      </p:sp>
+    </p:spTree>
+    <p:extLst>
+      <p:ext uri="{BB962C8B-B14F-4D97-AF65-F5344CB8AC3E}">
+        <p14:creationId xmlns:p14="http://schemas.microsoft.com/office/powerpoint/2010/main" val="1502166776"/>
+      </p:ext>
+    </p:extLst>
+  </p:cSld>
+  <p:clrMap bg1="lt1" tx1="dk1" bg2="lt2" tx2="dk2" accent1="accent1" accent2="accent2" accent3="accent3" accent4="accent4" accent5="accent5" accent6="accent6" hlink="hlink" folHlink="folHlink"/>
+</p:handoutMaster>
+</file>
+
+<file path=ppt/notesMasters/notesMaster1.xml><?xml version="1.0" encoding="utf-8"?>
+<p:notesMaster xmlns:a="http://schemas.openxmlformats.org/drawingml/2006/main" xmlns:r="http://schemas.openxmlformats.org/officeDocument/2006/relationships" xmlns:p="http://schemas.openxmlformats.org/presentationml/2006/main">
+  <p:cSld>
+    <p:bg>
+      <p:bgRef idx="1001">
+        <a:schemeClr val="bg1"/>
+      </p:bgRef>
+    </p:bg>
+    <p:spTree>
+      <p:nvGrpSpPr>
+        <p:cNvPr id="1" name=""/>
+        <p:cNvGrpSpPr/>
+        <p:nvPr/>
+      </p:nvGrpSpPr>
+      <p:grpSpPr>
+        <a:xfrm>
+          <a:off x="0" y="0"/>
+          <a:ext cx="0" cy="0"/>
+          <a:chOff x="0" y="0"/>
+          <a:chExt cx="0" cy="0"/>
+        </a:xfrm>
+      </p:grpSpPr>
+      <p:sp>
+        <p:nvSpPr>
+          <p:cNvPr id="2" name="Header Placeholder 1"/>
+          <p:cNvSpPr>
+            <a:spLocks noGrp="1"/>
+          </p:cNvSpPr>
+          <p:nvPr>
+            <p:ph type="hdr" sz="quarter"/>
+          </p:nvPr>
+        </p:nvSpPr>
+        <p:spPr>
+          <a:xfrm>
+            <a:off x="0" y="0"/>
+            <a:ext cx="2971800" cy="458788"/>
+          </a:xfrm>
+          <a:prstGeom prst="rect">
+            <a:avLst/>
+          </a:prstGeom>
+        </p:spPr>
+        <p:txBody>
+          <a:bodyPr vert="horz" lIns="91440" tIns="45720" rIns="91440" bIns="45720" rtlCol="0"/>
+          <a:lstStyle>
+            <a:lvl1pPr algn="l">
+              <a:defRPr sz="1200"/>
+            </a:lvl1pPr>
+          </a:lstStyle>
+          <a:p>
+            <a:endParaRPr lang="en-US"/>
+          </a:p>
+        </p:txBody>
+      </p:sp>
+      <p:sp>
+        <p:nvSpPr>
+          <p:cNvPr id="3" name="Date Placeholder 2"/>
+          <p:cNvSpPr>
+            <a:spLocks noGrp="1"/>
+          </p:cNvSpPr>
+          <p:nvPr>
+            <p:ph type="dt" idx="1"/>
+          </p:nvPr>
+        </p:nvSpPr>
+        <p:spPr>
+          <a:xfrm>
+            <a:off x="3884613" y="0"/>
+            <a:ext cx="2971800" cy="458788"/>
+          </a:xfrm>
+          <a:prstGeom prst="rect">
+            <a:avLst/>
+          </a:prstGeom>
+        </p:spPr>
+        <p:txBody>
+          <a:bodyPr vert="horz" lIns="91440" tIns="45720" rIns="91440" bIns="45720" rtlCol="0"/>
+          <a:lstStyle>
+            <a:lvl1pPr algn="r">
+              <a:defRPr sz="1200"/>
+            </a:lvl1pPr>
+          </a:lstStyle>
+          <a:p>
+            <a:fld id="{ADB03542-A3F5-43BF-9AF6-E7C31A049DC8}" type="datetimeFigureOut">
+              <a:rPr lang="en-US" smtClean="0"/>
+              <a:t>6/6/2023</a:t>
+            </a:fld>
+            <a:endParaRPr lang="en-US"/>
+          </a:p>
+        </p:txBody>
+      </p:sp>
+      <p:sp>
+        <p:nvSpPr>
+          <p:cNvPr id="4" name="Slide Image Placeholder 3"/>
+          <p:cNvSpPr>
+            <a:spLocks noGrp="1" noRot="1" noChangeAspect="1"/>
+          </p:cNvSpPr>
+          <p:nvPr>
+            <p:ph type="sldImg" idx="2"/>
+          </p:nvPr>
+        </p:nvSpPr>
+        <p:spPr>
+          <a:xfrm>
+            <a:off x="685800" y="1143000"/>
+            <a:ext cx="5486400" cy="3086100"/>
+          </a:xfrm>
+          <a:prstGeom prst="rect">
+            <a:avLst/>
+          </a:prstGeom>
+          <a:noFill/>
+          <a:ln w="12700">
+            <a:solidFill>
+              <a:prstClr val="black"/>
+            </a:solidFill>
+          </a:ln>
+        </p:spPr>
+        <p:txBody>
+          <a:bodyPr vert="horz" lIns="91440" tIns="45720" rIns="91440" bIns="45720" rtlCol="0" anchor="ctr"/>
+          <a:lstStyle/>
+          <a:p>
+            <a:endParaRPr lang="en-US"/>
+          </a:p>
+        </p:txBody>
+      </p:sp>
+      <p:sp>
+        <p:nvSpPr>
+          <p:cNvPr id="5" name="Notes Placeholder 4"/>
+          <p:cNvSpPr>
+            <a:spLocks noGrp="1"/>
+          </p:cNvSpPr>
+          <p:nvPr>
+            <p:ph type="body" sz="quarter" idx="3"/>
+          </p:nvPr>
+        </p:nvSpPr>
+        <p:spPr>
+          <a:xfrm>
+            <a:off x="685800" y="4400550"/>
+            <a:ext cx="5486400" cy="3600450"/>
+          </a:xfrm>
+          <a:prstGeom prst="rect">
+            <a:avLst/>
+          </a:prstGeom>
+        </p:spPr>
+        <p:txBody>
+          <a:bodyPr vert="horz" lIns="91440" tIns="45720" rIns="91440" bIns="45720" rtlCol="0"/>
+          <a:lstStyle/>
+          <a:p>
+            <a:pPr lvl="0"/>
+            <a:r>
+              <a:rPr lang="en-US"/>
+              <a:t>Click to edit Master text styles</a:t>
+            </a:r>
+          </a:p>
+          <a:p>
+            <a:pPr lvl="1"/>
+            <a:r>
+              <a:rPr lang="en-US"/>
+              <a:t>Second level</a:t>
+            </a:r>
+          </a:p>
+          <a:p>
+            <a:pPr lvl="2"/>
+            <a:r>
+              <a:rPr lang="en-US"/>
+              <a:t>Third level</a:t>
+            </a:r>
+          </a:p>
+          <a:p>
+            <a:pPr lvl="3"/>
+            <a:r>
+              <a:rPr lang="en-US"/>
+              <a:t>Fourth level</a:t>
+            </a:r>
+          </a:p>
+          <a:p>
+            <a:pPr lvl="4"/>
+            <a:r>
+              <a:rPr lang="en-US"/>
+              <a:t>Fifth level</a:t>
+            </a:r>
+          </a:p>
+        </p:txBody>
+      </p:sp>
+      <p:sp>
+        <p:nvSpPr>
+          <p:cNvPr id="6" name="Footer Placeholder 5"/>
+          <p:cNvSpPr>
+            <a:spLocks noGrp="1"/>
+          </p:cNvSpPr>
+          <p:nvPr>
+            <p:ph type="ftr" sz="quarter" idx="4"/>
+          </p:nvPr>
+        </p:nvSpPr>
+        <p:spPr>
+          <a:xfrm>
+            <a:off x="0" y="8685213"/>
+            <a:ext cx="2971800" cy="458787"/>
+          </a:xfrm>
+          <a:prstGeom prst="rect">
+            <a:avLst/>
+          </a:prstGeom>
+        </p:spPr>
+        <p:txBody>
+          <a:bodyPr vert="horz" lIns="91440" tIns="45720" rIns="91440" bIns="45720" rtlCol="0" anchor="b"/>
+          <a:lstStyle>
+            <a:lvl1pPr algn="l">
+              <a:defRPr sz="1200"/>
+            </a:lvl1pPr>
+          </a:lstStyle>
+          <a:p>
+            <a:endParaRPr lang="en-US"/>
+          </a:p>
+        </p:txBody>
+      </p:sp>
+      <p:sp>
+        <p:nvSpPr>
+          <p:cNvPr id="7" name="Slide Number Placeholder 6"/>
+          <p:cNvSpPr>
+            <a:spLocks noGrp="1"/>
+          </p:cNvSpPr>
+          <p:nvPr>
+            <p:ph type="sldNum" sz="quarter" idx="5"/>
+          </p:nvPr>
+        </p:nvSpPr>
+        <p:spPr>
+          <a:xfrm>
+            <a:off x="3884613" y="8685213"/>
+            <a:ext cx="2971800" cy="458787"/>
+          </a:xfrm>
+          <a:prstGeom prst="rect">
+            <a:avLst/>
+          </a:prstGeom>
+        </p:spPr>
+        <p:txBody>
+          <a:bodyPr vert="horz" lIns="91440" tIns="45720" rIns="91440" bIns="45720" rtlCol="0" anchor="b"/>
+          <a:lstStyle>
+            <a:lvl1pPr algn="r">
+              <a:defRPr sz="1200"/>
+            </a:lvl1pPr>
+          </a:lstStyle>
+          <a:p>
+            <a:fld id="{B9F581EF-0BBF-4ACF-8739-673AC4962AE6}" type="slidenum">
+              <a:rPr lang="en-US" smtClean="0"/>
+              <a:t>‹#›</a:t>
+            </a:fld>
+            <a:endParaRPr lang="en-US"/>
+          </a:p>
+        </p:txBody>
+      </p:sp>
+    </p:spTree>
+    <p:extLst>
+      <p:ext uri="{BB962C8B-B14F-4D97-AF65-F5344CB8AC3E}">
+        <p14:creationId xmlns:p14="http://schemas.microsoft.com/office/powerpoint/2010/main" val="300519947"/>
+      </p:ext>
+    </p:extLst>
+  </p:cSld>
+  <p:clrMap bg1="lt1" tx1="dk1" bg2="lt2" tx2="dk2" accent1="accent1" accent2="accent2" accent3="accent3" accent4="accent4" accent5="accent5" accent6="accent6" hlink="hlink" folHlink="folHlink"/>
+  <p:notesStyle>
+    <a:lvl1pPr marL="0" algn="l" defTabSz="914400" rtl="0" eaLnBrk="1" latinLnBrk="0" hangingPunct="1">
+      <a:defRPr sz="1200" kern="1200">
+        <a:solidFill>
+          <a:schemeClr val="tx1"/>
+        </a:solidFill>
+        <a:latin typeface="+mn-lt"/>
+        <a:ea typeface="+mn-ea"/>
+        <a:cs typeface="+mn-cs"/>
+      </a:defRPr>
+    </a:lvl1pPr>
+    <a:lvl2pPr marL="457200" algn="l" defTabSz="914400" rtl="0" eaLnBrk="1" latinLnBrk="0" hangingPunct="1">
+      <a:defRPr sz="1200" kern="1200">
+        <a:solidFill>
+          <a:schemeClr val="tx1"/>
+        </a:solidFill>
+        <a:latin typeface="+mn-lt"/>
+        <a:ea typeface="+mn-ea"/>
+        <a:cs typeface="+mn-cs"/>
+      </a:defRPr>
+    </a:lvl2pPr>
+    <a:lvl3pPr marL="914400" algn="l" defTabSz="914400" rtl="0" eaLnBrk="1" latinLnBrk="0" hangingPunct="1">
+      <a:defRPr sz="1200" kern="1200">
+        <a:solidFill>
+          <a:schemeClr val="tx1"/>
+        </a:solidFill>
+        <a:latin typeface="+mn-lt"/>
+        <a:ea typeface="+mn-ea"/>
+        <a:cs typeface="+mn-cs"/>
+      </a:defRPr>
+    </a:lvl3pPr>
+    <a:lvl4pPr marL="1371600" algn="l" defTabSz="914400" rtl="0" eaLnBrk="1" latinLnBrk="0" hangingPunct="1">
+      <a:defRPr sz="1200" kern="1200">
+        <a:solidFill>
+          <a:schemeClr val="tx1"/>
+        </a:solidFill>
+        <a:latin typeface="+mn-lt"/>
+        <a:ea typeface="+mn-ea"/>
+        <a:cs typeface="+mn-cs"/>
+      </a:defRPr>
+    </a:lvl4pPr>
+    <a:lvl5pPr marL="1828800" algn="l" defTabSz="914400" rtl="0" eaLnBrk="1" latinLnBrk="0" hangingPunct="1">
+      <a:defRPr sz="1200" kern="1200">
+        <a:solidFill>
+          <a:schemeClr val="tx1"/>
+        </a:solidFill>
+        <a:latin typeface="+mn-lt"/>
+        <a:ea typeface="+mn-ea"/>
+        <a:cs typeface="+mn-cs"/>
+      </a:defRPr>
+    </a:lvl5pPr>
+    <a:lvl6pPr marL="2286000" algn="l" defTabSz="914400" rtl="0" eaLnBrk="1" latinLnBrk="0" hangingPunct="1">
+      <a:defRPr sz="1200" kern="1200">
+        <a:solidFill>
+          <a:schemeClr val="tx1"/>
+        </a:solidFill>
+        <a:latin typeface="+mn-lt"/>
+        <a:ea typeface="+mn-ea"/>
+        <a:cs typeface="+mn-cs"/>
+      </a:defRPr>
+    </a:lvl6pPr>
+    <a:lvl7pPr marL="2743200" algn="l" defTabSz="914400" rtl="0" eaLnBrk="1" latinLnBrk="0" hangingPunct="1">
+      <a:defRPr sz="1200" kern="1200">
+        <a:solidFill>
+          <a:schemeClr val="tx1"/>
+        </a:solidFill>
+        <a:latin typeface="+mn-lt"/>
+        <a:ea typeface="+mn-ea"/>
+        <a:cs typeface="+mn-cs"/>
+      </a:defRPr>
+    </a:lvl7pPr>
+    <a:lvl8pPr marL="3200400" algn="l" defTabSz="914400" rtl="0" eaLnBrk="1" latinLnBrk="0" hangingPunct="1">
+      <a:defRPr sz="1200" kern="1200">
+        <a:solidFill>
+          <a:schemeClr val="tx1"/>
+        </a:solidFill>
+        <a:latin typeface="+mn-lt"/>
+        <a:ea typeface="+mn-ea"/>
+        <a:cs typeface="+mn-cs"/>
+      </a:defRPr>
+    </a:lvl8pPr>
+    <a:lvl9pPr marL="3657600" algn="l" defTabSz="914400" rtl="0" eaLnBrk="1" latinLnBrk="0" hangingPunct="1">
+      <a:defRPr sz="1200" kern="1200">
+        <a:solidFill>
+          <a:schemeClr val="tx1"/>
+        </a:solidFill>
+        <a:latin typeface="+mn-lt"/>
+        <a:ea typeface="+mn-ea"/>
+        <a:cs typeface="+mn-cs"/>
+      </a:defRPr>
+    </a:lvl9pPr>
+  </p:notesStyle>
+</p:notesMaster>
+</file>
+
 <file path=ppt/slideLayouts/slideLayout1.xml><?xml version="1.0" encoding="utf-8"?>
-<p:sldLayout xmlns:a="http://schemas.openxmlformats.org/drawingml/2006/main" xmlns:r="http://schemas.openxmlformats.org/officeDocument/2006/relationships" xmlns:p="http://schemas.openxmlformats.org/presentationml/2006/main" showMasterSp="0" type="title" preserve="1">
+<p:sldLayout xmlns:a="http://schemas.openxmlformats.org/drawingml/2006/main" xmlns:r="http://schemas.openxmlformats.org/officeDocument/2006/relationships" xmlns:p="http://schemas.openxmlformats.org/presentationml/2006/main" type="title" preserve="1">
   <p:cSld name="Title Slide">
     <p:spTree>
       <p:nvGrpSpPr>
@@ -151,22 +695,26 @@
       <p:sp>
         <p:nvSpPr>
           <p:cNvPr id="7" name="Rectangle 6"/>
-          <p:cNvSpPr/>
+          <p:cNvSpPr>
+            <a:spLocks noChangeAspect="1"/>
+          </p:cNvSpPr>
           <p:nvPr/>
         </p:nvSpPr>
         <p:spPr>
           <a:xfrm>
-            <a:off x="1" y="6400800"/>
-            <a:ext cx="12192000" cy="457200"/>
+            <a:off x="231140" y="243840"/>
+            <a:ext cx="11724640" cy="6377939"/>
           </a:xfrm>
           <a:prstGeom prst="rect">
             <a:avLst/>
           </a:prstGeom>
           <a:solidFill>
-            <a:schemeClr val="accent2"/>
+            <a:schemeClr val="bg1"/>
           </a:solidFill>
-          <a:ln>
-            <a:noFill/>
+          <a:ln w="12700">
+            <a:solidFill>
+              <a:schemeClr val="tx1"/>
+            </a:solidFill>
           </a:ln>
         </p:spPr>
         <p:style>
@@ -188,56 +736,18 @@
       </p:sp>
       <p:sp>
         <p:nvSpPr>
-          <p:cNvPr id="8" name="Rectangle 7"/>
-          <p:cNvSpPr/>
-          <p:nvPr/>
+          <p:cNvPr id="2" name="Title 1"/>
+          <p:cNvSpPr>
+            <a:spLocks noGrp="1"/>
+          </p:cNvSpPr>
+          <p:nvPr>
+            <p:ph type="ctrTitle"/>
+          </p:nvPr>
         </p:nvSpPr>
         <p:spPr>
           <a:xfrm>
-            <a:off x="1" y="6334316"/>
-            <a:ext cx="12192000" cy="66484"/>
-          </a:xfrm>
-          <a:prstGeom prst="rect">
-            <a:avLst/>
-          </a:prstGeom>
-          <a:solidFill>
-            <a:schemeClr val="accent1"/>
-          </a:solidFill>
-          <a:ln>
-            <a:noFill/>
-          </a:ln>
-        </p:spPr>
-        <p:style>
-          <a:lnRef idx="2">
-            <a:schemeClr val="accent1">
-              <a:shade val="50000"/>
-            </a:schemeClr>
-          </a:lnRef>
-          <a:fillRef idx="1">
-            <a:schemeClr val="accent1"/>
-          </a:fillRef>
-          <a:effectRef idx="0">
-            <a:schemeClr val="accent1"/>
-          </a:effectRef>
-          <a:fontRef idx="minor">
-            <a:schemeClr val="lt1"/>
-          </a:fontRef>
-        </p:style>
-      </p:sp>
-      <p:sp>
-        <p:nvSpPr>
-          <p:cNvPr id="2" name="Title 1"/>
-          <p:cNvSpPr>
-            <a:spLocks noGrp="1"/>
-          </p:cNvSpPr>
-          <p:nvPr>
-            <p:ph type="ctrTitle"/>
-          </p:nvPr>
-        </p:nvSpPr>
-        <p:spPr>
-          <a:xfrm>
-            <a:off x="1097280" y="758952"/>
-            <a:ext cx="10058400" cy="3566160"/>
+            <a:off x="1109980" y="882376"/>
+            <a:ext cx="9966960" cy="2926080"/>
           </a:xfrm>
         </p:spPr>
         <p:txBody>
@@ -245,16 +755,13 @@
             <a:normAutofit/>
           </a:bodyPr>
           <a:lstStyle>
-            <a:lvl1pPr algn="l">
+            <a:lvl1pPr algn="ctr">
               <a:lnSpc>
                 <a:spcPct val="85000"/>
               </a:lnSpc>
-              <a:defRPr sz="8000" spc="-50" baseline="0">
+              <a:defRPr sz="7200" b="1" cap="all" baseline="0">
                 <a:solidFill>
-                  <a:schemeClr val="tx1">
-                    <a:lumMod val="85000"/>
-                    <a:lumOff val="15000"/>
-                  </a:schemeClr>
+                  <a:schemeClr val="tx1"/>
                 </a:solidFill>
               </a:defRPr>
             </a:lvl1pPr>
@@ -280,31 +787,30 @@
         </p:nvSpPr>
         <p:spPr>
           <a:xfrm>
-            <a:off x="1100051" y="4455621"/>
-            <a:ext cx="10058400" cy="1143000"/>
+            <a:off x="1709530" y="3869634"/>
+            <a:ext cx="8767860" cy="1388165"/>
           </a:xfrm>
         </p:spPr>
         <p:txBody>
-          <a:bodyPr lIns="91440" rIns="91440">
+          <a:bodyPr>
             <a:normAutofit/>
           </a:bodyPr>
           <a:lstStyle>
-            <a:lvl1pPr marL="0" indent="0" algn="l">
+            <a:lvl1pPr marL="0" indent="0" algn="ctr">
               <a:buNone/>
-              <a:defRPr sz="2400" cap="all" spc="200" baseline="0">
+              <a:defRPr sz="2200">
                 <a:solidFill>
-                  <a:schemeClr val="tx2"/>
+                  <a:schemeClr val="tx1"/>
                 </a:solidFill>
-                <a:latin typeface="+mj-lt"/>
               </a:defRPr>
             </a:lvl1pPr>
             <a:lvl2pPr marL="457200" indent="0" algn="ctr">
               <a:buNone/>
-              <a:defRPr sz="2400"/>
+              <a:defRPr sz="2200"/>
             </a:lvl2pPr>
             <a:lvl3pPr marL="914400" indent="0" algn="ctr">
               <a:buNone/>
-              <a:defRPr sz="2400"/>
+              <a:defRPr sz="2200"/>
             </a:lvl3pPr>
             <a:lvl4pPr marL="1371600" indent="0" algn="ctr">
               <a:buNone/>
@@ -353,11 +859,19 @@
         <p:spPr/>
         <p:txBody>
           <a:bodyPr/>
-          <a:lstStyle/>
+          <a:lstStyle>
+            <a:lvl1pPr>
+              <a:defRPr>
+                <a:solidFill>
+                  <a:schemeClr val="tx1"/>
+                </a:solidFill>
+              </a:defRPr>
+            </a:lvl1pPr>
+          </a:lstStyle>
           <a:p>
             <a:fld id="{1F6E899E-4C0E-41C7-8157-00F34C0710C4}" type="datetimeFigureOut">
               <a:rPr lang="en-US" smtClean="0"/>
-              <a:t>5/24/2023</a:t>
+              <a:t>6/6/2023</a:t>
             </a:fld>
             <a:endParaRPr lang="en-US"/>
           </a:p>
@@ -376,7 +890,15 @@
         <p:spPr/>
         <p:txBody>
           <a:bodyPr/>
-          <a:lstStyle/>
+          <a:lstStyle>
+            <a:lvl1pPr>
+              <a:defRPr>
+                <a:solidFill>
+                  <a:schemeClr val="tx1"/>
+                </a:solidFill>
+              </a:defRPr>
+            </a:lvl1pPr>
+          </a:lstStyle>
           <a:p>
             <a:endParaRPr lang="en-US"/>
           </a:p>
@@ -395,7 +917,15 @@
         <p:spPr/>
         <p:txBody>
           <a:bodyPr/>
-          <a:lstStyle/>
+          <a:lstStyle>
+            <a:lvl1pPr>
+              <a:defRPr>
+                <a:solidFill>
+                  <a:schemeClr val="tx1"/>
+                </a:solidFill>
+              </a:defRPr>
+            </a:lvl1pPr>
+          </a:lstStyle>
           <a:p>
             <a:fld id="{5F449200-E16D-4BFD-A68C-5175D039C245}" type="slidenum">
               <a:rPr lang="en-US" smtClean="0"/>
@@ -407,24 +937,21 @@
       </p:sp>
       <p:cxnSp>
         <p:nvCxnSpPr>
-          <p:cNvPr id="9" name="Straight Connector 8"/>
+          <p:cNvPr id="8" name="Straight Connector 7"/>
           <p:cNvCxnSpPr/>
           <p:nvPr/>
         </p:nvCxnSpPr>
         <p:spPr>
           <a:xfrm>
-            <a:off x="1207658" y="4343400"/>
-            <a:ext cx="9875520" cy="0"/>
+            <a:off x="1978660" y="3733800"/>
+            <a:ext cx="8229601" cy="0"/>
           </a:xfrm>
           <a:prstGeom prst="line">
             <a:avLst/>
           </a:prstGeom>
-          <a:ln w="6350">
+          <a:ln>
             <a:solidFill>
-              <a:schemeClr val="tx1">
-                <a:lumMod val="50000"/>
-                <a:lumOff val="50000"/>
-              </a:schemeClr>
+              <a:schemeClr val="tx1"/>
             </a:solidFill>
           </a:ln>
         </p:spPr>
@@ -446,7 +973,7 @@
     </p:spTree>
     <p:extLst>
       <p:ext uri="{BB962C8B-B14F-4D97-AF65-F5344CB8AC3E}">
-        <p14:creationId xmlns:p14="http://schemas.microsoft.com/office/powerpoint/2010/main" val="467799475"/>
+        <p14:creationId xmlns:p14="http://schemas.microsoft.com/office/powerpoint/2010/main" val="2632569122"/>
       </p:ext>
     </p:extLst>
   </p:cSld>
@@ -508,7 +1035,7 @@
         </p:nvSpPr>
         <p:spPr/>
         <p:txBody>
-          <a:bodyPr vert="eaVert" lIns="45720" tIns="0" rIns="45720" bIns="0"/>
+          <a:bodyPr vert="eaVert"/>
           <a:lstStyle/>
           <a:p>
             <a:pPr lvl="0"/>
@@ -565,7 +1092,7 @@
           <a:p>
             <a:fld id="{1F6E899E-4C0E-41C7-8157-00F34C0710C4}" type="datetimeFigureOut">
               <a:rPr lang="en-US" smtClean="0"/>
-              <a:t>5/24/2023</a:t>
+              <a:t>6/6/2023</a:t>
             </a:fld>
             <a:endParaRPr lang="en-US"/>
           </a:p>
@@ -616,7 +1143,7 @@
     </p:spTree>
     <p:extLst>
       <p:ext uri="{BB962C8B-B14F-4D97-AF65-F5344CB8AC3E}">
-        <p14:creationId xmlns:p14="http://schemas.microsoft.com/office/powerpoint/2010/main" val="2333150299"/>
+        <p14:creationId xmlns:p14="http://schemas.microsoft.com/office/powerpoint/2010/main" val="2447204536"/>
       </p:ext>
     </p:extLst>
   </p:cSld>
@@ -627,7 +1154,7 @@
 </file>
 
 <file path=ppt/slideLayouts/slideLayout11.xml><?xml version="1.0" encoding="utf-8"?>
-<p:sldLayout xmlns:a="http://schemas.openxmlformats.org/drawingml/2006/main" xmlns:r="http://schemas.openxmlformats.org/officeDocument/2006/relationships" xmlns:p="http://schemas.openxmlformats.org/presentationml/2006/main" showMasterSp="0" type="vertTitleAndTx" preserve="1">
+<p:sldLayout xmlns:a="http://schemas.openxmlformats.org/drawingml/2006/main" xmlns:r="http://schemas.openxmlformats.org/officeDocument/2006/relationships" xmlns:p="http://schemas.openxmlformats.org/presentationml/2006/main" type="vertTitleAndTx" preserve="1">
   <p:cSld name="Vertical Title and Text">
     <p:spTree>
       <p:nvGrpSpPr>
@@ -645,128 +1172,52 @@
       </p:grpSpPr>
       <p:sp>
         <p:nvSpPr>
-          <p:cNvPr id="7" name="Rectangle 6"/>
-          <p:cNvSpPr/>
-          <p:nvPr/>
+          <p:cNvPr id="2" name="Vertical Title 1"/>
+          <p:cNvSpPr>
+            <a:spLocks noGrp="1"/>
+          </p:cNvSpPr>
+          <p:nvPr>
+            <p:ph type="title" orient="vert"/>
+          </p:nvPr>
         </p:nvSpPr>
         <p:spPr>
           <a:xfrm>
-            <a:off x="3175" y="6400800"/>
-            <a:ext cx="12188825" cy="457200"/>
+            <a:off x="8724900" y="762000"/>
+            <a:ext cx="2324100" cy="5410200"/>
           </a:xfrm>
-          <a:prstGeom prst="rect">
-            <a:avLst/>
-          </a:prstGeom>
-          <a:solidFill>
-            <a:schemeClr val="accent2"/>
-          </a:solidFill>
-          <a:ln>
-            <a:noFill/>
-          </a:ln>
         </p:spPr>
-        <p:style>
-          <a:lnRef idx="2">
-            <a:schemeClr val="accent1">
-              <a:shade val="50000"/>
-            </a:schemeClr>
-          </a:lnRef>
-          <a:fillRef idx="1">
-            <a:schemeClr val="accent1"/>
-          </a:fillRef>
-          <a:effectRef idx="0">
-            <a:schemeClr val="accent1"/>
-          </a:effectRef>
-          <a:fontRef idx="minor">
-            <a:schemeClr val="lt1"/>
-          </a:fontRef>
-        </p:style>
-      </p:sp>
-      <p:sp>
-        <p:nvSpPr>
-          <p:cNvPr id="8" name="Rectangle 7"/>
-          <p:cNvSpPr/>
-          <p:nvPr/>
+        <p:txBody>
+          <a:bodyPr vert="eaVert"/>
+          <a:lstStyle/>
+          <a:p>
+            <a:r>
+              <a:rPr lang="en-US"/>
+              <a:t>Click to edit Master title style</a:t>
+            </a:r>
+            <a:endParaRPr lang="en-US" dirty="0"/>
+          </a:p>
+        </p:txBody>
+      </p:sp>
+      <p:sp>
+        <p:nvSpPr>
+          <p:cNvPr id="3" name="Vertical Text Placeholder 2"/>
+          <p:cNvSpPr>
+            <a:spLocks noGrp="1"/>
+          </p:cNvSpPr>
+          <p:nvPr>
+            <p:ph type="body" orient="vert" idx="1"/>
+          </p:nvPr>
         </p:nvSpPr>
         <p:spPr>
           <a:xfrm>
-            <a:off x="15" y="6334316"/>
-            <a:ext cx="12188825" cy="64008"/>
-          </a:xfrm>
-          <a:prstGeom prst="rect">
-            <a:avLst/>
-          </a:prstGeom>
-          <a:solidFill>
-            <a:schemeClr val="accent1"/>
-          </a:solidFill>
-          <a:ln>
-            <a:noFill/>
-          </a:ln>
-        </p:spPr>
-        <p:style>
-          <a:lnRef idx="2">
-            <a:schemeClr val="accent1">
-              <a:shade val="50000"/>
-            </a:schemeClr>
-          </a:lnRef>
-          <a:fillRef idx="1">
-            <a:schemeClr val="accent1"/>
-          </a:fillRef>
-          <a:effectRef idx="0">
-            <a:schemeClr val="accent1"/>
-          </a:effectRef>
-          <a:fontRef idx="minor">
-            <a:schemeClr val="lt1"/>
-          </a:fontRef>
-        </p:style>
-      </p:sp>
-      <p:sp>
-        <p:nvSpPr>
-          <p:cNvPr id="2" name="Vertical Title 1"/>
-          <p:cNvSpPr>
-            <a:spLocks noGrp="1"/>
-          </p:cNvSpPr>
-          <p:nvPr>
-            <p:ph type="title" orient="vert"/>
-          </p:nvPr>
-        </p:nvSpPr>
-        <p:spPr>
-          <a:xfrm>
-            <a:off x="8724900" y="412302"/>
-            <a:ext cx="2628900" cy="5759898"/>
+            <a:off x="1143000" y="762000"/>
+            <a:ext cx="7429500" cy="5410200"/>
           </a:xfrm>
         </p:spPr>
         <p:txBody>
           <a:bodyPr vert="eaVert"/>
           <a:lstStyle/>
           <a:p>
-            <a:r>
-              <a:rPr lang="en-US"/>
-              <a:t>Click to edit Master title style</a:t>
-            </a:r>
-            <a:endParaRPr lang="en-US" dirty="0"/>
-          </a:p>
-        </p:txBody>
-      </p:sp>
-      <p:sp>
-        <p:nvSpPr>
-          <p:cNvPr id="3" name="Vertical Text Placeholder 2"/>
-          <p:cNvSpPr>
-            <a:spLocks noGrp="1"/>
-          </p:cNvSpPr>
-          <p:nvPr>
-            <p:ph type="body" orient="vert" idx="1"/>
-          </p:nvPr>
-        </p:nvSpPr>
-        <p:spPr>
-          <a:xfrm>
-            <a:off x="838200" y="412302"/>
-            <a:ext cx="7734300" cy="5759898"/>
-          </a:xfrm>
-        </p:spPr>
-        <p:txBody>
-          <a:bodyPr vert="eaVert" lIns="45720" tIns="0" rIns="45720" bIns="0"/>
-          <a:lstStyle/>
-          <a:p>
             <a:pPr lvl="0"/>
             <a:r>
               <a:rPr lang="en-US"/>
@@ -821,7 +1272,7 @@
           <a:p>
             <a:fld id="{1F6E899E-4C0E-41C7-8157-00F34C0710C4}" type="datetimeFigureOut">
               <a:rPr lang="en-US" smtClean="0"/>
-              <a:t>5/24/2023</a:t>
+              <a:t>6/6/2023</a:t>
             </a:fld>
             <a:endParaRPr lang="en-US"/>
           </a:p>
@@ -872,7 +1323,7 @@
     </p:spTree>
     <p:extLst>
       <p:ext uri="{BB962C8B-B14F-4D97-AF65-F5344CB8AC3E}">
-        <p14:creationId xmlns:p14="http://schemas.microsoft.com/office/powerpoint/2010/main" val="1043338056"/>
+        <p14:creationId xmlns:p14="http://schemas.microsoft.com/office/powerpoint/2010/main" val="1371113127"/>
       </p:ext>
     </p:extLst>
   </p:cSld>
@@ -991,7 +1442,7 @@
           <a:p>
             <a:fld id="{1F6E899E-4C0E-41C7-8157-00F34C0710C4}" type="datetimeFigureOut">
               <a:rPr lang="en-US" smtClean="0"/>
-              <a:t>5/24/2023</a:t>
+              <a:t>6/6/2023</a:t>
             </a:fld>
             <a:endParaRPr lang="en-US"/>
           </a:p>
@@ -1042,7 +1493,7 @@
     </p:spTree>
     <p:extLst>
       <p:ext uri="{BB962C8B-B14F-4D97-AF65-F5344CB8AC3E}">
-        <p14:creationId xmlns:p14="http://schemas.microsoft.com/office/powerpoint/2010/main" val="472694135"/>
+        <p14:creationId xmlns:p14="http://schemas.microsoft.com/office/powerpoint/2010/main" val="2702588928"/>
       </p:ext>
     </p:extLst>
   </p:cSld>
@@ -1053,16 +1504,8 @@
 </file>
 
 <file path=ppt/slideLayouts/slideLayout3.xml><?xml version="1.0" encoding="utf-8"?>
-<p:sldLayout xmlns:a="http://schemas.openxmlformats.org/drawingml/2006/main" xmlns:r="http://schemas.openxmlformats.org/officeDocument/2006/relationships" xmlns:p="http://schemas.openxmlformats.org/presentationml/2006/main" showMasterSp="0" type="secHead" preserve="1">
+<p:sldLayout xmlns:a="http://schemas.openxmlformats.org/drawingml/2006/main" xmlns:r="http://schemas.openxmlformats.org/officeDocument/2006/relationships" xmlns:p="http://schemas.openxmlformats.org/presentationml/2006/main" type="secHead" preserve="1">
   <p:cSld name="Section Header">
-    <p:bg>
-      <p:bgPr>
-        <a:solidFill>
-          <a:schemeClr val="bg1"/>
-        </a:solidFill>
-        <a:effectLst/>
-      </p:bgPr>
-    </p:bg>
     <p:spTree>
       <p:nvGrpSpPr>
         <p:cNvPr id="1" name=""/>
@@ -1079,152 +1522,68 @@
       </p:grpSpPr>
       <p:sp>
         <p:nvSpPr>
-          <p:cNvPr id="7" name="Rectangle 6"/>
-          <p:cNvSpPr/>
-          <p:nvPr/>
+          <p:cNvPr id="2" name="Title 1"/>
+          <p:cNvSpPr>
+            <a:spLocks noGrp="1"/>
+          </p:cNvSpPr>
+          <p:nvPr>
+            <p:ph type="title"/>
+          </p:nvPr>
         </p:nvSpPr>
         <p:spPr>
           <a:xfrm>
-            <a:off x="3175" y="6400800"/>
-            <a:ext cx="12188825" cy="457200"/>
+            <a:off x="1106424" y="1173575"/>
+            <a:ext cx="9966960" cy="2926080"/>
           </a:xfrm>
-          <a:prstGeom prst="rect">
-            <a:avLst/>
-          </a:prstGeom>
-          <a:solidFill>
-            <a:schemeClr val="accent2"/>
-          </a:solidFill>
-          <a:ln>
-            <a:noFill/>
-          </a:ln>
         </p:spPr>
-        <p:style>
-          <a:lnRef idx="2">
-            <a:schemeClr val="accent1">
-              <a:shade val="50000"/>
-            </a:schemeClr>
-          </a:lnRef>
-          <a:fillRef idx="1">
-            <a:schemeClr val="accent1"/>
-          </a:fillRef>
-          <a:effectRef idx="0">
-            <a:schemeClr val="accent1"/>
-          </a:effectRef>
-          <a:fontRef idx="minor">
-            <a:schemeClr val="lt1"/>
-          </a:fontRef>
-        </p:style>
-      </p:sp>
-      <p:sp>
-        <p:nvSpPr>
-          <p:cNvPr id="8" name="Rectangle 7"/>
-          <p:cNvSpPr/>
-          <p:nvPr/>
+        <p:txBody>
+          <a:bodyPr anchor="b">
+            <a:noAutofit/>
+          </a:bodyPr>
+          <a:lstStyle>
+            <a:lvl1pPr algn="ctr">
+              <a:lnSpc>
+                <a:spcPct val="85000"/>
+              </a:lnSpc>
+              <a:defRPr sz="7200" b="0" cap="all" baseline="0"/>
+            </a:lvl1pPr>
+          </a:lstStyle>
+          <a:p>
+            <a:r>
+              <a:rPr lang="en-US"/>
+              <a:t>Click to edit Master title style</a:t>
+            </a:r>
+            <a:endParaRPr lang="en-US" dirty="0"/>
+          </a:p>
+        </p:txBody>
+      </p:sp>
+      <p:sp>
+        <p:nvSpPr>
+          <p:cNvPr id="3" name="Text Placeholder 2"/>
+          <p:cNvSpPr>
+            <a:spLocks noGrp="1"/>
+          </p:cNvSpPr>
+          <p:nvPr>
+            <p:ph type="body" idx="1"/>
+          </p:nvPr>
         </p:nvSpPr>
         <p:spPr>
           <a:xfrm>
-            <a:off x="15" y="6334316"/>
-            <a:ext cx="12188825" cy="64008"/>
-          </a:xfrm>
-          <a:prstGeom prst="rect">
-            <a:avLst/>
-          </a:prstGeom>
-          <a:solidFill>
-            <a:schemeClr val="accent1"/>
-          </a:solidFill>
-          <a:ln>
-            <a:noFill/>
-          </a:ln>
-        </p:spPr>
-        <p:style>
-          <a:lnRef idx="2">
-            <a:schemeClr val="accent1">
-              <a:shade val="50000"/>
-            </a:schemeClr>
-          </a:lnRef>
-          <a:fillRef idx="1">
-            <a:schemeClr val="accent1"/>
-          </a:fillRef>
-          <a:effectRef idx="0">
-            <a:schemeClr val="accent1"/>
-          </a:effectRef>
-          <a:fontRef idx="minor">
-            <a:schemeClr val="lt1"/>
-          </a:fontRef>
-        </p:style>
-      </p:sp>
-      <p:sp>
-        <p:nvSpPr>
-          <p:cNvPr id="2" name="Title 1"/>
-          <p:cNvSpPr>
-            <a:spLocks noGrp="1"/>
-          </p:cNvSpPr>
-          <p:nvPr>
-            <p:ph type="title"/>
-          </p:nvPr>
-        </p:nvSpPr>
-        <p:spPr>
-          <a:xfrm>
-            <a:off x="1097280" y="758952"/>
-            <a:ext cx="10058400" cy="3566160"/>
+            <a:off x="1709928" y="4154520"/>
+            <a:ext cx="8769096" cy="1363806"/>
           </a:xfrm>
         </p:spPr>
         <p:txBody>
-          <a:bodyPr anchor="b" anchorCtr="0">
+          <a:bodyPr anchor="t">
             <a:normAutofit/>
           </a:bodyPr>
           <a:lstStyle>
-            <a:lvl1pPr>
-              <a:lnSpc>
-                <a:spcPct val="85000"/>
-              </a:lnSpc>
-              <a:defRPr sz="8000" b="0">
+            <a:lvl1pPr marL="0" indent="0" algn="ctr">
+              <a:buNone/>
+              <a:defRPr sz="2200">
                 <a:solidFill>
-                  <a:schemeClr val="tx1">
-                    <a:lumMod val="85000"/>
-                    <a:lumOff val="15000"/>
-                  </a:schemeClr>
+                  <a:schemeClr val="tx1"/>
                 </a:solidFill>
-              </a:defRPr>
-            </a:lvl1pPr>
-          </a:lstStyle>
-          <a:p>
-            <a:r>
-              <a:rPr lang="en-US"/>
-              <a:t>Click to edit Master title style</a:t>
-            </a:r>
-            <a:endParaRPr lang="en-US" dirty="0"/>
-          </a:p>
-        </p:txBody>
-      </p:sp>
-      <p:sp>
-        <p:nvSpPr>
-          <p:cNvPr id="3" name="Text Placeholder 2"/>
-          <p:cNvSpPr>
-            <a:spLocks noGrp="1"/>
-          </p:cNvSpPr>
-          <p:nvPr>
-            <p:ph type="body" idx="1"/>
-          </p:nvPr>
-        </p:nvSpPr>
-        <p:spPr>
-          <a:xfrm>
-            <a:off x="1097280" y="4453128"/>
-            <a:ext cx="10058400" cy="1143000"/>
-          </a:xfrm>
-        </p:spPr>
-        <p:txBody>
-          <a:bodyPr lIns="91440" rIns="91440" anchor="t" anchorCtr="0">
-            <a:normAutofit/>
-          </a:bodyPr>
-          <a:lstStyle>
-            <a:lvl1pPr marL="0" indent="0">
-              <a:buNone/>
-              <a:defRPr sz="2400" cap="all" spc="200" baseline="0">
-                <a:solidFill>
-                  <a:schemeClr val="tx2"/>
-                </a:solidFill>
-                <a:latin typeface="+mj-lt"/>
               </a:defRPr>
             </a:lvl1pPr>
             <a:lvl2pPr marL="457200" indent="0">
@@ -1334,7 +1693,7 @@
           <a:p>
             <a:fld id="{1F6E899E-4C0E-41C7-8157-00F34C0710C4}" type="datetimeFigureOut">
               <a:rPr lang="en-US" smtClean="0"/>
-              <a:t>5/24/2023</a:t>
+              <a:t>6/6/2023</a:t>
             </a:fld>
             <a:endParaRPr lang="en-US"/>
           </a:p>
@@ -1384,24 +1743,21 @@
       </p:sp>
       <p:cxnSp>
         <p:nvCxnSpPr>
-          <p:cNvPr id="9" name="Straight Connector 8"/>
+          <p:cNvPr id="7" name="Straight Connector 6"/>
           <p:cNvCxnSpPr/>
           <p:nvPr/>
         </p:nvCxnSpPr>
         <p:spPr>
           <a:xfrm>
-            <a:off x="1207658" y="4343400"/>
-            <a:ext cx="9875520" cy="0"/>
+            <a:off x="1981200" y="4020408"/>
+            <a:ext cx="8229601" cy="0"/>
           </a:xfrm>
           <a:prstGeom prst="line">
             <a:avLst/>
           </a:prstGeom>
-          <a:ln w="6350">
+          <a:ln>
             <a:solidFill>
-              <a:schemeClr val="tx1">
-                <a:lumMod val="50000"/>
-                <a:lumOff val="50000"/>
-              </a:schemeClr>
+              <a:schemeClr val="tx1"/>
             </a:solidFill>
           </a:ln>
         </p:spPr>
@@ -1423,7 +1779,7 @@
     </p:spTree>
     <p:extLst>
       <p:ext uri="{BB962C8B-B14F-4D97-AF65-F5344CB8AC3E}">
-        <p14:creationId xmlns:p14="http://schemas.microsoft.com/office/powerpoint/2010/main" val="1046925421"/>
+        <p14:creationId xmlns:p14="http://schemas.microsoft.com/office/powerpoint/2010/main" val="3865352356"/>
       </p:ext>
     </p:extLst>
   </p:cSld>
@@ -1460,19 +1816,99 @@
             <p:ph type="title"/>
           </p:nvPr>
         </p:nvSpPr>
+        <p:spPr/>
+        <p:txBody>
+          <a:bodyPr/>
+          <a:lstStyle/>
+          <a:p>
+            <a:r>
+              <a:rPr lang="en-US"/>
+              <a:t>Click to edit Master title style</a:t>
+            </a:r>
+            <a:endParaRPr lang="en-US" dirty="0"/>
+          </a:p>
+        </p:txBody>
+      </p:sp>
+      <p:sp>
+        <p:nvSpPr>
+          <p:cNvPr id="3" name="Content Placeholder 2"/>
+          <p:cNvSpPr>
+            <a:spLocks noGrp="1"/>
+          </p:cNvSpPr>
+          <p:nvPr>
+            <p:ph sz="half" idx="1"/>
+          </p:nvPr>
+        </p:nvSpPr>
         <p:spPr>
           <a:xfrm>
-            <a:off x="1097280" y="286603"/>
-            <a:ext cx="10058400" cy="1450757"/>
+            <a:off x="1143000" y="2057399"/>
+            <a:ext cx="4754880" cy="4023360"/>
           </a:xfrm>
         </p:spPr>
         <p:txBody>
           <a:bodyPr/>
-          <a:lstStyle/>
-          <a:p>
+          <a:lstStyle>
+            <a:lvl1pPr>
+              <a:defRPr sz="2200"/>
+            </a:lvl1pPr>
+            <a:lvl2pPr>
+              <a:defRPr sz="2000"/>
+            </a:lvl2pPr>
+            <a:lvl3pPr>
+              <a:defRPr sz="1800"/>
+            </a:lvl3pPr>
+            <a:lvl4pPr>
+              <a:defRPr sz="1600"/>
+            </a:lvl4pPr>
+            <a:lvl5pPr>
+              <a:defRPr sz="1600"/>
+            </a:lvl5pPr>
+            <a:lvl6pPr>
+              <a:defRPr sz="1600"/>
+            </a:lvl6pPr>
+            <a:lvl7pPr>
+              <a:defRPr sz="1600"/>
+            </a:lvl7pPr>
+            <a:lvl8pPr>
+              <a:defRPr sz="1600"/>
+            </a:lvl8pPr>
+            <a:lvl9pPr>
+              <a:defRPr sz="1600"/>
+            </a:lvl9pPr>
+          </a:lstStyle>
+          <a:p>
+            <a:pPr lvl="0"/>
             <a:r>
               <a:rPr lang="en-US"/>
-              <a:t>Click to edit Master title style</a:t>
+              <a:t>Click to edit Master text styles</a:t>
+            </a:r>
+          </a:p>
+          <a:p>
+            <a:pPr lvl="1"/>
+            <a:r>
+              <a:rPr lang="en-US"/>
+              <a:t>Second level</a:t>
+            </a:r>
+          </a:p>
+          <a:p>
+            <a:pPr lvl="2"/>
+            <a:r>
+              <a:rPr lang="en-US"/>
+              <a:t>Third level</a:t>
+            </a:r>
+          </a:p>
+          <a:p>
+            <a:pPr lvl="3"/>
+            <a:r>
+              <a:rPr lang="en-US"/>
+              <a:t>Fourth level</a:t>
+            </a:r>
+          </a:p>
+          <a:p>
+            <a:pPr lvl="4"/>
+            <a:r>
+              <a:rPr lang="en-US"/>
+              <a:t>Fifth level</a:t>
             </a:r>
             <a:endParaRPr lang="en-US" dirty="0"/>
           </a:p>
@@ -1480,23 +1916,51 @@
       </p:sp>
       <p:sp>
         <p:nvSpPr>
-          <p:cNvPr id="3" name="Content Placeholder 2"/>
+          <p:cNvPr id="4" name="Content Placeholder 3"/>
           <p:cNvSpPr>
             <a:spLocks noGrp="1"/>
           </p:cNvSpPr>
           <p:nvPr>
-            <p:ph sz="half" idx="1"/>
+            <p:ph sz="half" idx="2"/>
           </p:nvPr>
         </p:nvSpPr>
         <p:spPr>
           <a:xfrm>
-            <a:off x="1097280" y="1845734"/>
-            <a:ext cx="4937760" cy="4023359"/>
+            <a:off x="6267612" y="2057400"/>
+            <a:ext cx="4754880" cy="4023360"/>
           </a:xfrm>
         </p:spPr>
         <p:txBody>
           <a:bodyPr/>
-          <a:lstStyle/>
+          <a:lstStyle>
+            <a:lvl1pPr>
+              <a:defRPr sz="2200"/>
+            </a:lvl1pPr>
+            <a:lvl2pPr>
+              <a:defRPr sz="2000"/>
+            </a:lvl2pPr>
+            <a:lvl3pPr>
+              <a:defRPr sz="1800"/>
+            </a:lvl3pPr>
+            <a:lvl4pPr>
+              <a:defRPr sz="1600"/>
+            </a:lvl4pPr>
+            <a:lvl5pPr>
+              <a:defRPr sz="1600"/>
+            </a:lvl5pPr>
+            <a:lvl6pPr>
+              <a:defRPr sz="1600"/>
+            </a:lvl6pPr>
+            <a:lvl7pPr>
+              <a:defRPr sz="1600"/>
+            </a:lvl7pPr>
+            <a:lvl8pPr>
+              <a:defRPr sz="1600"/>
+            </a:lvl8pPr>
+            <a:lvl9pPr>
+              <a:defRPr sz="1600"/>
+            </a:lvl9pPr>
+          </a:lstStyle>
           <a:p>
             <a:pPr lvl="0"/>
             <a:r>
@@ -1537,79 +2001,22 @@
       </p:sp>
       <p:sp>
         <p:nvSpPr>
-          <p:cNvPr id="4" name="Content Placeholder 3"/>
+          <p:cNvPr id="5" name="Date Placeholder 4"/>
           <p:cNvSpPr>
             <a:spLocks noGrp="1"/>
           </p:cNvSpPr>
           <p:nvPr>
-            <p:ph sz="half" idx="2"/>
-          </p:nvPr>
-        </p:nvSpPr>
-        <p:spPr>
-          <a:xfrm>
-            <a:off x="6217920" y="1845735"/>
-            <a:ext cx="4937760" cy="4023360"/>
-          </a:xfrm>
-        </p:spPr>
+            <p:ph type="dt" sz="half" idx="10"/>
+          </p:nvPr>
+        </p:nvSpPr>
+        <p:spPr/>
         <p:txBody>
           <a:bodyPr/>
           <a:lstStyle/>
           <a:p>
-            <a:pPr lvl="0"/>
-            <a:r>
-              <a:rPr lang="en-US"/>
-              <a:t>Click to edit Master text styles</a:t>
-            </a:r>
-          </a:p>
-          <a:p>
-            <a:pPr lvl="1"/>
-            <a:r>
-              <a:rPr lang="en-US"/>
-              <a:t>Second level</a:t>
-            </a:r>
-          </a:p>
-          <a:p>
-            <a:pPr lvl="2"/>
-            <a:r>
-              <a:rPr lang="en-US"/>
-              <a:t>Third level</a:t>
-            </a:r>
-          </a:p>
-          <a:p>
-            <a:pPr lvl="3"/>
-            <a:r>
-              <a:rPr lang="en-US"/>
-              <a:t>Fourth level</a:t>
-            </a:r>
-          </a:p>
-          <a:p>
-            <a:pPr lvl="4"/>
-            <a:r>
-              <a:rPr lang="en-US"/>
-              <a:t>Fifth level</a:t>
-            </a:r>
-            <a:endParaRPr lang="en-US" dirty="0"/>
-          </a:p>
-        </p:txBody>
-      </p:sp>
-      <p:sp>
-        <p:nvSpPr>
-          <p:cNvPr id="5" name="Date Placeholder 4"/>
-          <p:cNvSpPr>
-            <a:spLocks noGrp="1"/>
-          </p:cNvSpPr>
-          <p:nvPr>
-            <p:ph type="dt" sz="half" idx="10"/>
-          </p:nvPr>
-        </p:nvSpPr>
-        <p:spPr/>
-        <p:txBody>
-          <a:bodyPr/>
-          <a:lstStyle/>
-          <a:p>
             <a:fld id="{1F6E899E-4C0E-41C7-8157-00F34C0710C4}" type="datetimeFigureOut">
               <a:rPr lang="en-US" smtClean="0"/>
-              <a:t>5/24/2023</a:t>
+              <a:t>6/6/2023</a:t>
             </a:fld>
             <a:endParaRPr lang="en-US"/>
           </a:p>
@@ -1660,7 +2067,7 @@
     </p:spTree>
     <p:extLst>
       <p:ext uri="{BB962C8B-B14F-4D97-AF65-F5344CB8AC3E}">
-        <p14:creationId xmlns:p14="http://schemas.microsoft.com/office/powerpoint/2010/main" val="1722218744"/>
+        <p14:creationId xmlns:p14="http://schemas.microsoft.com/office/powerpoint/2010/main" val="128445315"/>
       </p:ext>
     </p:extLst>
   </p:cSld>
@@ -1697,52 +2104,44 @@
             <p:ph type="title"/>
           </p:nvPr>
         </p:nvSpPr>
+        <p:spPr/>
+        <p:txBody>
+          <a:bodyPr/>
+          <a:lstStyle/>
+          <a:p>
+            <a:r>
+              <a:rPr lang="en-US"/>
+              <a:t>Click to edit Master title style</a:t>
+            </a:r>
+            <a:endParaRPr lang="en-US" dirty="0"/>
+          </a:p>
+        </p:txBody>
+      </p:sp>
+      <p:sp>
+        <p:nvSpPr>
+          <p:cNvPr id="3" name="Text Placeholder 2"/>
+          <p:cNvSpPr>
+            <a:spLocks noGrp="1"/>
+          </p:cNvSpPr>
+          <p:nvPr>
+            <p:ph type="body" idx="1"/>
+          </p:nvPr>
+        </p:nvSpPr>
         <p:spPr>
           <a:xfrm>
-            <a:off x="1097280" y="286603"/>
-            <a:ext cx="10058400" cy="1450757"/>
+            <a:off x="1143000" y="2001511"/>
+            <a:ext cx="4754880" cy="777240"/>
           </a:xfrm>
         </p:spPr>
         <p:txBody>
-          <a:bodyPr/>
-          <a:lstStyle/>
-          <a:p>
-            <a:r>
-              <a:rPr lang="en-US"/>
-              <a:t>Click to edit Master title style</a:t>
-            </a:r>
-            <a:endParaRPr lang="en-US" dirty="0"/>
-          </a:p>
-        </p:txBody>
-      </p:sp>
-      <p:sp>
-        <p:nvSpPr>
-          <p:cNvPr id="3" name="Text Placeholder 2"/>
-          <p:cNvSpPr>
-            <a:spLocks noGrp="1"/>
-          </p:cNvSpPr>
-          <p:nvPr>
-            <p:ph type="body" idx="1"/>
-          </p:nvPr>
-        </p:nvSpPr>
-        <p:spPr>
-          <a:xfrm>
-            <a:off x="1097280" y="1846052"/>
-            <a:ext cx="4937760" cy="736282"/>
-          </a:xfrm>
-        </p:spPr>
-        <p:txBody>
-          <a:bodyPr lIns="91440" rIns="91440" anchor="ctr">
-            <a:normAutofit/>
-          </a:bodyPr>
+          <a:bodyPr anchor="ctr"/>
           <a:lstStyle>
             <a:lvl1pPr marL="0" indent="0">
+              <a:spcBef>
+                <a:spcPts val="0"/>
+              </a:spcBef>
               <a:buNone/>
-              <a:defRPr sz="2000" b="0" cap="all" baseline="0">
-                <a:solidFill>
-                  <a:schemeClr val="tx2"/>
-                </a:solidFill>
-              </a:defRPr>
+              <a:defRPr sz="2400" b="1"/>
             </a:lvl1pPr>
             <a:lvl2pPr marL="457200" indent="0">
               <a:buNone/>
@@ -1798,13 +2197,41 @@
         </p:nvSpPr>
         <p:spPr>
           <a:xfrm>
-            <a:off x="1097280" y="2582335"/>
-            <a:ext cx="4937760" cy="3286760"/>
+            <a:off x="1143000" y="2721483"/>
+            <a:ext cx="4754880" cy="3383280"/>
           </a:xfrm>
         </p:spPr>
         <p:txBody>
           <a:bodyPr/>
-          <a:lstStyle/>
+          <a:lstStyle>
+            <a:lvl1pPr>
+              <a:defRPr sz="2200"/>
+            </a:lvl1pPr>
+            <a:lvl2pPr>
+              <a:defRPr sz="2000"/>
+            </a:lvl2pPr>
+            <a:lvl3pPr>
+              <a:defRPr sz="1800"/>
+            </a:lvl3pPr>
+            <a:lvl4pPr>
+              <a:defRPr sz="1600"/>
+            </a:lvl4pPr>
+            <a:lvl5pPr>
+              <a:defRPr sz="1600"/>
+            </a:lvl5pPr>
+            <a:lvl6pPr>
+              <a:defRPr sz="1600"/>
+            </a:lvl6pPr>
+            <a:lvl7pPr>
+              <a:defRPr sz="1600"/>
+            </a:lvl7pPr>
+            <a:lvl8pPr>
+              <a:defRPr sz="1600"/>
+            </a:lvl8pPr>
+            <a:lvl9pPr>
+              <a:defRPr sz="1600"/>
+            </a:lvl9pPr>
+          </a:lstStyle>
           <a:p>
             <a:pPr lvl="0"/>
             <a:r>
@@ -1855,22 +2282,19 @@
         </p:nvSpPr>
         <p:spPr>
           <a:xfrm>
-            <a:off x="6217920" y="1846052"/>
-            <a:ext cx="4937760" cy="736282"/>
+            <a:off x="6269173" y="1999032"/>
+            <a:ext cx="4754880" cy="777240"/>
           </a:xfrm>
         </p:spPr>
         <p:txBody>
-          <a:bodyPr lIns="91440" rIns="91440" anchor="ctr">
-            <a:normAutofit/>
-          </a:bodyPr>
+          <a:bodyPr anchor="ctr"/>
           <a:lstStyle>
             <a:lvl1pPr marL="0" indent="0">
+              <a:spcBef>
+                <a:spcPts val="0"/>
+              </a:spcBef>
               <a:buNone/>
-              <a:defRPr sz="2000" b="0" cap="all" baseline="0">
-                <a:solidFill>
-                  <a:schemeClr val="tx2"/>
-                </a:solidFill>
-              </a:defRPr>
+              <a:defRPr sz="2400" b="1"/>
             </a:lvl1pPr>
             <a:lvl2pPr marL="457200" indent="0">
               <a:buNone/>
@@ -1926,13 +2350,41 @@
         </p:nvSpPr>
         <p:spPr>
           <a:xfrm>
-            <a:off x="6217920" y="2582334"/>
-            <a:ext cx="4937760" cy="3286760"/>
+            <a:off x="6269173" y="2719322"/>
+            <a:ext cx="4754880" cy="3383280"/>
           </a:xfrm>
         </p:spPr>
         <p:txBody>
           <a:bodyPr/>
-          <a:lstStyle/>
+          <a:lstStyle>
+            <a:lvl1pPr>
+              <a:defRPr sz="2200"/>
+            </a:lvl1pPr>
+            <a:lvl2pPr>
+              <a:defRPr sz="2000"/>
+            </a:lvl2pPr>
+            <a:lvl3pPr>
+              <a:defRPr sz="1800"/>
+            </a:lvl3pPr>
+            <a:lvl4pPr>
+              <a:defRPr sz="1600"/>
+            </a:lvl4pPr>
+            <a:lvl5pPr>
+              <a:defRPr sz="1600"/>
+            </a:lvl5pPr>
+            <a:lvl6pPr>
+              <a:defRPr sz="1600"/>
+            </a:lvl6pPr>
+            <a:lvl7pPr>
+              <a:defRPr sz="1600"/>
+            </a:lvl7pPr>
+            <a:lvl8pPr>
+              <a:defRPr sz="1600"/>
+            </a:lvl8pPr>
+            <a:lvl9pPr>
+              <a:defRPr sz="1600"/>
+            </a:lvl9pPr>
+          </a:lstStyle>
           <a:p>
             <a:pPr lvl="0"/>
             <a:r>
@@ -1988,7 +2440,7 @@
           <a:p>
             <a:fld id="{1F6E899E-4C0E-41C7-8157-00F34C0710C4}" type="datetimeFigureOut">
               <a:rPr lang="en-US" smtClean="0"/>
-              <a:t>5/24/2023</a:t>
+              <a:t>6/6/2023</a:t>
             </a:fld>
             <a:endParaRPr lang="en-US"/>
           </a:p>
@@ -2039,7 +2491,7 @@
     </p:spTree>
     <p:extLst>
       <p:ext uri="{BB962C8B-B14F-4D97-AF65-F5344CB8AC3E}">
-        <p14:creationId xmlns:p14="http://schemas.microsoft.com/office/powerpoint/2010/main" val="1931882605"/>
+        <p14:creationId xmlns:p14="http://schemas.microsoft.com/office/powerpoint/2010/main" val="2118729310"/>
       </p:ext>
     </p:extLst>
   </p:cSld>
@@ -2106,7 +2558,7 @@
           <a:p>
             <a:fld id="{1F6E899E-4C0E-41C7-8157-00F34C0710C4}" type="datetimeFigureOut">
               <a:rPr lang="en-US" smtClean="0"/>
-              <a:t>5/24/2023</a:t>
+              <a:t>6/6/2023</a:t>
             </a:fld>
             <a:endParaRPr lang="en-US"/>
           </a:p>
@@ -2157,7 +2609,7 @@
     </p:spTree>
     <p:extLst>
       <p:ext uri="{BB962C8B-B14F-4D97-AF65-F5344CB8AC3E}">
-        <p14:creationId xmlns:p14="http://schemas.microsoft.com/office/powerpoint/2010/main" val="1842953267"/>
+        <p14:creationId xmlns:p14="http://schemas.microsoft.com/office/powerpoint/2010/main" val="1628169128"/>
       </p:ext>
     </p:extLst>
   </p:cSld>
@@ -2168,7 +2620,7 @@
 </file>
 
 <file path=ppt/slideLayouts/slideLayout7.xml><?xml version="1.0" encoding="utf-8"?>
-<p:sldLayout xmlns:a="http://schemas.openxmlformats.org/drawingml/2006/main" xmlns:r="http://schemas.openxmlformats.org/officeDocument/2006/relationships" xmlns:p="http://schemas.openxmlformats.org/presentationml/2006/main" showMasterSp="0" type="blank" preserve="1">
+<p:sldLayout xmlns:a="http://schemas.openxmlformats.org/drawingml/2006/main" xmlns:r="http://schemas.openxmlformats.org/officeDocument/2006/relationships" xmlns:p="http://schemas.openxmlformats.org/presentationml/2006/main" type="blank" preserve="1">
   <p:cSld name="Blank">
     <p:spTree>
       <p:nvGrpSpPr>
@@ -2186,83 +2638,7 @@
       </p:grpSpPr>
       <p:sp>
         <p:nvSpPr>
-          <p:cNvPr id="5" name="Rectangle 4"/>
-          <p:cNvSpPr/>
-          <p:nvPr/>
-        </p:nvSpPr>
-        <p:spPr>
-          <a:xfrm>
-            <a:off x="3175" y="6400800"/>
-            <a:ext cx="12188825" cy="457200"/>
-          </a:xfrm>
-          <a:prstGeom prst="rect">
-            <a:avLst/>
-          </a:prstGeom>
-          <a:solidFill>
-            <a:schemeClr val="accent2"/>
-          </a:solidFill>
-          <a:ln>
-            <a:noFill/>
-          </a:ln>
-        </p:spPr>
-        <p:style>
-          <a:lnRef idx="2">
-            <a:schemeClr val="accent1">
-              <a:shade val="50000"/>
-            </a:schemeClr>
-          </a:lnRef>
-          <a:fillRef idx="1">
-            <a:schemeClr val="accent1"/>
-          </a:fillRef>
-          <a:effectRef idx="0">
-            <a:schemeClr val="accent1"/>
-          </a:effectRef>
-          <a:fontRef idx="minor">
-            <a:schemeClr val="lt1"/>
-          </a:fontRef>
-        </p:style>
-      </p:sp>
-      <p:sp>
-        <p:nvSpPr>
-          <p:cNvPr id="6" name="Rectangle 5"/>
-          <p:cNvSpPr/>
-          <p:nvPr/>
-        </p:nvSpPr>
-        <p:spPr>
-          <a:xfrm>
-            <a:off x="15" y="6334316"/>
-            <a:ext cx="12188825" cy="64008"/>
-          </a:xfrm>
-          <a:prstGeom prst="rect">
-            <a:avLst/>
-          </a:prstGeom>
-          <a:solidFill>
-            <a:schemeClr val="accent1"/>
-          </a:solidFill>
-          <a:ln>
-            <a:noFill/>
-          </a:ln>
-        </p:spPr>
-        <p:style>
-          <a:lnRef idx="2">
-            <a:schemeClr val="accent1">
-              <a:shade val="50000"/>
-            </a:schemeClr>
-          </a:lnRef>
-          <a:fillRef idx="1">
-            <a:schemeClr val="accent1"/>
-          </a:fillRef>
-          <a:effectRef idx="0">
-            <a:schemeClr val="accent1"/>
-          </a:effectRef>
-          <a:fontRef idx="minor">
-            <a:schemeClr val="lt1"/>
-          </a:fontRef>
-        </p:style>
-      </p:sp>
-      <p:sp>
-        <p:nvSpPr>
-          <p:cNvPr id="7" name="Date Placeholder 6"/>
+          <p:cNvPr id="2" name="Date Placeholder 1"/>
           <p:cNvSpPr>
             <a:spLocks noGrp="1"/>
           </p:cNvSpPr>
@@ -2277,7 +2653,7 @@
           <a:p>
             <a:fld id="{1F6E899E-4C0E-41C7-8157-00F34C0710C4}" type="datetimeFigureOut">
               <a:rPr lang="en-US" smtClean="0"/>
-              <a:t>5/24/2023</a:t>
+              <a:t>6/6/2023</a:t>
             </a:fld>
             <a:endParaRPr lang="en-US"/>
           </a:p>
@@ -2285,7 +2661,7 @@
       </p:sp>
       <p:sp>
         <p:nvSpPr>
-          <p:cNvPr id="8" name="Footer Placeholder 7"/>
+          <p:cNvPr id="3" name="Footer Placeholder 2"/>
           <p:cNvSpPr>
             <a:spLocks noGrp="1"/>
           </p:cNvSpPr>
@@ -2296,15 +2672,7 @@
         <p:spPr/>
         <p:txBody>
           <a:bodyPr/>
-          <a:lstStyle>
-            <a:lvl1pPr>
-              <a:defRPr>
-                <a:solidFill>
-                  <a:srgbClr val="FFFFFF"/>
-                </a:solidFill>
-              </a:defRPr>
-            </a:lvl1pPr>
-          </a:lstStyle>
+          <a:lstStyle/>
           <a:p>
             <a:endParaRPr lang="en-US"/>
           </a:p>
@@ -2312,7 +2680,7 @@
       </p:sp>
       <p:sp>
         <p:nvSpPr>
-          <p:cNvPr id="9" name="Slide Number Placeholder 8"/>
+          <p:cNvPr id="4" name="Slide Number Placeholder 3"/>
           <p:cNvSpPr>
             <a:spLocks noGrp="1"/>
           </p:cNvSpPr>
@@ -2336,7 +2704,7 @@
     </p:spTree>
     <p:extLst>
       <p:ext uri="{BB962C8B-B14F-4D97-AF65-F5344CB8AC3E}">
-        <p14:creationId xmlns:p14="http://schemas.microsoft.com/office/powerpoint/2010/main" val="1756896903"/>
+        <p14:creationId xmlns:p14="http://schemas.microsoft.com/office/powerpoint/2010/main" val="3209675278"/>
       </p:ext>
     </p:extLst>
   </p:cSld>
@@ -2347,7 +2715,7 @@
 </file>
 
 <file path=ppt/slideLayouts/slideLayout8.xml><?xml version="1.0" encoding="utf-8"?>
-<p:sldLayout xmlns:a="http://schemas.openxmlformats.org/drawingml/2006/main" xmlns:r="http://schemas.openxmlformats.org/officeDocument/2006/relationships" xmlns:p="http://schemas.openxmlformats.org/presentationml/2006/main" showMasterSp="0" type="objTx" preserve="1">
+<p:sldLayout xmlns:a="http://schemas.openxmlformats.org/drawingml/2006/main" xmlns:r="http://schemas.openxmlformats.org/officeDocument/2006/relationships" xmlns:p="http://schemas.openxmlformats.org/presentationml/2006/main" type="objTx" preserve="1">
   <p:cSld name="Content with Caption">
     <p:spTree>
       <p:nvGrpSpPr>
@@ -2365,107 +2733,30 @@
       </p:grpSpPr>
       <p:sp>
         <p:nvSpPr>
-          <p:cNvPr id="8" name="Rectangle 7"/>
-          <p:cNvSpPr/>
-          <p:nvPr/>
+          <p:cNvPr id="2" name="Title 1"/>
+          <p:cNvSpPr>
+            <a:spLocks noGrp="1"/>
+          </p:cNvSpPr>
+          <p:nvPr>
+            <p:ph type="title"/>
+          </p:nvPr>
         </p:nvSpPr>
         <p:spPr>
           <a:xfrm>
-            <a:off x="16" y="0"/>
-            <a:ext cx="4050791" cy="6858000"/>
-          </a:xfrm>
-          <a:prstGeom prst="rect">
-            <a:avLst/>
-          </a:prstGeom>
-          <a:solidFill>
-            <a:schemeClr val="accent2"/>
-          </a:solidFill>
-          <a:ln>
-            <a:noFill/>
-          </a:ln>
-        </p:spPr>
-        <p:style>
-          <a:lnRef idx="2">
-            <a:schemeClr val="accent1">
-              <a:shade val="50000"/>
-            </a:schemeClr>
-          </a:lnRef>
-          <a:fillRef idx="1">
-            <a:schemeClr val="accent1"/>
-          </a:fillRef>
-          <a:effectRef idx="0">
-            <a:schemeClr val="accent1"/>
-          </a:effectRef>
-          <a:fontRef idx="minor">
-            <a:schemeClr val="lt1"/>
-          </a:fontRef>
-        </p:style>
-      </p:sp>
-      <p:sp>
-        <p:nvSpPr>
-          <p:cNvPr id="9" name="Rectangle 8"/>
-          <p:cNvSpPr/>
-          <p:nvPr/>
-        </p:nvSpPr>
-        <p:spPr>
-          <a:xfrm>
-            <a:off x="4040071" y="0"/>
-            <a:ext cx="64008" cy="6858000"/>
-          </a:xfrm>
-          <a:prstGeom prst="rect">
-            <a:avLst/>
-          </a:prstGeom>
-          <a:solidFill>
-            <a:schemeClr val="accent1"/>
-          </a:solidFill>
-          <a:ln>
-            <a:noFill/>
-          </a:ln>
-        </p:spPr>
-        <p:style>
-          <a:lnRef idx="2">
-            <a:schemeClr val="accent1">
-              <a:shade val="50000"/>
-            </a:schemeClr>
-          </a:lnRef>
-          <a:fillRef idx="1">
-            <a:schemeClr val="accent1"/>
-          </a:fillRef>
-          <a:effectRef idx="0">
-            <a:schemeClr val="accent1"/>
-          </a:effectRef>
-          <a:fontRef idx="minor">
-            <a:schemeClr val="lt1"/>
-          </a:fontRef>
-        </p:style>
-      </p:sp>
-      <p:sp>
-        <p:nvSpPr>
-          <p:cNvPr id="2" name="Title 1"/>
-          <p:cNvSpPr>
-            <a:spLocks noGrp="1"/>
-          </p:cNvSpPr>
-          <p:nvPr>
-            <p:ph type="title"/>
-          </p:nvPr>
-        </p:nvSpPr>
-        <p:spPr>
-          <a:xfrm>
-            <a:off x="457200" y="594359"/>
-            <a:ext cx="3200400" cy="2286000"/>
+            <a:off x="1143000" y="1097280"/>
+            <a:ext cx="3931920" cy="1737360"/>
           </a:xfrm>
         </p:spPr>
         <p:txBody>
           <a:bodyPr anchor="b">
-            <a:normAutofit/>
+            <a:noAutofit/>
           </a:bodyPr>
           <a:lstStyle>
             <a:lvl1pPr>
-              <a:defRPr sz="3600" b="0">
-                <a:solidFill>
-                  <a:srgbClr val="FFFFFF"/>
-                </a:solidFill>
-              </a:defRPr>
+              <a:lnSpc>
+                <a:spcPct val="90000"/>
+              </a:lnSpc>
+              <a:defRPr sz="4000" b="0"/>
             </a:lvl1pPr>
           </a:lstStyle>
           <a:p>
@@ -2489,13 +2780,41 @@
         </p:nvSpPr>
         <p:spPr>
           <a:xfrm>
-            <a:off x="4800600" y="731520"/>
-            <a:ext cx="6492240" cy="5257800"/>
+            <a:off x="5852159" y="1097280"/>
+            <a:ext cx="5212080" cy="4663440"/>
           </a:xfrm>
         </p:spPr>
         <p:txBody>
           <a:bodyPr/>
-          <a:lstStyle/>
+          <a:lstStyle>
+            <a:lvl1pPr>
+              <a:defRPr sz="3200"/>
+            </a:lvl1pPr>
+            <a:lvl2pPr>
+              <a:defRPr sz="2800"/>
+            </a:lvl2pPr>
+            <a:lvl3pPr>
+              <a:defRPr sz="2400"/>
+            </a:lvl3pPr>
+            <a:lvl4pPr>
+              <a:defRPr sz="2000"/>
+            </a:lvl4pPr>
+            <a:lvl5pPr>
+              <a:defRPr sz="2000"/>
+            </a:lvl5pPr>
+            <a:lvl6pPr>
+              <a:defRPr sz="2000"/>
+            </a:lvl6pPr>
+            <a:lvl7pPr>
+              <a:defRPr sz="2000"/>
+            </a:lvl7pPr>
+            <a:lvl8pPr>
+              <a:defRPr sz="2000"/>
+            </a:lvl8pPr>
+            <a:lvl9pPr>
+              <a:defRPr sz="2000"/>
+            </a:lvl9pPr>
+          </a:lstStyle>
           <a:p>
             <a:pPr lvl="0"/>
             <a:r>
@@ -2546,22 +2865,24 @@
         </p:nvSpPr>
         <p:spPr>
           <a:xfrm>
-            <a:off x="457200" y="2926080"/>
-            <a:ext cx="3200400" cy="3379124"/>
+            <a:off x="1143000" y="2834640"/>
+            <a:ext cx="3931920" cy="3017520"/>
           </a:xfrm>
         </p:spPr>
         <p:txBody>
-          <a:bodyPr lIns="91440" rIns="91440">
+          <a:bodyPr>
             <a:normAutofit/>
           </a:bodyPr>
           <a:lstStyle>
             <a:lvl1pPr marL="0" indent="0">
+              <a:lnSpc>
+                <a:spcPct val="100000"/>
+              </a:lnSpc>
+              <a:spcBef>
+                <a:spcPts val="1000"/>
+              </a:spcBef>
               <a:buNone/>
-              <a:defRPr sz="1500">
-                <a:solidFill>
-                  <a:srgbClr val="FFFFFF"/>
-                </a:solidFill>
-              </a:defRPr>
+              <a:defRPr sz="1700"/>
             </a:lvl1pPr>
             <a:lvl2pPr marL="457200" indent="0">
               <a:buNone/>
@@ -2615,23 +2936,14 @@
             <p:ph type="dt" sz="half" idx="10"/>
           </p:nvPr>
         </p:nvSpPr>
-        <p:spPr>
-          <a:xfrm>
-            <a:off x="465512" y="6459785"/>
-            <a:ext cx="2618510" cy="365125"/>
-          </a:xfrm>
-        </p:spPr>
+        <p:spPr/>
         <p:txBody>
           <a:bodyPr/>
-          <a:lstStyle>
-            <a:lvl1pPr algn="l">
-              <a:defRPr/>
-            </a:lvl1pPr>
-          </a:lstStyle>
+          <a:lstStyle/>
           <a:p>
             <a:fld id="{1F6E899E-4C0E-41C7-8157-00F34C0710C4}" type="datetimeFigureOut">
               <a:rPr lang="en-US" smtClean="0"/>
-              <a:t>5/24/2023</a:t>
+              <a:t>6/6/2023</a:t>
             </a:fld>
             <a:endParaRPr lang="en-US"/>
           </a:p>
@@ -2647,23 +2959,10 @@
             <p:ph type="ftr" sz="quarter" idx="11"/>
           </p:nvPr>
         </p:nvSpPr>
-        <p:spPr>
-          <a:xfrm>
-            <a:off x="4800600" y="6459785"/>
-            <a:ext cx="4648200" cy="365125"/>
-          </a:xfrm>
-        </p:spPr>
+        <p:spPr/>
         <p:txBody>
           <a:bodyPr/>
-          <a:lstStyle>
-            <a:lvl1pPr algn="l">
-              <a:defRPr>
-                <a:solidFill>
-                  <a:schemeClr val="tx2"/>
-                </a:solidFill>
-              </a:defRPr>
-            </a:lvl1pPr>
-          </a:lstStyle>
+          <a:lstStyle/>
           <a:p>
             <a:endParaRPr lang="en-US"/>
           </a:p>
@@ -2682,15 +2981,7 @@
         <p:spPr/>
         <p:txBody>
           <a:bodyPr/>
-          <a:lstStyle>
-            <a:lvl1pPr>
-              <a:defRPr>
-                <a:solidFill>
-                  <a:schemeClr val="tx2"/>
-                </a:solidFill>
-              </a:defRPr>
-            </a:lvl1pPr>
-          </a:lstStyle>
+          <a:lstStyle/>
           <a:p>
             <a:fld id="{5F449200-E16D-4BFD-A68C-5175D039C245}" type="slidenum">
               <a:rPr lang="en-US" smtClean="0"/>
@@ -2703,7 +2994,7 @@
     </p:spTree>
     <p:extLst>
       <p:ext uri="{BB962C8B-B14F-4D97-AF65-F5344CB8AC3E}">
-        <p14:creationId xmlns:p14="http://schemas.microsoft.com/office/powerpoint/2010/main" val="1993392475"/>
+        <p14:creationId xmlns:p14="http://schemas.microsoft.com/office/powerpoint/2010/main" val="591913989"/>
       </p:ext>
     </p:extLst>
   </p:cSld>
@@ -2714,7 +3005,7 @@
 </file>
 
 <file path=ppt/slideLayouts/slideLayout9.xml><?xml version="1.0" encoding="utf-8"?>
-<p:sldLayout xmlns:a="http://schemas.openxmlformats.org/drawingml/2006/main" xmlns:r="http://schemas.openxmlformats.org/officeDocument/2006/relationships" xmlns:p="http://schemas.openxmlformats.org/presentationml/2006/main" showMasterSp="0" type="picTx" preserve="1">
+<p:sldLayout xmlns:a="http://schemas.openxmlformats.org/drawingml/2006/main" xmlns:r="http://schemas.openxmlformats.org/officeDocument/2006/relationships" xmlns:p="http://schemas.openxmlformats.org/presentationml/2006/main" type="picTx" preserve="1">
   <p:cSld name="Picture with Caption">
     <p:spTree>
       <p:nvGrpSpPr>
@@ -2732,107 +3023,30 @@
       </p:grpSpPr>
       <p:sp>
         <p:nvSpPr>
-          <p:cNvPr id="8" name="Rectangle 7"/>
-          <p:cNvSpPr/>
-          <p:nvPr/>
+          <p:cNvPr id="2" name="Title 1"/>
+          <p:cNvSpPr>
+            <a:spLocks noGrp="1"/>
+          </p:cNvSpPr>
+          <p:nvPr>
+            <p:ph type="title"/>
+          </p:nvPr>
         </p:nvSpPr>
         <p:spPr>
           <a:xfrm>
-            <a:off x="0" y="4953000"/>
-            <a:ext cx="12188825" cy="1905000"/>
-          </a:xfrm>
-          <a:prstGeom prst="rect">
-            <a:avLst/>
-          </a:prstGeom>
-          <a:solidFill>
-            <a:schemeClr val="accent2"/>
-          </a:solidFill>
-          <a:ln>
-            <a:noFill/>
-          </a:ln>
-        </p:spPr>
-        <p:style>
-          <a:lnRef idx="2">
-            <a:schemeClr val="accent1">
-              <a:shade val="50000"/>
-            </a:schemeClr>
-          </a:lnRef>
-          <a:fillRef idx="1">
-            <a:schemeClr val="accent1"/>
-          </a:fillRef>
-          <a:effectRef idx="0">
-            <a:schemeClr val="accent1"/>
-          </a:effectRef>
-          <a:fontRef idx="minor">
-            <a:schemeClr val="lt1"/>
-          </a:fontRef>
-        </p:style>
-      </p:sp>
-      <p:sp>
-        <p:nvSpPr>
-          <p:cNvPr id="9" name="Rectangle 8"/>
-          <p:cNvSpPr/>
-          <p:nvPr/>
-        </p:nvSpPr>
-        <p:spPr>
-          <a:xfrm>
-            <a:off x="15" y="4915076"/>
-            <a:ext cx="12188825" cy="64008"/>
-          </a:xfrm>
-          <a:prstGeom prst="rect">
-            <a:avLst/>
-          </a:prstGeom>
-          <a:solidFill>
-            <a:schemeClr val="accent1"/>
-          </a:solidFill>
-          <a:ln>
-            <a:noFill/>
-          </a:ln>
-        </p:spPr>
-        <p:style>
-          <a:lnRef idx="2">
-            <a:schemeClr val="accent1">
-              <a:shade val="50000"/>
-            </a:schemeClr>
-          </a:lnRef>
-          <a:fillRef idx="1">
-            <a:schemeClr val="accent1"/>
-          </a:fillRef>
-          <a:effectRef idx="0">
-            <a:schemeClr val="accent1"/>
-          </a:effectRef>
-          <a:fontRef idx="minor">
-            <a:schemeClr val="lt1"/>
-          </a:fontRef>
-        </p:style>
-      </p:sp>
-      <p:sp>
-        <p:nvSpPr>
-          <p:cNvPr id="2" name="Title 1"/>
-          <p:cNvSpPr>
-            <a:spLocks noGrp="1"/>
-          </p:cNvSpPr>
-          <p:nvPr>
-            <p:ph type="title"/>
-          </p:nvPr>
-        </p:nvSpPr>
-        <p:spPr>
-          <a:xfrm>
-            <a:off x="1097280" y="5074920"/>
-            <a:ext cx="10113645" cy="822960"/>
+            <a:off x="1143000" y="1097280"/>
+            <a:ext cx="3931920" cy="1737360"/>
           </a:xfrm>
         </p:spPr>
         <p:txBody>
-          <a:bodyPr tIns="0" bIns="0" anchor="b">
+          <a:bodyPr anchor="b">
             <a:noAutofit/>
           </a:bodyPr>
           <a:lstStyle>
             <a:lvl1pPr>
-              <a:defRPr sz="3600" b="0">
-                <a:solidFill>
-                  <a:srgbClr val="FFFFFF"/>
-                </a:solidFill>
-              </a:defRPr>
+              <a:lnSpc>
+                <a:spcPct val="90000"/>
+              </a:lnSpc>
+              <a:defRPr sz="4000" b="0"/>
             </a:lvl1pPr>
           </a:lstStyle>
           <a:p>
@@ -2856,21 +3070,18 @@
         </p:nvSpPr>
         <p:spPr>
           <a:xfrm>
-            <a:off x="15" y="0"/>
-            <a:ext cx="12191985" cy="4915076"/>
+            <a:off x="5413248" y="1069847"/>
+            <a:ext cx="6099048" cy="4800600"/>
           </a:xfrm>
-          <a:solidFill>
-            <a:schemeClr val="bg2">
-              <a:lumMod val="90000"/>
-            </a:schemeClr>
-          </a:solidFill>
         </p:spPr>
         <p:txBody>
-          <a:bodyPr lIns="457200" tIns="457200" anchor="t"/>
+          <a:bodyPr lIns="274320" tIns="182880" anchor="t">
+            <a:normAutofit/>
+          </a:bodyPr>
           <a:lstStyle>
             <a:lvl1pPr marL="0" indent="0">
               <a:buNone/>
-              <a:defRPr sz="3200"/>
+              <a:defRPr sz="2800"/>
             </a:lvl1pPr>
             <a:lvl2pPr marL="457200" indent="0">
               <a:buNone/>
@@ -2926,28 +3137,24 @@
         </p:nvSpPr>
         <p:spPr>
           <a:xfrm>
-            <a:off x="1097280" y="5907024"/>
-            <a:ext cx="10113264" cy="594360"/>
+            <a:off x="1143000" y="2834640"/>
+            <a:ext cx="3931920" cy="2880360"/>
           </a:xfrm>
         </p:spPr>
         <p:txBody>
-          <a:bodyPr lIns="91440" tIns="0" rIns="91440" bIns="0">
+          <a:bodyPr>
             <a:normAutofit/>
           </a:bodyPr>
           <a:lstStyle>
             <a:lvl1pPr marL="0" indent="0">
+              <a:lnSpc>
+                <a:spcPct val="100000"/>
+              </a:lnSpc>
               <a:spcBef>
-                <a:spcPts val="0"/>
+                <a:spcPts val="1000"/>
               </a:spcBef>
-              <a:spcAft>
-                <a:spcPts val="600"/>
-              </a:spcAft>
               <a:buNone/>
-              <a:defRPr sz="1500">
-                <a:solidFill>
-                  <a:srgbClr val="FFFFFF"/>
-                </a:solidFill>
-              </a:defRPr>
+              <a:defRPr sz="1700"/>
             </a:lvl1pPr>
             <a:lvl2pPr marL="457200" indent="0">
               <a:buNone/>
@@ -3008,7 +3215,7 @@
           <a:p>
             <a:fld id="{1F6E899E-4C0E-41C7-8157-00F34C0710C4}" type="datetimeFigureOut">
               <a:rPr lang="en-US" smtClean="0"/>
-              <a:t>5/24/2023</a:t>
+              <a:t>6/6/2023</a:t>
             </a:fld>
             <a:endParaRPr lang="en-US"/>
           </a:p>
@@ -3059,7 +3266,7 @@
     </p:spTree>
     <p:extLst>
       <p:ext uri="{BB962C8B-B14F-4D97-AF65-F5344CB8AC3E}">
-        <p14:creationId xmlns:p14="http://schemas.microsoft.com/office/powerpoint/2010/main" val="1375401715"/>
+        <p14:creationId xmlns:p14="http://schemas.microsoft.com/office/powerpoint/2010/main" val="3803287750"/>
       </p:ext>
     </p:extLst>
   </p:cSld>
@@ -3094,22 +3301,26 @@
       <p:sp>
         <p:nvSpPr>
           <p:cNvPr id="7" name="Rectangle 6"/>
-          <p:cNvSpPr/>
+          <p:cNvSpPr>
+            <a:spLocks noChangeAspect="1"/>
+          </p:cNvSpPr>
           <p:nvPr/>
         </p:nvSpPr>
         <p:spPr>
           <a:xfrm>
-            <a:off x="3175" y="6400800"/>
-            <a:ext cx="12188825" cy="457200"/>
+            <a:off x="231140" y="243840"/>
+            <a:ext cx="11724640" cy="6377939"/>
           </a:xfrm>
           <a:prstGeom prst="rect">
             <a:avLst/>
           </a:prstGeom>
           <a:solidFill>
-            <a:schemeClr val="accent2"/>
+            <a:schemeClr val="bg1"/>
           </a:solidFill>
-          <a:ln>
-            <a:noFill/>
+          <a:ln w="12700">
+            <a:solidFill>
+              <a:schemeClr val="tx1"/>
+            </a:solidFill>
           </a:ln>
         </p:spPr>
         <p:style>
@@ -3131,63 +3342,25 @@
       </p:sp>
       <p:sp>
         <p:nvSpPr>
-          <p:cNvPr id="9" name="Rectangle 8"/>
-          <p:cNvSpPr/>
-          <p:nvPr/>
+          <p:cNvPr id="2" name="Title Placeholder 1"/>
+          <p:cNvSpPr>
+            <a:spLocks noGrp="1"/>
+          </p:cNvSpPr>
+          <p:nvPr>
+            <p:ph type="title"/>
+          </p:nvPr>
         </p:nvSpPr>
         <p:spPr>
           <a:xfrm>
-            <a:off x="15" y="6334316"/>
-            <a:ext cx="12188825" cy="64008"/>
-          </a:xfrm>
-          <a:prstGeom prst="rect">
-            <a:avLst/>
-          </a:prstGeom>
-          <a:solidFill>
-            <a:schemeClr val="accent1"/>
-          </a:solidFill>
-          <a:ln>
-            <a:noFill/>
-          </a:ln>
-        </p:spPr>
-        <p:style>
-          <a:lnRef idx="2">
-            <a:schemeClr val="accent1">
-              <a:shade val="50000"/>
-            </a:schemeClr>
-          </a:lnRef>
-          <a:fillRef idx="1">
-            <a:schemeClr val="accent1"/>
-          </a:fillRef>
-          <a:effectRef idx="0">
-            <a:schemeClr val="accent1"/>
-          </a:effectRef>
-          <a:fontRef idx="minor">
-            <a:schemeClr val="lt1"/>
-          </a:fontRef>
-        </p:style>
-      </p:sp>
-      <p:sp>
-        <p:nvSpPr>
-          <p:cNvPr id="2" name="Title Placeholder 1"/>
-          <p:cNvSpPr>
-            <a:spLocks noGrp="1"/>
-          </p:cNvSpPr>
-          <p:nvPr>
-            <p:ph type="title"/>
-          </p:nvPr>
-        </p:nvSpPr>
-        <p:spPr>
-          <a:xfrm>
-            <a:off x="1097280" y="286603"/>
-            <a:ext cx="10058400" cy="1450757"/>
+            <a:off x="1143000" y="609600"/>
+            <a:ext cx="9875520" cy="1356360"/>
           </a:xfrm>
           <a:prstGeom prst="rect">
             <a:avLst/>
           </a:prstGeom>
         </p:spPr>
         <p:txBody>
-          <a:bodyPr vert="horz" lIns="91440" tIns="45720" rIns="91440" bIns="45720" rtlCol="0" anchor="b">
+          <a:bodyPr vert="horz" lIns="91440" tIns="45720" rIns="91440" bIns="45720" rtlCol="0" anchor="ctr">
             <a:normAutofit/>
           </a:bodyPr>
           <a:lstStyle/>
@@ -3212,15 +3385,15 @@
         </p:nvSpPr>
         <p:spPr>
           <a:xfrm>
-            <a:off x="1097280" y="1845734"/>
-            <a:ext cx="10058400" cy="4023360"/>
+            <a:off x="1143000" y="2057400"/>
+            <a:ext cx="9872871" cy="4038600"/>
           </a:xfrm>
           <a:prstGeom prst="rect">
             <a:avLst/>
           </a:prstGeom>
         </p:spPr>
         <p:txBody>
-          <a:bodyPr vert="horz" lIns="0" tIns="45720" rIns="0" bIns="45720" rtlCol="0">
+          <a:bodyPr vert="horz" lIns="91440" tIns="45720" rIns="91440" bIns="45720" rtlCol="0">
             <a:normAutofit/>
           </a:bodyPr>
           <a:lstStyle/>
@@ -3274,8 +3447,8 @@
         </p:nvSpPr>
         <p:spPr>
           <a:xfrm>
-            <a:off x="1097280" y="6459785"/>
-            <a:ext cx="2472271" cy="365125"/>
+            <a:off x="1142996" y="6223828"/>
+            <a:ext cx="2329074" cy="365125"/>
           </a:xfrm>
           <a:prstGeom prst="rect">
             <a:avLst/>
@@ -3285,9 +3458,9 @@
           <a:bodyPr vert="horz" lIns="91440" tIns="45720" rIns="91440" bIns="45720" rtlCol="0" anchor="ctr"/>
           <a:lstStyle>
             <a:lvl1pPr algn="l">
-              <a:defRPr sz="900">
+              <a:defRPr sz="1200">
                 <a:solidFill>
-                  <a:srgbClr val="FFFFFF"/>
+                  <a:schemeClr val="tx1"/>
                 </a:solidFill>
               </a:defRPr>
             </a:lvl1pPr>
@@ -3295,7 +3468,7 @@
           <a:p>
             <a:fld id="{1F6E899E-4C0E-41C7-8157-00F34C0710C4}" type="datetimeFigureOut">
               <a:rPr lang="en-US" smtClean="0"/>
-              <a:t>5/24/2023</a:t>
+              <a:t>6/6/2023</a:t>
             </a:fld>
             <a:endParaRPr lang="en-US"/>
           </a:p>
@@ -3313,8 +3486,8 @@
         </p:nvSpPr>
         <p:spPr>
           <a:xfrm>
-            <a:off x="3686185" y="6459785"/>
-            <a:ext cx="4822804" cy="365125"/>
+            <a:off x="3949148" y="6223828"/>
+            <a:ext cx="4717774" cy="365125"/>
           </a:xfrm>
           <a:prstGeom prst="rect">
             <a:avLst/>
@@ -3324,9 +3497,9 @@
           <a:bodyPr vert="horz" lIns="91440" tIns="45720" rIns="91440" bIns="45720" rtlCol="0" anchor="ctr"/>
           <a:lstStyle>
             <a:lvl1pPr algn="ctr">
-              <a:defRPr sz="900" cap="all" baseline="0">
+              <a:defRPr sz="1200">
                 <a:solidFill>
-                  <a:srgbClr val="FFFFFF"/>
+                  <a:schemeClr val="tx1"/>
                 </a:solidFill>
               </a:defRPr>
             </a:lvl1pPr>
@@ -3348,8 +3521,8 @@
         </p:nvSpPr>
         <p:spPr>
           <a:xfrm>
-            <a:off x="9900458" y="6459785"/>
-            <a:ext cx="1312025" cy="365125"/>
+            <a:off x="9329530" y="6223828"/>
+            <a:ext cx="1706217" cy="365125"/>
           </a:xfrm>
           <a:prstGeom prst="rect">
             <a:avLst/>
@@ -3359,9 +3532,9 @@
           <a:bodyPr vert="horz" lIns="91440" tIns="45720" rIns="91440" bIns="45720" rtlCol="0" anchor="ctr"/>
           <a:lstStyle>
             <a:lvl1pPr algn="r">
-              <a:defRPr sz="1050">
+              <a:defRPr sz="1200">
                 <a:solidFill>
-                  <a:srgbClr val="FFFFFF"/>
+                  <a:schemeClr val="tx1"/>
                 </a:solidFill>
               </a:defRPr>
             </a:lvl1pPr>
@@ -3375,81 +3548,40 @@
           </a:p>
         </p:txBody>
       </p:sp>
-      <p:cxnSp>
-        <p:nvCxnSpPr>
-          <p:cNvPr id="10" name="Straight Connector 9"/>
-          <p:cNvCxnSpPr/>
-          <p:nvPr/>
-        </p:nvCxnSpPr>
-        <p:spPr>
-          <a:xfrm>
-            <a:off x="1193532" y="1737845"/>
-            <a:ext cx="9966960" cy="0"/>
-          </a:xfrm>
-          <a:prstGeom prst="line">
-            <a:avLst/>
-          </a:prstGeom>
-          <a:ln w="6350">
-            <a:solidFill>
-              <a:schemeClr val="tx1">
-                <a:lumMod val="50000"/>
-                <a:lumOff val="50000"/>
-              </a:schemeClr>
-            </a:solidFill>
-          </a:ln>
-        </p:spPr>
-        <p:style>
-          <a:lnRef idx="1">
-            <a:schemeClr val="accent1"/>
-          </a:lnRef>
-          <a:fillRef idx="0">
-            <a:schemeClr val="accent1"/>
-          </a:fillRef>
-          <a:effectRef idx="0">
-            <a:schemeClr val="accent1"/>
-          </a:effectRef>
-          <a:fontRef idx="minor">
-            <a:schemeClr val="tx1"/>
-          </a:fontRef>
-        </p:style>
-      </p:cxnSp>
     </p:spTree>
     <p:extLst>
       <p:ext uri="{BB962C8B-B14F-4D97-AF65-F5344CB8AC3E}">
-        <p14:creationId xmlns:p14="http://schemas.microsoft.com/office/powerpoint/2010/main" val="1203413042"/>
+        <p14:creationId xmlns:p14="http://schemas.microsoft.com/office/powerpoint/2010/main" val="3893128815"/>
       </p:ext>
     </p:extLst>
   </p:cSld>
   <p:clrMap bg1="lt1" tx1="dk1" bg2="lt2" tx2="dk2" accent1="accent1" accent2="accent2" accent3="accent3" accent4="accent4" accent5="accent5" accent6="accent6" hlink="hlink" folHlink="folHlink"/>
   <p:sldLayoutIdLst>
-    <p:sldLayoutId id="2147483673" r:id="rId1"/>
-    <p:sldLayoutId id="2147483674" r:id="rId2"/>
-    <p:sldLayoutId id="2147483675" r:id="rId3"/>
-    <p:sldLayoutId id="2147483676" r:id="rId4"/>
-    <p:sldLayoutId id="2147483677" r:id="rId5"/>
-    <p:sldLayoutId id="2147483678" r:id="rId6"/>
-    <p:sldLayoutId id="2147483679" r:id="rId7"/>
-    <p:sldLayoutId id="2147483680" r:id="rId8"/>
-    <p:sldLayoutId id="2147483681" r:id="rId9"/>
-    <p:sldLayoutId id="2147483682" r:id="rId10"/>
-    <p:sldLayoutId id="2147483683" r:id="rId11"/>
+    <p:sldLayoutId id="2147483757" r:id="rId1"/>
+    <p:sldLayoutId id="2147483758" r:id="rId2"/>
+    <p:sldLayoutId id="2147483759" r:id="rId3"/>
+    <p:sldLayoutId id="2147483760" r:id="rId4"/>
+    <p:sldLayoutId id="2147483761" r:id="rId5"/>
+    <p:sldLayoutId id="2147483762" r:id="rId6"/>
+    <p:sldLayoutId id="2147483763" r:id="rId7"/>
+    <p:sldLayoutId id="2147483764" r:id="rId8"/>
+    <p:sldLayoutId id="2147483765" r:id="rId9"/>
+    <p:sldLayoutId id="2147483766" r:id="rId10"/>
+    <p:sldLayoutId id="2147483767" r:id="rId11"/>
   </p:sldLayoutIdLst>
   <p:txStyles>
     <p:titleStyle>
       <a:lvl1pPr algn="l" defTabSz="914400" rtl="0" eaLnBrk="1" latinLnBrk="0" hangingPunct="1">
         <a:lnSpc>
-          <a:spcPct val="85000"/>
+          <a:spcPct val="90000"/>
         </a:lnSpc>
         <a:spcBef>
           <a:spcPct val="0"/>
         </a:spcBef>
         <a:buNone/>
-        <a:defRPr sz="4800" kern="1200" spc="-50" baseline="0">
+        <a:defRPr sz="4400" kern="1200">
           <a:solidFill>
-            <a:schemeClr val="tx1">
-              <a:lumMod val="75000"/>
-              <a:lumOff val="25000"/>
-            </a:schemeClr>
+            <a:schemeClr val="tx1"/>
           </a:solidFill>
           <a:latin typeface="+mj-lt"/>
           <a:ea typeface="+mj-ea"/>
@@ -3458,35 +3590,29 @@
       </a:lvl1pPr>
     </p:titleStyle>
     <p:bodyStyle>
-      <a:lvl1pPr marL="91440" indent="-91440" algn="l" defTabSz="914400" rtl="0" eaLnBrk="1" latinLnBrk="0" hangingPunct="1">
+      <a:lvl1pPr marL="228600" indent="-182880" algn="l" defTabSz="914400" rtl="0" eaLnBrk="1" latinLnBrk="0" hangingPunct="1">
         <a:lnSpc>
           <a:spcPct val="90000"/>
         </a:lnSpc>
         <a:spcBef>
-          <a:spcPts val="1200"/>
+          <a:spcPts val="1400"/>
         </a:spcBef>
-        <a:spcAft>
-          <a:spcPts val="200"/>
-        </a:spcAft>
         <a:buClr>
-          <a:schemeClr val="accent1"/>
+          <a:schemeClr val="tx1"/>
         </a:buClr>
-        <a:buSzPct val="100000"/>
-        <a:buFont typeface="Calibri" panose="020F0502020204030204" pitchFamily="34" charset="0"/>
-        <a:buChar char=" "/>
-        <a:defRPr sz="2000" kern="1200">
+        <a:buSzPct val="80000"/>
+        <a:buFont typeface="Corbel" pitchFamily="34" charset="0"/>
+        <a:buChar char="•"/>
+        <a:defRPr sz="2200" kern="1200">
           <a:solidFill>
-            <a:schemeClr val="tx1">
-              <a:lumMod val="75000"/>
-              <a:lumOff val="25000"/>
-            </a:schemeClr>
+            <a:schemeClr val="tx1"/>
           </a:solidFill>
           <a:latin typeface="+mn-lt"/>
           <a:ea typeface="+mn-ea"/>
           <a:cs typeface="+mn-cs"/>
         </a:defRPr>
       </a:lvl1pPr>
-      <a:lvl2pPr marL="384048" indent="-182880" algn="l" defTabSz="914400" rtl="0" eaLnBrk="1" latinLnBrk="0" hangingPunct="1">
+      <a:lvl2pPr marL="457200" indent="-182880" algn="l" defTabSz="914400" rtl="0" eaLnBrk="1" latinLnBrk="0" hangingPunct="1">
         <a:lnSpc>
           <a:spcPct val="90000"/>
         </a:lnSpc>
@@ -3497,23 +3623,21 @@
           <a:spcPts val="400"/>
         </a:spcAft>
         <a:buClr>
-          <a:schemeClr val="accent1"/>
+          <a:schemeClr val="tx1"/>
         </a:buClr>
-        <a:buFont typeface="Calibri" pitchFamily="34" charset="0"/>
-        <a:buChar char="◦"/>
-        <a:defRPr sz="1800" kern="1200">
+        <a:buSzPct val="80000"/>
+        <a:buFont typeface="Corbel" pitchFamily="34" charset="0"/>
+        <a:buChar char="•"/>
+        <a:defRPr sz="2000" kern="1200">
           <a:solidFill>
-            <a:schemeClr val="tx1">
-              <a:lumMod val="75000"/>
-              <a:lumOff val="25000"/>
-            </a:schemeClr>
+            <a:schemeClr val="tx1"/>
           </a:solidFill>
           <a:latin typeface="+mn-lt"/>
           <a:ea typeface="+mn-ea"/>
           <a:cs typeface="+mn-cs"/>
         </a:defRPr>
       </a:lvl2pPr>
-      <a:lvl3pPr marL="566928" indent="-182880" algn="l" defTabSz="914400" rtl="0" eaLnBrk="1" latinLnBrk="0" hangingPunct="1">
+      <a:lvl3pPr marL="731520" indent="-182880" algn="l" defTabSz="914400" rtl="0" eaLnBrk="1" latinLnBrk="0" hangingPunct="1">
         <a:lnSpc>
           <a:spcPct val="90000"/>
         </a:lnSpc>
@@ -3524,23 +3648,21 @@
           <a:spcPts val="400"/>
         </a:spcAft>
         <a:buClr>
-          <a:schemeClr val="accent1"/>
+          <a:schemeClr val="tx1"/>
         </a:buClr>
-        <a:buFont typeface="Calibri" pitchFamily="34" charset="0"/>
-        <a:buChar char="◦"/>
-        <a:defRPr sz="1400" kern="1200">
+        <a:buSzPct val="80000"/>
+        <a:buFont typeface="Corbel" pitchFamily="34" charset="0"/>
+        <a:buChar char="•"/>
+        <a:defRPr sz="1800" kern="1200">
           <a:solidFill>
-            <a:schemeClr val="tx1">
-              <a:lumMod val="75000"/>
-              <a:lumOff val="25000"/>
-            </a:schemeClr>
+            <a:schemeClr val="tx1"/>
           </a:solidFill>
           <a:latin typeface="+mn-lt"/>
           <a:ea typeface="+mn-ea"/>
           <a:cs typeface="+mn-cs"/>
         </a:defRPr>
       </a:lvl3pPr>
-      <a:lvl4pPr marL="749808" indent="-182880" algn="l" defTabSz="914400" rtl="0" eaLnBrk="1" latinLnBrk="0" hangingPunct="1">
+      <a:lvl4pPr marL="1005840" indent="-182880" algn="l" defTabSz="914400" rtl="0" eaLnBrk="1" latinLnBrk="0" hangingPunct="1">
         <a:lnSpc>
           <a:spcPct val="90000"/>
         </a:lnSpc>
@@ -3551,23 +3673,21 @@
           <a:spcPts val="400"/>
         </a:spcAft>
         <a:buClr>
-          <a:schemeClr val="accent1"/>
+          <a:schemeClr val="tx1"/>
         </a:buClr>
-        <a:buFont typeface="Calibri" pitchFamily="34" charset="0"/>
-        <a:buChar char="◦"/>
-        <a:defRPr sz="1400" kern="1200">
+        <a:buSzPct val="80000"/>
+        <a:buFont typeface="Corbel" pitchFamily="34" charset="0"/>
+        <a:buChar char="•"/>
+        <a:defRPr sz="1600" kern="1200">
           <a:solidFill>
-            <a:schemeClr val="tx1">
-              <a:lumMod val="75000"/>
-              <a:lumOff val="25000"/>
-            </a:schemeClr>
+            <a:schemeClr val="tx1"/>
           </a:solidFill>
           <a:latin typeface="+mn-lt"/>
           <a:ea typeface="+mn-ea"/>
           <a:cs typeface="+mn-cs"/>
         </a:defRPr>
       </a:lvl4pPr>
-      <a:lvl5pPr marL="932688" indent="-182880" algn="l" defTabSz="914400" rtl="0" eaLnBrk="1" latinLnBrk="0" hangingPunct="1">
+      <a:lvl5pPr marL="1280160" indent="-182880" algn="l" defTabSz="914400" rtl="0" eaLnBrk="1" latinLnBrk="0" hangingPunct="1">
         <a:lnSpc>
           <a:spcPct val="90000"/>
         </a:lnSpc>
@@ -3578,23 +3698,21 @@
           <a:spcPts val="400"/>
         </a:spcAft>
         <a:buClr>
-          <a:schemeClr val="accent1"/>
+          <a:schemeClr val="tx1"/>
         </a:buClr>
-        <a:buFont typeface="Calibri" pitchFamily="34" charset="0"/>
-        <a:buChar char="◦"/>
-        <a:defRPr sz="1400" kern="1200">
+        <a:buSzPct val="80000"/>
+        <a:buFont typeface="Corbel" pitchFamily="34" charset="0"/>
+        <a:buChar char="•"/>
+        <a:defRPr sz="1600" kern="1200">
           <a:solidFill>
-            <a:schemeClr val="tx1">
-              <a:lumMod val="75000"/>
-              <a:lumOff val="25000"/>
-            </a:schemeClr>
+            <a:schemeClr val="tx1"/>
           </a:solidFill>
           <a:latin typeface="+mn-lt"/>
           <a:ea typeface="+mn-ea"/>
           <a:cs typeface="+mn-cs"/>
         </a:defRPr>
       </a:lvl5pPr>
-      <a:lvl6pPr marL="1100000" indent="-228600" algn="l" defTabSz="914400" rtl="0" eaLnBrk="1" latinLnBrk="0" hangingPunct="1">
+      <a:lvl6pPr marL="1600000" indent="-228600" algn="l" defTabSz="914400" rtl="0" eaLnBrk="1" latinLnBrk="0" hangingPunct="1">
         <a:lnSpc>
           <a:spcPct val="90000"/>
         </a:lnSpc>
@@ -3605,23 +3723,21 @@
           <a:spcPts val="400"/>
         </a:spcAft>
         <a:buClr>
-          <a:schemeClr val="accent1"/>
+          <a:schemeClr val="tx1"/>
         </a:buClr>
-        <a:buFont typeface="Calibri" pitchFamily="34" charset="0"/>
-        <a:buChar char="◦"/>
-        <a:defRPr sz="1400" kern="1200">
+        <a:buSzPct val="80000"/>
+        <a:buFont typeface="Corbel" pitchFamily="34" charset="0"/>
+        <a:buChar char="•"/>
+        <a:defRPr sz="1600" kern="1200">
           <a:solidFill>
-            <a:schemeClr val="tx1">
-              <a:lumMod val="75000"/>
-              <a:lumOff val="25000"/>
-            </a:schemeClr>
+            <a:schemeClr val="tx1"/>
           </a:solidFill>
           <a:latin typeface="+mn-lt"/>
           <a:ea typeface="+mn-ea"/>
           <a:cs typeface="+mn-cs"/>
         </a:defRPr>
       </a:lvl6pPr>
-      <a:lvl7pPr marL="1300000" indent="-228600" algn="l" defTabSz="914400" rtl="0" eaLnBrk="1" latinLnBrk="0" hangingPunct="1">
+      <a:lvl7pPr marL="1900000" indent="-228600" algn="l" defTabSz="914400" rtl="0" eaLnBrk="1" latinLnBrk="0" hangingPunct="1">
         <a:lnSpc>
           <a:spcPct val="90000"/>
         </a:lnSpc>
@@ -3632,23 +3748,21 @@
           <a:spcPts val="400"/>
         </a:spcAft>
         <a:buClr>
-          <a:schemeClr val="accent1"/>
+          <a:schemeClr val="tx1"/>
         </a:buClr>
-        <a:buFont typeface="Calibri" pitchFamily="34" charset="0"/>
-        <a:buChar char="◦"/>
-        <a:defRPr sz="1400" kern="1200">
+        <a:buSzPct val="80000"/>
+        <a:buFont typeface="Corbel" pitchFamily="34" charset="0"/>
+        <a:buChar char="•"/>
+        <a:defRPr sz="1600" kern="1200">
           <a:solidFill>
-            <a:schemeClr val="tx1">
-              <a:lumMod val="75000"/>
-              <a:lumOff val="25000"/>
-            </a:schemeClr>
+            <a:schemeClr val="tx1"/>
           </a:solidFill>
           <a:latin typeface="+mn-lt"/>
           <a:ea typeface="+mn-ea"/>
           <a:cs typeface="+mn-cs"/>
         </a:defRPr>
       </a:lvl7pPr>
-      <a:lvl8pPr marL="1500000" indent="-228600" algn="l" defTabSz="914400" rtl="0" eaLnBrk="1" latinLnBrk="0" hangingPunct="1">
+      <a:lvl8pPr marL="2200000" indent="-228600" algn="l" defTabSz="914400" rtl="0" eaLnBrk="1" latinLnBrk="0" hangingPunct="1">
         <a:lnSpc>
           <a:spcPct val="90000"/>
         </a:lnSpc>
@@ -3659,23 +3773,21 @@
           <a:spcPts val="400"/>
         </a:spcAft>
         <a:buClr>
-          <a:schemeClr val="accent1"/>
+          <a:schemeClr val="tx1"/>
         </a:buClr>
-        <a:buFont typeface="Calibri" pitchFamily="34" charset="0"/>
-        <a:buChar char="◦"/>
-        <a:defRPr sz="1400" kern="1200">
+        <a:buSzPct val="80000"/>
+        <a:buFont typeface="Corbel" pitchFamily="34" charset="0"/>
+        <a:buChar char="•"/>
+        <a:defRPr sz="1600" kern="1200">
           <a:solidFill>
-            <a:schemeClr val="tx1">
-              <a:lumMod val="75000"/>
-              <a:lumOff val="25000"/>
-            </a:schemeClr>
+            <a:schemeClr val="tx1"/>
           </a:solidFill>
           <a:latin typeface="+mn-lt"/>
           <a:ea typeface="+mn-ea"/>
           <a:cs typeface="+mn-cs"/>
         </a:defRPr>
       </a:lvl8pPr>
-      <a:lvl9pPr marL="1700000" indent="-228600" algn="l" defTabSz="914400" rtl="0" eaLnBrk="1" latinLnBrk="0" hangingPunct="1">
+      <a:lvl9pPr marL="2500000" indent="-228600" algn="l" defTabSz="914400" rtl="0" eaLnBrk="1" latinLnBrk="0" hangingPunct="1">
         <a:lnSpc>
           <a:spcPct val="90000"/>
         </a:lnSpc>
@@ -3686,16 +3798,14 @@
           <a:spcPts val="400"/>
         </a:spcAft>
         <a:buClr>
-          <a:schemeClr val="accent1"/>
+          <a:schemeClr val="tx1"/>
         </a:buClr>
-        <a:buFont typeface="Calibri" pitchFamily="34" charset="0"/>
-        <a:buChar char="◦"/>
-        <a:defRPr sz="1400" kern="1200">
+        <a:buSzPct val="80000"/>
+        <a:buFont typeface="Corbel" pitchFamily="34" charset="0"/>
+        <a:buChar char="•"/>
+        <a:defRPr sz="1600" kern="1200">
           <a:solidFill>
-            <a:schemeClr val="tx1">
-              <a:lumMod val="75000"/>
-              <a:lumOff val="25000"/>
-            </a:schemeClr>
+            <a:schemeClr val="tx1"/>
           </a:solidFill>
           <a:latin typeface="+mn-lt"/>
           <a:ea typeface="+mn-ea"/>
@@ -3837,8 +3947,8 @@
         </p:nvSpPr>
         <p:spPr>
           <a:xfrm>
-            <a:off x="1249680" y="1259379"/>
-            <a:ext cx="10058400" cy="691751"/>
+            <a:off x="2832573" y="2046002"/>
+            <a:ext cx="6340873" cy="587279"/>
           </a:xfrm>
         </p:spPr>
         <p:txBody>
@@ -3849,10 +3959,10 @@
           <a:p>
             <a:pPr algn="ctr"/>
             <a:r>
-              <a:rPr lang="en-GB" sz="4400" dirty="0"/>
+              <a:rPr lang="en-GB" sz="3600" dirty="0"/>
               <a:t>CAPSTONE PROJECT REPORT</a:t>
             </a:r>
-            <a:endParaRPr lang="en-US" sz="4400" dirty="0"/>
+            <a:endParaRPr lang="en-US" sz="3600" dirty="0"/>
           </a:p>
         </p:txBody>
       </p:sp>
@@ -3872,10 +3982,15 @@
             <p:ph type="subTitle" idx="1"/>
           </p:nvPr>
         </p:nvSpPr>
-        <p:spPr/>
+        <p:spPr>
+          <a:xfrm>
+            <a:off x="1479595" y="3737898"/>
+            <a:ext cx="8767860" cy="1388165"/>
+          </a:xfrm>
+        </p:spPr>
         <p:txBody>
           <a:bodyPr>
-            <a:normAutofit fontScale="85000" lnSpcReduction="20000"/>
+            <a:normAutofit/>
           </a:bodyPr>
           <a:lstStyle/>
           <a:p>
@@ -3885,23 +4000,60 @@
             </a:r>
             <a:r>
               <a:rPr lang="en-GB" dirty="0" err="1"/>
-              <a:t>Dr.</a:t>
+              <a:t>Ph.D</a:t>
             </a:r>
             <a:r>
               <a:rPr lang="en-GB" dirty="0"/>
-              <a:t> NGO DAC VIET</a:t>
-            </a:r>
-          </a:p>
-          <a:p>
+              <a:t> </a:t>
+            </a:r>
+            <a:r>
+              <a:rPr lang="en-GB" dirty="0" err="1"/>
+              <a:t>Ngô</a:t>
+            </a:r>
             <a:r>
               <a:rPr lang="en-GB" dirty="0"/>
-              <a:t>		 DR. TRAN DANG LONG</a:t>
-            </a:r>
-          </a:p>
-          <a:p>
+              <a:t> </a:t>
+            </a:r>
+            <a:r>
+              <a:rPr lang="en-GB" dirty="0" err="1"/>
+              <a:t>Đắc</a:t>
+            </a:r>
             <a:r>
               <a:rPr lang="en-GB" dirty="0"/>
-              <a:t>STUDENT: DANG MINH DUY - 1910933</a:t>
+              <a:t> </a:t>
+            </a:r>
+            <a:r>
+              <a:rPr lang="en-GB" dirty="0" err="1"/>
+              <a:t>Việt</a:t>
+            </a:r>
+            <a:endParaRPr lang="en-GB" dirty="0"/>
+          </a:p>
+          <a:p>
+            <a:r>
+              <a:rPr lang="en-GB" dirty="0"/>
+              <a:t>	              </a:t>
+            </a:r>
+            <a:r>
+              <a:rPr lang="en-GB" dirty="0" err="1"/>
+              <a:t>Ph.D</a:t>
+            </a:r>
+            <a:r>
+              <a:rPr lang="en-GB" dirty="0"/>
+              <a:t> </a:t>
+            </a:r>
+            <a:r>
+              <a:rPr lang="en-GB" dirty="0" err="1"/>
+              <a:t>Trần</a:t>
+            </a:r>
+            <a:r>
+              <a:rPr lang="en-GB" dirty="0"/>
+              <a:t> Đăng Long</a:t>
+            </a:r>
+          </a:p>
+          <a:p>
+            <a:r>
+              <a:rPr lang="en-GB" dirty="0"/>
+              <a:t>          Student: Đặng Minh Duy - 1910933</a:t>
             </a:r>
             <a:endParaRPr lang="en-US" dirty="0"/>
           </a:p>
@@ -3923,8 +4075,8 @@
         </p:nvSpPr>
         <p:spPr>
           <a:xfrm>
-            <a:off x="1249680" y="1951131"/>
-            <a:ext cx="10058400" cy="1630270"/>
+            <a:off x="759417" y="2285019"/>
+            <a:ext cx="11161105" cy="1388165"/>
           </a:xfrm>
           <a:prstGeom prst="rect">
             <a:avLst/>
@@ -3959,14 +4111,14 @@
           <a:p>
             <a:pPr algn="ctr"/>
             <a:r>
-              <a:rPr lang="en-GB" sz="5400" dirty="0">
+              <a:rPr lang="en-GB" sz="3600" b="1" dirty="0">
                 <a:solidFill>
                   <a:srgbClr val="FF0000"/>
                 </a:solidFill>
               </a:rPr>
-              <a:t>SIMULATION OF CONTROL RULE OF ELECTRIC POWER STEERING SYSTEM</a:t>
-            </a:r>
-            <a:endParaRPr lang="en-US" sz="5400" dirty="0">
+              <a:t>Modelling, simulation, and control of assisting motor and control rules of Electric Powered Steering (EPS) system </a:t>
+            </a:r>
+            <a:endParaRPr lang="en-US" sz="3600" b="1" dirty="0">
               <a:solidFill>
                 <a:srgbClr val="FF0000"/>
               </a:solidFill>
@@ -4279,8 +4431,8 @@
         </p:blipFill>
         <p:spPr>
           <a:xfrm>
-            <a:off x="1336299" y="1885009"/>
-            <a:ext cx="9580362" cy="4022725"/>
+            <a:off x="1270247" y="2057400"/>
+            <a:ext cx="9618169" cy="4038600"/>
           </a:xfrm>
           <a:prstGeom prst="rect">
             <a:avLst/>
@@ -4543,7 +4695,7 @@
         </p:spPr>
         <p:txBody>
           <a:bodyPr>
-            <a:normAutofit/>
+            <a:normAutofit fontScale="90000"/>
           </a:bodyPr>
           <a:lstStyle/>
           <a:p>
@@ -4659,7 +4811,7 @@
         </p:spPr>
         <p:txBody>
           <a:bodyPr>
-            <a:normAutofit/>
+            <a:normAutofit fontScale="90000"/>
           </a:bodyPr>
           <a:lstStyle/>
           <a:p>
@@ -4775,7 +4927,7 @@
         </p:spPr>
         <p:txBody>
           <a:bodyPr>
-            <a:normAutofit/>
+            <a:normAutofit fontScale="90000"/>
           </a:bodyPr>
           <a:lstStyle/>
           <a:p>
@@ -4891,7 +5043,7 @@
         </p:spPr>
         <p:txBody>
           <a:bodyPr>
-            <a:normAutofit/>
+            <a:normAutofit fontScale="90000"/>
           </a:bodyPr>
           <a:lstStyle/>
           <a:p>
@@ -5030,7 +5182,9 @@
         </p:nvSpPr>
         <p:spPr/>
         <p:txBody>
-          <a:bodyPr/>
+          <a:bodyPr>
+            <a:normAutofit fontScale="92500"/>
+          </a:bodyPr>
           <a:lstStyle/>
           <a:p>
             <a:r>
@@ -5038,35 +5192,6 @@
               <a:t>Project’s control rules</a:t>
             </a:r>
             <a:endParaRPr lang="en-US" dirty="0"/>
-          </a:p>
-        </p:txBody>
-      </p:sp>
-      <p:sp>
-        <p:nvSpPr>
-          <p:cNvPr id="5" name="Text Placeholder 4">
-            <a:extLst>
-              <a:ext uri="{FF2B5EF4-FFF2-40B4-BE49-F238E27FC236}">
-                <a16:creationId xmlns:a16="http://schemas.microsoft.com/office/drawing/2014/main" id="{EC8D7B96-D6A8-A444-2862-B80C878B060F}"/>
-              </a:ext>
-            </a:extLst>
-          </p:cNvPr>
-          <p:cNvSpPr>
-            <a:spLocks noGrp="1"/>
-          </p:cNvSpPr>
-          <p:nvPr>
-            <p:ph type="body" sz="quarter" idx="3"/>
-          </p:nvPr>
-        </p:nvSpPr>
-        <p:spPr/>
-        <p:txBody>
-          <a:bodyPr/>
-          <a:lstStyle/>
-          <a:p>
-            <a:r>
-              <a:rPr lang="en-GB" i="1" dirty="0"/>
-              <a:t>A New Control Strategy of an Electric-Power-Assisted Steering System</a:t>
-            </a:r>
-            <a:endParaRPr lang="en-US" i="1" dirty="0"/>
           </a:p>
         </p:txBody>
       </p:sp>
@@ -5094,14 +5219,45 @@
         </p:blipFill>
         <p:spPr>
           <a:xfrm>
-            <a:off x="1096963" y="2895560"/>
-            <a:ext cx="4938712" cy="2660731"/>
+            <a:off x="1143000" y="3132490"/>
+            <a:ext cx="4754563" cy="2561520"/>
           </a:xfrm>
           <a:prstGeom prst="rect">
             <a:avLst/>
           </a:prstGeom>
         </p:spPr>
       </p:pic>
+      <p:sp>
+        <p:nvSpPr>
+          <p:cNvPr id="5" name="Text Placeholder 4">
+            <a:extLst>
+              <a:ext uri="{FF2B5EF4-FFF2-40B4-BE49-F238E27FC236}">
+                <a16:creationId xmlns:a16="http://schemas.microsoft.com/office/drawing/2014/main" id="{EC8D7B96-D6A8-A444-2862-B80C878B060F}"/>
+              </a:ext>
+            </a:extLst>
+          </p:cNvPr>
+          <p:cNvSpPr>
+            <a:spLocks noGrp="1"/>
+          </p:cNvSpPr>
+          <p:nvPr>
+            <p:ph type="body" sz="quarter" idx="3"/>
+          </p:nvPr>
+        </p:nvSpPr>
+        <p:spPr/>
+        <p:txBody>
+          <a:bodyPr>
+            <a:normAutofit fontScale="92500"/>
+          </a:bodyPr>
+          <a:lstStyle/>
+          <a:p>
+            <a:r>
+              <a:rPr lang="en-GB" i="1" dirty="0"/>
+              <a:t>A New Control Strategy of an Electric-Power-Assisted Steering System</a:t>
+            </a:r>
+            <a:endParaRPr lang="en-US" i="1" dirty="0"/>
+          </a:p>
+        </p:txBody>
+      </p:sp>
       <p:pic>
         <p:nvPicPr>
           <p:cNvPr id="8" name="Content Placeholder 7" descr="A graph of a driver torque&#10;&#10;Description automatically generated with low confidence">
@@ -5126,8 +5282,8 @@
         </p:blipFill>
         <p:spPr>
           <a:xfrm>
-            <a:off x="6505209" y="2582863"/>
-            <a:ext cx="4363182" cy="3286125"/>
+            <a:off x="6400439" y="2719388"/>
+            <a:ext cx="4491759" cy="3382962"/>
           </a:xfrm>
           <a:prstGeom prst="rect">
             <a:avLst/>
@@ -5299,10 +5455,18 @@
           <a:lstStyle/>
           <a:p>
             <a:r>
-              <a:rPr lang="en-GB" dirty="0"/>
+              <a:rPr lang="en-GB" dirty="0">
+                <a:solidFill>
+                  <a:schemeClr val="tx1"/>
+                </a:solidFill>
+              </a:rPr>
               <a:t>TABLE OF CONTENTS</a:t>
             </a:r>
-            <a:endParaRPr lang="en-US" dirty="0"/>
+            <a:endParaRPr lang="en-US" dirty="0">
+              <a:solidFill>
+                <a:schemeClr val="tx1"/>
+              </a:solidFill>
+            </a:endParaRPr>
           </a:p>
         </p:txBody>
       </p:sp>
@@ -5334,7 +5498,11 @@
               <a:buAutoNum type="arabicPeriod"/>
             </a:pPr>
             <a:r>
-              <a:rPr lang="en-GB" sz="3200" dirty="0"/>
+              <a:rPr lang="en-GB" sz="3200" dirty="0">
+                <a:solidFill>
+                  <a:schemeClr val="tx1"/>
+                </a:solidFill>
+              </a:rPr>
               <a:t>INTRODUCTION</a:t>
             </a:r>
           </a:p>
@@ -5344,7 +5512,11 @@
               <a:buAutoNum type="arabicPeriod"/>
             </a:pPr>
             <a:r>
-              <a:rPr lang="en-GB" sz="3200" dirty="0"/>
+              <a:rPr lang="en-GB" sz="3200" dirty="0">
+                <a:solidFill>
+                  <a:schemeClr val="tx1"/>
+                </a:solidFill>
+              </a:rPr>
               <a:t>THEORETICAL BASIS</a:t>
             </a:r>
           </a:p>
@@ -5354,7 +5526,11 @@
               <a:buAutoNum type="arabicPeriod"/>
             </a:pPr>
             <a:r>
-              <a:rPr lang="en-GB" sz="3200" dirty="0"/>
+              <a:rPr lang="en-GB" sz="3200" dirty="0">
+                <a:solidFill>
+                  <a:schemeClr val="tx1"/>
+                </a:solidFill>
+              </a:rPr>
               <a:t>SIMULATION PROCESS</a:t>
             </a:r>
           </a:p>
@@ -5364,7 +5540,11 @@
               <a:buAutoNum type="arabicPeriod"/>
             </a:pPr>
             <a:r>
-              <a:rPr lang="en-GB" sz="3200" dirty="0"/>
+              <a:rPr lang="en-GB" sz="3200" dirty="0">
+                <a:solidFill>
+                  <a:schemeClr val="tx1"/>
+                </a:solidFill>
+              </a:rPr>
               <a:t>RESULTS AND EVALUATION</a:t>
             </a:r>
           </a:p>
@@ -5374,10 +5554,18 @@
               <a:buAutoNum type="arabicPeriod"/>
             </a:pPr>
             <a:r>
-              <a:rPr lang="en-GB" sz="3200" dirty="0"/>
+              <a:rPr lang="en-GB" sz="3200" dirty="0">
+                <a:solidFill>
+                  <a:schemeClr val="tx1"/>
+                </a:solidFill>
+              </a:rPr>
               <a:t>FUTURE WORK AND ENHANCEMENT</a:t>
             </a:r>
-            <a:endParaRPr lang="en-US" sz="3200" dirty="0"/>
+            <a:endParaRPr lang="en-US" sz="3200" dirty="0">
+              <a:solidFill>
+                <a:schemeClr val="tx1"/>
+              </a:solidFill>
+            </a:endParaRPr>
           </a:p>
         </p:txBody>
       </p:sp>
@@ -5492,113 +5680,161 @@
             <p:ph type="title"/>
           </p:nvPr>
         </p:nvSpPr>
-        <p:spPr/>
-        <p:txBody>
-          <a:bodyPr/>
+        <p:spPr>
+          <a:xfrm>
+            <a:off x="1174771" y="519193"/>
+            <a:ext cx="10058400" cy="1193371"/>
+          </a:xfrm>
+        </p:spPr>
+        <p:txBody>
+          <a:bodyPr>
+            <a:normAutofit/>
+          </a:bodyPr>
           <a:lstStyle/>
           <a:p>
             <a:r>
-              <a:rPr lang="en-GB" dirty="0"/>
-              <a:t>1. INTRODUCTION</a:t>
-            </a:r>
-            <a:endParaRPr lang="en-US" dirty="0"/>
-          </a:p>
-        </p:txBody>
-      </p:sp>
-      <p:sp>
-        <p:nvSpPr>
-          <p:cNvPr id="3" name="Content Placeholder 2">
+              <a:rPr lang="en-GB" sz="4000" dirty="0">
+                <a:solidFill>
+                  <a:schemeClr val="tx1"/>
+                </a:solidFill>
+              </a:rPr>
+              <a:t>1.INTRODUCTION</a:t>
+            </a:r>
+            <a:br>
+              <a:rPr lang="en-GB" sz="4000" dirty="0">
+                <a:solidFill>
+                  <a:schemeClr val="tx1"/>
+                </a:solidFill>
+              </a:rPr>
+            </a:br>
+            <a:r>
+              <a:rPr lang="en-GB" sz="3200" dirty="0">
+                <a:solidFill>
+                  <a:schemeClr val="tx1"/>
+                </a:solidFill>
+              </a:rPr>
+              <a:t>1.1.Introduction to power steering system</a:t>
+            </a:r>
+            <a:endParaRPr lang="en-US" sz="3200" dirty="0">
+              <a:solidFill>
+                <a:schemeClr val="tx1"/>
+              </a:solidFill>
+            </a:endParaRPr>
+          </a:p>
+        </p:txBody>
+      </p:sp>
+      <p:pic>
+        <p:nvPicPr>
+          <p:cNvPr id="1028" name="Picture 4" descr="The Power Steering And Its Different Types, Explained">
             <a:extLst>
               <a:ext uri="{FF2B5EF4-FFF2-40B4-BE49-F238E27FC236}">
-                <a16:creationId xmlns:a16="http://schemas.microsoft.com/office/drawing/2014/main" id="{9B3F6B92-60BB-176E-3C88-CCC7CCC87F15}"/>
+                <a16:creationId xmlns:a16="http://schemas.microsoft.com/office/drawing/2014/main" id="{45FD8801-58A8-842F-D2CF-E93A1B263370}"/>
               </a:ext>
             </a:extLst>
           </p:cNvPr>
-          <p:cNvSpPr>
-            <a:spLocks noGrp="1"/>
-          </p:cNvSpPr>
+          <p:cNvPicPr>
+            <a:picLocks noGrp="1" noChangeAspect="1" noChangeArrowheads="1"/>
+          </p:cNvPicPr>
           <p:nvPr>
             <p:ph idx="1"/>
           </p:nvPr>
-        </p:nvSpPr>
-        <p:spPr/>
-        <p:txBody>
-          <a:bodyPr>
-            <a:normAutofit lnSpcReduction="10000"/>
+        </p:nvPicPr>
+        <p:blipFill>
+          <a:blip r:embed="rId2">
+            <a:extLst>
+              <a:ext uri="{28A0092B-C50C-407E-A947-70E740481C1C}">
+                <a14:useLocalDpi xmlns:a14="http://schemas.microsoft.com/office/drawing/2010/main" val="0"/>
+              </a:ext>
+            </a:extLst>
+          </a:blip>
+          <a:srcRect/>
+          <a:stretch>
+            <a:fillRect/>
+          </a:stretch>
+        </p:blipFill>
+        <p:spPr bwMode="auto">
+          <a:xfrm>
+            <a:off x="401084" y="1712564"/>
+            <a:ext cx="5694916" cy="4022725"/>
+          </a:xfrm>
+          <a:prstGeom prst="rect">
+            <a:avLst/>
+          </a:prstGeom>
+          <a:noFill/>
+          <a:extLst>
+            <a:ext uri="{909E8E84-426E-40DD-AFC4-6F175D3DCCD1}">
+              <a14:hiddenFill xmlns:a14="http://schemas.microsoft.com/office/drawing/2010/main">
+                <a:solidFill>
+                  <a:srgbClr val="FFFFFF"/>
+                </a:solidFill>
+              </a14:hiddenFill>
+            </a:ext>
+          </a:extLst>
+        </p:spPr>
+      </p:pic>
+      <p:pic>
+        <p:nvPicPr>
+          <p:cNvPr id="6" name="Picture 110">
+            <a:extLst>
+              <a:ext uri="{FF2B5EF4-FFF2-40B4-BE49-F238E27FC236}">
+                <a16:creationId xmlns:a16="http://schemas.microsoft.com/office/drawing/2014/main" id="{E17D8DB4-0685-5B3B-FCEB-3A019911E735}"/>
+              </a:ext>
+            </a:extLst>
+          </p:cNvPr>
+          <p:cNvPicPr>
+            <a:picLocks noChangeAspect="1"/>
+          </p:cNvPicPr>
+          <p:nvPr/>
+        </p:nvPicPr>
+        <p:blipFill>
+          <a:blip r:embed="rId3"/>
+          <a:stretch>
+            <a:fillRect/>
+          </a:stretch>
+        </p:blipFill>
+        <p:spPr>
+          <a:xfrm>
+            <a:off x="6733700" y="1712564"/>
+            <a:ext cx="4499471" cy="4049713"/>
+          </a:xfrm>
+          <a:prstGeom prst="rect">
+            <a:avLst/>
+          </a:prstGeom>
+        </p:spPr>
+      </p:pic>
+      <p:sp>
+        <p:nvSpPr>
+          <p:cNvPr id="9" name="TextBox 8">
+            <a:extLst>
+              <a:ext uri="{FF2B5EF4-FFF2-40B4-BE49-F238E27FC236}">
+                <a16:creationId xmlns:a16="http://schemas.microsoft.com/office/drawing/2014/main" id="{5A6F484C-807D-B04D-1B63-1EB91E332A6C}"/>
+              </a:ext>
+            </a:extLst>
+          </p:cNvPr>
+          <p:cNvSpPr txBox="1"/>
+          <p:nvPr/>
+        </p:nvSpPr>
+        <p:spPr>
+          <a:xfrm>
+            <a:off x="1689315" y="5763193"/>
+            <a:ext cx="8159858" cy="646331"/>
+          </a:xfrm>
+          <a:prstGeom prst="rect">
+            <a:avLst/>
+          </a:prstGeom>
+          <a:noFill/>
+        </p:spPr>
+        <p:txBody>
+          <a:bodyPr wrap="square" rtlCol="0">
+            <a:spAutoFit/>
           </a:bodyPr>
           <a:lstStyle/>
           <a:p>
-            <a:pPr>
-              <a:buFont typeface="Wingdings" panose="05000000000000000000" pitchFamily="2" charset="2"/>
-              <a:buChar char="§"/>
-            </a:pPr>
-            <a:r>
-              <a:rPr lang="en-GB" dirty="0"/>
-              <a:t> </a:t>
-            </a:r>
-            <a:r>
-              <a:rPr lang="en-GB" sz="2800" dirty="0"/>
-              <a:t>Type: Scientific research</a:t>
-            </a:r>
-          </a:p>
-          <a:p>
-            <a:pPr>
-              <a:buFont typeface="Wingdings" panose="05000000000000000000" pitchFamily="2" charset="2"/>
-              <a:buChar char="§"/>
-            </a:pPr>
-            <a:r>
-              <a:rPr lang="en-US" sz="2800" dirty="0"/>
-              <a:t> Objective: Determine and simulate the control of the assisting motor and control rules of EPS according to different vehicle speeds and steering wheel angles.</a:t>
-            </a:r>
-          </a:p>
-          <a:p>
-            <a:pPr>
-              <a:buFont typeface="Wingdings" panose="05000000000000000000" pitchFamily="2" charset="2"/>
-              <a:buChar char="§"/>
-            </a:pPr>
-            <a:r>
-              <a:rPr lang="en-US" sz="2800" dirty="0"/>
-              <a:t> Technical requirements:</a:t>
-            </a:r>
-          </a:p>
-          <a:p>
-            <a:pPr lvl="1">
-              <a:buFont typeface="Arial" panose="020B0604020202020204" pitchFamily="34" charset="0"/>
-              <a:buChar char="•"/>
-            </a:pPr>
-            <a:r>
-              <a:rPr lang="en-US" sz="2800" dirty="0"/>
-              <a:t>Simulation model works properly</a:t>
-            </a:r>
-          </a:p>
-          <a:p>
-            <a:pPr lvl="1">
-              <a:buFont typeface="Arial" panose="020B0604020202020204" pitchFamily="34" charset="0"/>
-              <a:buChar char="•"/>
-            </a:pPr>
-            <a:r>
-              <a:rPr lang="en-US" sz="2800" dirty="0"/>
-              <a:t>Accurate assisting moment</a:t>
-            </a:r>
-          </a:p>
-          <a:p>
-            <a:pPr lvl="1">
-              <a:buFont typeface="Arial" panose="020B0604020202020204" pitchFamily="34" charset="0"/>
-              <a:buChar char="•"/>
-            </a:pPr>
-            <a:r>
-              <a:rPr lang="en-US" sz="2800" dirty="0"/>
-              <a:t>Assisting moment from motor can follow as desired</a:t>
-            </a:r>
-          </a:p>
-          <a:p>
-            <a:pPr lvl="1">
-              <a:buFont typeface="Arial" panose="020B0604020202020204" pitchFamily="34" charset="0"/>
-              <a:buChar char="•"/>
-            </a:pPr>
-            <a:r>
-              <a:rPr lang="en-US" sz="2800" dirty="0"/>
-              <a:t>Vehicle moves as desired</a:t>
+            <a:r>
+              <a:rPr lang="en-US" dirty="0">
+                <a:sym typeface="Wingdings" panose="05000000000000000000" pitchFamily="2" charset="2"/>
+              </a:rPr>
+              <a:t>Electric power steering is lighter, more compact. It also requires less maintenance, has better fuel efficiency</a:t>
             </a:r>
           </a:p>
         </p:txBody>
@@ -5638,7 +5874,7 @@
           <p:cNvPr id="2" name="Title 1">
             <a:extLst>
               <a:ext uri="{FF2B5EF4-FFF2-40B4-BE49-F238E27FC236}">
-                <a16:creationId xmlns:a16="http://schemas.microsoft.com/office/drawing/2014/main" id="{119C5C9F-1570-CA95-49B7-538C161B2954}"/>
+                <a16:creationId xmlns:a16="http://schemas.microsoft.com/office/drawing/2014/main" id="{35010F10-D4CC-04AC-F16D-298EF95E4E3A}"/>
               </a:ext>
             </a:extLst>
           </p:cNvPr>
@@ -5651,8 +5887,8 @@
         </p:nvSpPr>
         <p:spPr>
           <a:xfrm>
-            <a:off x="1066800" y="0"/>
-            <a:ext cx="10058400" cy="954811"/>
+            <a:off x="1174771" y="519193"/>
+            <a:ext cx="10058400" cy="1193371"/>
           </a:xfrm>
         </p:spPr>
         <p:txBody>
@@ -5662,56 +5898,86 @@
           <a:lstStyle/>
           <a:p>
             <a:r>
-              <a:rPr lang="en-GB" sz="4000" dirty="0"/>
-              <a:t>2. THEORETICAL BASIS</a:t>
+              <a:rPr lang="en-GB" sz="4000" dirty="0">
+                <a:solidFill>
+                  <a:schemeClr val="tx1"/>
+                </a:solidFill>
+              </a:rPr>
+              <a:t>1.INTRODUCTION</a:t>
             </a:r>
             <a:br>
-              <a:rPr lang="en-GB" sz="4000" dirty="0"/>
+              <a:rPr lang="en-GB" sz="4000" dirty="0">
+                <a:solidFill>
+                  <a:schemeClr val="tx1"/>
+                </a:solidFill>
+              </a:rPr>
             </a:br>
             <a:r>
-              <a:rPr lang="en-GB" sz="2400" dirty="0"/>
-              <a:t>2.1. ELECTRIC POWER STEERING (EPS) SYSTEM</a:t>
-            </a:r>
-            <a:endParaRPr lang="en-US" sz="4000" dirty="0"/>
-          </a:p>
-        </p:txBody>
-      </p:sp>
-      <p:pic>
-        <p:nvPicPr>
-          <p:cNvPr id="7" name="Content Placeholder 6" descr="A picture containing text, diagram, plan, screenshot&#10;&#10;Description automatically generated">
+              <a:rPr lang="en-GB" sz="3200" dirty="0">
+                <a:solidFill>
+                  <a:schemeClr val="tx1"/>
+                </a:solidFill>
+              </a:rPr>
+              <a:t>1.1.Introduction to power steering system</a:t>
+            </a:r>
+            <a:endParaRPr lang="en-US" sz="3200" dirty="0">
+              <a:solidFill>
+                <a:schemeClr val="tx1"/>
+              </a:solidFill>
+            </a:endParaRPr>
+          </a:p>
+        </p:txBody>
+      </p:sp>
+      <p:sp>
+        <p:nvSpPr>
+          <p:cNvPr id="3" name="Content Placeholder 2">
             <a:extLst>
               <a:ext uri="{FF2B5EF4-FFF2-40B4-BE49-F238E27FC236}">
-                <a16:creationId xmlns:a16="http://schemas.microsoft.com/office/drawing/2014/main" id="{73B5FBBA-21D0-45BC-9DED-BBC805E0DC50}"/>
+                <a16:creationId xmlns:a16="http://schemas.microsoft.com/office/drawing/2014/main" id="{F87CA0DC-3FAE-5831-0155-9B4FFBD0A69A}"/>
               </a:ext>
             </a:extLst>
           </p:cNvPr>
-          <p:cNvPicPr>
-            <a:picLocks noGrp="1" noChangeAspect="1"/>
-          </p:cNvPicPr>
+          <p:cNvSpPr>
+            <a:spLocks noGrp="1"/>
+          </p:cNvSpPr>
           <p:nvPr>
             <p:ph idx="1"/>
           </p:nvPr>
-        </p:nvPicPr>
-        <p:blipFill>
-          <a:blip r:embed="rId2"/>
-          <a:stretch>
-            <a:fillRect/>
-          </a:stretch>
-        </p:blipFill>
-        <p:spPr>
-          <a:xfrm>
-            <a:off x="1066800" y="954811"/>
-            <a:ext cx="10173419" cy="5356492"/>
-          </a:xfrm>
-          <a:prstGeom prst="rect">
-            <a:avLst/>
-          </a:prstGeom>
-        </p:spPr>
-      </p:pic>
+        </p:nvSpPr>
+        <p:spPr/>
+        <p:txBody>
+          <a:bodyPr/>
+          <a:lstStyle/>
+          <a:p>
+            <a:r>
+              <a:rPr lang="en-GB" u="sng"/>
+              <a:t>Objective</a:t>
+            </a:r>
+            <a:r>
+              <a:rPr lang="en-GB"/>
+              <a:t>: </a:t>
+            </a:r>
+            <a:r>
+              <a:rPr lang="en-GB" dirty="0"/>
+              <a:t>Build and simulate the Electric power steering system and apply the control rules according to different steering wheel angles and speeds </a:t>
+            </a:r>
+            <a:r>
+              <a:rPr lang="en-GB"/>
+              <a:t>of vehicle.</a:t>
+            </a:r>
+          </a:p>
+          <a:p>
+            <a:endParaRPr lang="en-GB"/>
+          </a:p>
+          <a:p>
+            <a:endParaRPr lang="en-US" dirty="0"/>
+          </a:p>
+        </p:txBody>
+      </p:sp>
     </p:spTree>
     <p:extLst>
       <p:ext uri="{BB962C8B-B14F-4D97-AF65-F5344CB8AC3E}">
-        <p14:creationId xmlns:p14="http://schemas.microsoft.com/office/powerpoint/2010/main" val="621574312"/>
+        <p14:creationId xmlns:p14="http://schemas.microsoft.com/office/powerpoint/2010/main" val="1400239387"/>
       </p:ext>
     </p:extLst>
   </p:cSld>
@@ -5738,6 +6004,49 @@
           <a:chExt cx="0" cy="0"/>
         </a:xfrm>
       </p:grpSpPr>
+      <p:sp>
+        <p:nvSpPr>
+          <p:cNvPr id="2" name="Title 1">
+            <a:extLst>
+              <a:ext uri="{FF2B5EF4-FFF2-40B4-BE49-F238E27FC236}">
+                <a16:creationId xmlns:a16="http://schemas.microsoft.com/office/drawing/2014/main" id="{119C5C9F-1570-CA95-49B7-538C161B2954}"/>
+              </a:ext>
+            </a:extLst>
+          </p:cNvPr>
+          <p:cNvSpPr>
+            <a:spLocks noGrp="1"/>
+          </p:cNvSpPr>
+          <p:nvPr>
+            <p:ph type="title"/>
+          </p:nvPr>
+        </p:nvSpPr>
+        <p:spPr>
+          <a:xfrm>
+            <a:off x="1066800" y="240224"/>
+            <a:ext cx="10058400" cy="1110277"/>
+          </a:xfrm>
+        </p:spPr>
+        <p:txBody>
+          <a:bodyPr>
+            <a:normAutofit/>
+          </a:bodyPr>
+          <a:lstStyle/>
+          <a:p>
+            <a:r>
+              <a:rPr lang="en-GB" sz="4000" dirty="0"/>
+              <a:t>2. THEORETICAL BASIS</a:t>
+            </a:r>
+            <a:br>
+              <a:rPr lang="en-GB" sz="4000" dirty="0"/>
+            </a:br>
+            <a:r>
+              <a:rPr lang="en-GB" sz="3200" dirty="0"/>
+              <a:t>2.1. Dynamic equilibrium equation</a:t>
+            </a:r>
+            <a:endParaRPr lang="en-US" sz="4000" dirty="0"/>
+          </a:p>
+        </p:txBody>
+      </p:sp>
       <p:pic>
         <p:nvPicPr>
           <p:cNvPr id="9" name="Content Placeholder 6" descr="A picture containing text, diagram, plan, screenshot&#10;&#10;Description automatically generated">
@@ -5762,7 +6071,7 @@
         </p:blipFill>
         <p:spPr>
           <a:xfrm>
-            <a:off x="135618" y="1623905"/>
+            <a:off x="255122" y="1540255"/>
             <a:ext cx="6817892" cy="4543982"/>
           </a:xfrm>
           <a:prstGeom prst="rect">
@@ -5770,47 +6079,6 @@
           </a:prstGeom>
         </p:spPr>
       </p:pic>
-      <p:sp>
-        <p:nvSpPr>
-          <p:cNvPr id="2" name="Title 1">
-            <a:extLst>
-              <a:ext uri="{FF2B5EF4-FFF2-40B4-BE49-F238E27FC236}">
-                <a16:creationId xmlns:a16="http://schemas.microsoft.com/office/drawing/2014/main" id="{119C5C9F-1570-CA95-49B7-538C161B2954}"/>
-              </a:ext>
-            </a:extLst>
-          </p:cNvPr>
-          <p:cNvSpPr>
-            <a:spLocks noGrp="1"/>
-          </p:cNvSpPr>
-          <p:nvPr>
-            <p:ph type="title"/>
-          </p:nvPr>
-        </p:nvSpPr>
-        <p:spPr>
-          <a:xfrm>
-            <a:off x="1131786" y="0"/>
-            <a:ext cx="10058400" cy="1450757"/>
-          </a:xfrm>
-        </p:spPr>
-        <p:txBody>
-          <a:bodyPr/>
-          <a:lstStyle/>
-          <a:p>
-            <a:r>
-              <a:rPr lang="en-GB" dirty="0"/>
-              <a:t>2. THEORETICAL BASIS</a:t>
-            </a:r>
-            <a:br>
-              <a:rPr lang="en-GB" dirty="0"/>
-            </a:br>
-            <a:r>
-              <a:rPr lang="en-GB" sz="3200" dirty="0"/>
-              <a:t>2.2. DYNAMIC EQUILIBRIUM EQUATION</a:t>
-            </a:r>
-            <a:endParaRPr lang="en-US" dirty="0"/>
-          </a:p>
-        </p:txBody>
-      </p:sp>
       <mc:AlternateContent xmlns:mc="http://schemas.openxmlformats.org/markup-compatibility/2006" xmlns:a14="http://schemas.microsoft.com/office/drawing/2010/main">
         <mc:Choice Requires="a14">
           <p:sp>
@@ -7340,9 +7608,16 @@
             <p:ph type="title"/>
           </p:nvPr>
         </p:nvSpPr>
-        <p:spPr/>
-        <p:txBody>
-          <a:bodyPr/>
+        <p:spPr>
+          <a:xfrm>
+            <a:off x="1158240" y="253139"/>
+            <a:ext cx="9875520" cy="994475"/>
+          </a:xfrm>
+        </p:spPr>
+        <p:txBody>
+          <a:bodyPr>
+            <a:normAutofit fontScale="90000"/>
+          </a:bodyPr>
           <a:lstStyle/>
           <a:p>
             <a:r>
@@ -7354,7 +7629,7 @@
             </a:br>
             <a:r>
               <a:rPr lang="en-GB" sz="3200" dirty="0"/>
-              <a:t>2.3. ELECTRIC POWER STEERING (EPS) BLOCK DIAGRAM</a:t>
+              <a:t>2.2. ELECTRIC POWER STEERING (EPS) BLOCK DIAGRAM</a:t>
             </a:r>
             <a:endParaRPr lang="en-US" dirty="0"/>
           </a:p>
@@ -7630,8 +7905,8 @@
         </p:blipFill>
         <p:spPr>
           <a:xfrm>
-            <a:off x="1308054" y="1846263"/>
-            <a:ext cx="9636217" cy="4022725"/>
+            <a:off x="1242209" y="2057400"/>
+            <a:ext cx="9674244" cy="4038600"/>
           </a:xfrm>
           <a:prstGeom prst="rect">
             <a:avLst/>
@@ -7747,8 +8022,8 @@
           </a:ln>
         </p:spPr>
       </p:pic>
-      <mc:AlternateContent xmlns:mc="http://schemas.openxmlformats.org/markup-compatibility/2006">
-        <mc:Choice xmlns:a14="http://schemas.microsoft.com/office/drawing/2010/main" Requires="a14">
+      <mc:AlternateContent xmlns:mc="http://schemas.openxmlformats.org/markup-compatibility/2006" xmlns:a14="http://schemas.microsoft.com/office/drawing/2010/main">
+        <mc:Choice Requires="a14">
           <p:sp>
             <p:nvSpPr>
               <p:cNvPr id="8" name="TextBox 7">
@@ -7817,6 +8092,7 @@
                           <a:srgbClr val="FF0000"/>
                         </a:solidFill>
                         <a:effectLst/>
+                        <a:latin typeface="Cambria Math" panose="02040503050406030204" pitchFamily="18" charset="0"/>
                         <a:ea typeface="Calibri" panose="020F0502020204030204" pitchFamily="34" charset="0"/>
                         <a:cs typeface="Times New Roman" panose="02020603050405020304" pitchFamily="18" charset="0"/>
                       </a:rPr>
@@ -7828,6 +8104,7 @@
                           <a:srgbClr val="FF0000"/>
                         </a:solidFill>
                         <a:effectLst/>
+                        <a:latin typeface="Cambria Math" panose="02040503050406030204" pitchFamily="18" charset="0"/>
                         <a:ea typeface="Calibri" panose="020F0502020204030204" pitchFamily="34" charset="0"/>
                         <a:cs typeface="Times New Roman" panose="02020603050405020304" pitchFamily="18" charset="0"/>
                       </a:rPr>
@@ -7841,6 +8118,7 @@
                               <a:srgbClr val="FF0000"/>
                             </a:solidFill>
                             <a:effectLst/>
+                            <a:latin typeface="Cambria Math" panose="02040503050406030204" pitchFamily="18" charset="0"/>
                             <a:ea typeface="Calibri" panose="020F0502020204030204" pitchFamily="34" charset="0"/>
                             <a:cs typeface="Times New Roman" panose="02020603050405020304" pitchFamily="18" charset="0"/>
                           </a:rPr>
@@ -7853,6 +8131,7 @@
                               <a:srgbClr val="FF0000"/>
                             </a:solidFill>
                             <a:effectLst/>
+                            <a:latin typeface="Cambria Math" panose="02040503050406030204" pitchFamily="18" charset="0"/>
                             <a:ea typeface="Calibri" panose="020F0502020204030204" pitchFamily="34" charset="0"/>
                             <a:cs typeface="Times New Roman" panose="02020603050405020304" pitchFamily="18" charset="0"/>
                           </a:rPr>
@@ -7866,6 +8145,7 @@
                               <a:srgbClr val="FF0000"/>
                             </a:solidFill>
                             <a:effectLst/>
+                            <a:latin typeface="Cambria Math" panose="02040503050406030204" pitchFamily="18" charset="0"/>
                             <a:ea typeface="Calibri" panose="020F0502020204030204" pitchFamily="34" charset="0"/>
                             <a:cs typeface="Times New Roman" panose="02020603050405020304" pitchFamily="18" charset="0"/>
                           </a:rPr>
@@ -7882,6 +8162,7 @@
                               <a:srgbClr val="FF0000"/>
                             </a:solidFill>
                             <a:effectLst/>
+                            <a:latin typeface="Cambria Math" panose="02040503050406030204" pitchFamily="18" charset="0"/>
                             <a:ea typeface="Times New Roman" panose="02020603050405020304" pitchFamily="18" charset="0"/>
                             <a:cs typeface="Times New Roman" panose="02020603050405020304" pitchFamily="18" charset="0"/>
                           </a:rPr>
@@ -7894,6 +8175,7 @@
                               <a:srgbClr val="FF0000"/>
                             </a:solidFill>
                             <a:effectLst/>
+                            <a:latin typeface="Cambria Math" panose="02040503050406030204" pitchFamily="18" charset="0"/>
                             <a:ea typeface="Calibri" panose="020F0502020204030204" pitchFamily="34" charset="0"/>
                             <a:cs typeface="Times New Roman" panose="02020603050405020304" pitchFamily="18" charset="0"/>
                           </a:rPr>
@@ -7933,6 +8215,7 @@
                           <a:srgbClr val="FF0000"/>
                         </a:solidFill>
                         <a:effectLst/>
+                        <a:latin typeface="Cambria Math" panose="02040503050406030204" pitchFamily="18" charset="0"/>
                         <a:ea typeface="Calibri" panose="020F0502020204030204" pitchFamily="34" charset="0"/>
                         <a:cs typeface="Times New Roman" panose="02020603050405020304" pitchFamily="18" charset="0"/>
                       </a:rPr>
@@ -7944,6 +8227,7 @@
                           <a:srgbClr val="FF0000"/>
                         </a:solidFill>
                         <a:effectLst/>
+                        <a:latin typeface="Cambria Math" panose="02040503050406030204" pitchFamily="18" charset="0"/>
                         <a:ea typeface="Calibri" panose="020F0502020204030204" pitchFamily="34" charset="0"/>
                         <a:cs typeface="Times New Roman" panose="02020603050405020304" pitchFamily="18" charset="0"/>
                       </a:rPr>
@@ -7955,6 +8239,7 @@
                           <a:srgbClr val="FF0000"/>
                         </a:solidFill>
                         <a:effectLst/>
+                        <a:latin typeface="Cambria Math" panose="02040503050406030204" pitchFamily="18" charset="0"/>
                         <a:ea typeface="Calibri" panose="020F0502020204030204" pitchFamily="34" charset="0"/>
                         <a:cs typeface="Times New Roman" panose="02020603050405020304" pitchFamily="18" charset="0"/>
                       </a:rPr>
@@ -7966,6 +8251,7 @@
                           <a:srgbClr val="FF0000"/>
                         </a:solidFill>
                         <a:effectLst/>
+                        <a:latin typeface="Cambria Math" panose="02040503050406030204" pitchFamily="18" charset="0"/>
                         <a:ea typeface="Calibri" panose="020F0502020204030204" pitchFamily="34" charset="0"/>
                         <a:cs typeface="Times New Roman" panose="02020603050405020304" pitchFamily="18" charset="0"/>
                       </a:rPr>
@@ -7977,6 +8263,7 @@
                           <a:srgbClr val="FF0000"/>
                         </a:solidFill>
                         <a:effectLst/>
+                        <a:latin typeface="Cambria Math" panose="02040503050406030204" pitchFamily="18" charset="0"/>
                         <a:ea typeface="Calibri" panose="020F0502020204030204" pitchFamily="34" charset="0"/>
                         <a:cs typeface="Times New Roman" panose="02020603050405020304" pitchFamily="18" charset="0"/>
                       </a:rPr>
@@ -7991,6 +8278,7 @@
                               <a:srgbClr val="FF0000"/>
                             </a:solidFill>
                             <a:effectLst/>
+                            <a:latin typeface="Cambria Math" panose="02040503050406030204" pitchFamily="18" charset="0"/>
                             <a:ea typeface="Calibri" panose="020F0502020204030204" pitchFamily="34" charset="0"/>
                             <a:cs typeface="Times New Roman" panose="02020603050405020304" pitchFamily="18" charset="0"/>
                           </a:rPr>
@@ -8003,6 +8291,7 @@
                               <a:srgbClr val="FF0000"/>
                             </a:solidFill>
                             <a:effectLst/>
+                            <a:latin typeface="Cambria Math" panose="02040503050406030204" pitchFamily="18" charset="0"/>
                             <a:ea typeface="Calibri" panose="020F0502020204030204" pitchFamily="34" charset="0"/>
                             <a:cs typeface="Times New Roman" panose="02020603050405020304" pitchFamily="18" charset="0"/>
                           </a:rPr>
@@ -8016,6 +8305,7 @@
                           <a:srgbClr val="FF0000"/>
                         </a:solidFill>
                         <a:effectLst/>
+                        <a:latin typeface="Cambria Math" panose="02040503050406030204" pitchFamily="18" charset="0"/>
                         <a:ea typeface="Calibri" panose="020F0502020204030204" pitchFamily="34" charset="0"/>
                         <a:cs typeface="Times New Roman" panose="02020603050405020304" pitchFamily="18" charset="0"/>
                       </a:rPr>
@@ -8027,6 +8317,7 @@
                           <a:srgbClr val="FF0000"/>
                         </a:solidFill>
                         <a:effectLst/>
+                        <a:latin typeface="Cambria Math" panose="02040503050406030204" pitchFamily="18" charset="0"/>
                         <a:ea typeface="Calibri" panose="020F0502020204030204" pitchFamily="34" charset="0"/>
                         <a:cs typeface="Times New Roman" panose="02020603050405020304" pitchFamily="18" charset="0"/>
                       </a:rPr>
@@ -8041,6 +8332,7 @@
                               <a:srgbClr val="FF0000"/>
                             </a:solidFill>
                             <a:effectLst/>
+                            <a:latin typeface="Cambria Math" panose="02040503050406030204" pitchFamily="18" charset="0"/>
                             <a:ea typeface="Calibri" panose="020F0502020204030204" pitchFamily="34" charset="0"/>
                             <a:cs typeface="Times New Roman" panose="02020603050405020304" pitchFamily="18" charset="0"/>
                           </a:rPr>
@@ -8053,6 +8345,7 @@
                               <a:srgbClr val="FF0000"/>
                             </a:solidFill>
                             <a:effectLst/>
+                            <a:latin typeface="Cambria Math" panose="02040503050406030204" pitchFamily="18" charset="0"/>
                             <a:ea typeface="Calibri" panose="020F0502020204030204" pitchFamily="34" charset="0"/>
                             <a:cs typeface="Times New Roman" panose="02020603050405020304" pitchFamily="18" charset="0"/>
                           </a:rPr>
@@ -8106,6 +8399,7 @@
                               <a:srgbClr val="FF0000"/>
                             </a:solidFill>
                             <a:effectLst/>
+                            <a:latin typeface="Cambria Math" panose="02040503050406030204" pitchFamily="18" charset="0"/>
                             <a:ea typeface="Calibri" panose="020F0502020204030204" pitchFamily="34" charset="0"/>
                             <a:cs typeface="Times New Roman" panose="02020603050405020304" pitchFamily="18" charset="0"/>
                           </a:rPr>
@@ -8118,6 +8412,7 @@
                               <a:srgbClr val="FF0000"/>
                             </a:solidFill>
                             <a:effectLst/>
+                            <a:latin typeface="Cambria Math" panose="02040503050406030204" pitchFamily="18" charset="0"/>
                             <a:ea typeface="Calibri" panose="020F0502020204030204" pitchFamily="34" charset="0"/>
                             <a:cs typeface="Times New Roman" panose="02020603050405020304" pitchFamily="18" charset="0"/>
                           </a:rPr>
@@ -8131,6 +8426,7 @@
                               <a:srgbClr val="FF0000"/>
                             </a:solidFill>
                             <a:effectLst/>
+                            <a:latin typeface="Cambria Math" panose="02040503050406030204" pitchFamily="18" charset="0"/>
                             <a:ea typeface="Calibri" panose="020F0502020204030204" pitchFamily="34" charset="0"/>
                             <a:cs typeface="Times New Roman" panose="02020603050405020304" pitchFamily="18" charset="0"/>
                           </a:rPr>
@@ -8144,6 +8440,7 @@
                           <a:srgbClr val="FF0000"/>
                         </a:solidFill>
                         <a:effectLst/>
+                        <a:latin typeface="Cambria Math" panose="02040503050406030204" pitchFamily="18" charset="0"/>
                         <a:ea typeface="Calibri" panose="020F0502020204030204" pitchFamily="34" charset="0"/>
                         <a:cs typeface="Times New Roman" panose="02020603050405020304" pitchFamily="18" charset="0"/>
                       </a:rPr>
@@ -8157,6 +8454,7 @@
                               <a:srgbClr val="FF0000"/>
                             </a:solidFill>
                             <a:effectLst/>
+                            <a:latin typeface="Cambria Math" panose="02040503050406030204" pitchFamily="18" charset="0"/>
                             <a:ea typeface="Calibri" panose="020F0502020204030204" pitchFamily="34" charset="0"/>
                             <a:cs typeface="Times New Roman" panose="02020603050405020304" pitchFamily="18" charset="0"/>
                           </a:rPr>
@@ -8169,6 +8467,7 @@
                               <a:srgbClr val="FF0000"/>
                             </a:solidFill>
                             <a:effectLst/>
+                            <a:latin typeface="Cambria Math" panose="02040503050406030204" pitchFamily="18" charset="0"/>
                             <a:ea typeface="Calibri" panose="020F0502020204030204" pitchFamily="34" charset="0"/>
                             <a:cs typeface="Times New Roman" panose="02020603050405020304" pitchFamily="18" charset="0"/>
                           </a:rPr>
@@ -8182,6 +8481,7 @@
                               <a:srgbClr val="FF0000"/>
                             </a:solidFill>
                             <a:effectLst/>
+                            <a:latin typeface="Cambria Math" panose="02040503050406030204" pitchFamily="18" charset="0"/>
                             <a:ea typeface="Calibri" panose="020F0502020204030204" pitchFamily="34" charset="0"/>
                             <a:cs typeface="Times New Roman" panose="02020603050405020304" pitchFamily="18" charset="0"/>
                           </a:rPr>
@@ -8195,6 +8495,7 @@
                           <a:srgbClr val="FF0000"/>
                         </a:solidFill>
                         <a:effectLst/>
+                        <a:latin typeface="Cambria Math" panose="02040503050406030204" pitchFamily="18" charset="0"/>
                         <a:ea typeface="Calibri" panose="020F0502020204030204" pitchFamily="34" charset="0"/>
                         <a:cs typeface="Times New Roman" panose="02020603050405020304" pitchFamily="18" charset="0"/>
                       </a:rPr>
@@ -8208,6 +8509,7 @@
                               <a:srgbClr val="FF0000"/>
                             </a:solidFill>
                             <a:effectLst/>
+                            <a:latin typeface="Cambria Math" panose="02040503050406030204" pitchFamily="18" charset="0"/>
                             <a:ea typeface="Calibri" panose="020F0502020204030204" pitchFamily="34" charset="0"/>
                             <a:cs typeface="Times New Roman" panose="02020603050405020304" pitchFamily="18" charset="0"/>
                           </a:rPr>
@@ -8220,6 +8522,7 @@
                               <a:srgbClr val="FF0000"/>
                             </a:solidFill>
                             <a:effectLst/>
+                            <a:latin typeface="Cambria Math" panose="02040503050406030204" pitchFamily="18" charset="0"/>
                             <a:ea typeface="Calibri" panose="020F0502020204030204" pitchFamily="34" charset="0"/>
                             <a:cs typeface="Times New Roman" panose="02020603050405020304" pitchFamily="18" charset="0"/>
                           </a:rPr>
@@ -8233,6 +8536,7 @@
                               <a:srgbClr val="FF0000"/>
                             </a:solidFill>
                             <a:effectLst/>
+                            <a:latin typeface="Cambria Math" panose="02040503050406030204" pitchFamily="18" charset="0"/>
                             <a:ea typeface="Calibri" panose="020F0502020204030204" pitchFamily="34" charset="0"/>
                             <a:cs typeface="Times New Roman" panose="02020603050405020304" pitchFamily="18" charset="0"/>
                           </a:rPr>
@@ -8598,7 +8902,7 @@
             </p:txBody>
           </p:sp>
         </mc:Choice>
-        <mc:Fallback>
+        <mc:Fallback xmlns="">
           <p:sp>
             <p:nvSpPr>
               <p:cNvPr id="8" name="TextBox 7">
@@ -8657,9 +8961,246 @@
 </file>
 
 <file path=ppt/theme/theme1.xml><?xml version="1.0" encoding="utf-8"?>
-<a:theme xmlns:a="http://schemas.openxmlformats.org/drawingml/2006/main" name="Retrospect">
+<a:theme xmlns:a="http://schemas.openxmlformats.org/drawingml/2006/main" name="Basis">
   <a:themeElements>
-    <a:clrScheme name="Retrospect">
+    <a:clrScheme name="Basis">
+      <a:dk1>
+        <a:srgbClr val="000000"/>
+      </a:dk1>
+      <a:lt1>
+        <a:srgbClr val="FFFFFF"/>
+      </a:lt1>
+      <a:dk2>
+        <a:srgbClr val="565349"/>
+      </a:dk2>
+      <a:lt2>
+        <a:srgbClr val="DDDDDD"/>
+      </a:lt2>
+      <a:accent1>
+        <a:srgbClr val="A6B727"/>
+      </a:accent1>
+      <a:accent2>
+        <a:srgbClr val="DF5327"/>
+      </a:accent2>
+      <a:accent3>
+        <a:srgbClr val="FE9E00"/>
+      </a:accent3>
+      <a:accent4>
+        <a:srgbClr val="418AB3"/>
+      </a:accent4>
+      <a:accent5>
+        <a:srgbClr val="D7D447"/>
+      </a:accent5>
+      <a:accent6>
+        <a:srgbClr val="818183"/>
+      </a:accent6>
+      <a:hlink>
+        <a:srgbClr val="F59E00"/>
+      </a:hlink>
+      <a:folHlink>
+        <a:srgbClr val="B2B2B2"/>
+      </a:folHlink>
+    </a:clrScheme>
+    <a:fontScheme name="Basis">
+      <a:majorFont>
+        <a:latin typeface="Corbel" panose="020B0503020204020204"/>
+        <a:ea typeface=""/>
+        <a:cs typeface=""/>
+        <a:font script="Jpan" typeface="ＭＳ ゴシック"/>
+        <a:font script="Hang" typeface="맑은 고딕"/>
+        <a:font script="Hans" typeface="宋体"/>
+        <a:font script="Hant" typeface="新細明體"/>
+        <a:font script="Arab" typeface="Tahoma"/>
+        <a:font script="Hebr" typeface="Gisha"/>
+        <a:font script="Thai" typeface="DilleniaUPC"/>
+        <a:font script="Ethi" typeface="Nyala"/>
+        <a:font script="Beng" typeface="Vrinda"/>
+        <a:font script="Gujr" typeface="Shruti"/>
+        <a:font script="Khmr" typeface="DaunPenh"/>
+        <a:font script="Knda" typeface="Tunga"/>
+        <a:font script="Guru" typeface="Raavi"/>
+        <a:font script="Cans" typeface="Euphemia"/>
+        <a:font script="Cher" typeface="Plantagenet Cherokee"/>
+        <a:font script="Yiii" typeface="Microsoft Yi Baiti"/>
+        <a:font script="Tibt" typeface="Microsoft Himalaya"/>
+        <a:font script="Thaa" typeface="MV Boli"/>
+        <a:font script="Deva" typeface="Mangal"/>
+        <a:font script="Telu" typeface="Gautami"/>
+        <a:font script="Taml" typeface="Latha"/>
+        <a:font script="Syrc" typeface="Estrangelo Edessa"/>
+        <a:font script="Orya" typeface="Kalinga"/>
+        <a:font script="Mlym" typeface="Kartika"/>
+        <a:font script="Laoo" typeface="DokChampa"/>
+        <a:font script="Sinh" typeface="Iskoola Pota"/>
+        <a:font script="Mong" typeface="Mongolian Baiti"/>
+        <a:font script="Viet" typeface="Tahoma"/>
+        <a:font script="Uigh" typeface="Microsoft Uighur"/>
+        <a:font script="Geor" typeface="Sylfaen"/>
+      </a:majorFont>
+      <a:minorFont>
+        <a:latin typeface="Corbel" panose="020B0503020204020204"/>
+        <a:ea typeface=""/>
+        <a:cs typeface=""/>
+        <a:font script="Jpan" typeface="ＭＳ ゴシック"/>
+        <a:font script="Hang" typeface="맑은 고딕"/>
+        <a:font script="Hans" typeface="宋体"/>
+        <a:font script="Hant" typeface="新細明體"/>
+        <a:font script="Arab" typeface="Tahoma"/>
+        <a:font script="Hebr" typeface="Gisha"/>
+        <a:font script="Thai" typeface="DilleniaUPC"/>
+        <a:font script="Ethi" typeface="Nyala"/>
+        <a:font script="Beng" typeface="Vrinda"/>
+        <a:font script="Gujr" typeface="Shruti"/>
+        <a:font script="Khmr" typeface="DaunPenh"/>
+        <a:font script="Knda" typeface="Tunga"/>
+        <a:font script="Guru" typeface="Raavi"/>
+        <a:font script="Cans" typeface="Euphemia"/>
+        <a:font script="Cher" typeface="Plantagenet Cherokee"/>
+        <a:font script="Yiii" typeface="Microsoft Yi Baiti"/>
+        <a:font script="Tibt" typeface="Microsoft Himalaya"/>
+        <a:font script="Thaa" typeface="MV Boli"/>
+        <a:font script="Deva" typeface="Mangal"/>
+        <a:font script="Telu" typeface="Gautami"/>
+        <a:font script="Taml" typeface="Latha"/>
+        <a:font script="Syrc" typeface="Estrangelo Edessa"/>
+        <a:font script="Orya" typeface="Kalinga"/>
+        <a:font script="Mlym" typeface="Kartika"/>
+        <a:font script="Laoo" typeface="DokChampa"/>
+        <a:font script="Sinh" typeface="Iskoola Pota"/>
+        <a:font script="Mong" typeface="Mongolian Baiti"/>
+        <a:font script="Viet" typeface="Verdana"/>
+        <a:font script="Uigh" typeface="Microsoft Uighur"/>
+        <a:font script="Geor" typeface="Sylfaen"/>
+      </a:minorFont>
+    </a:fontScheme>
+    <a:fmtScheme name="Basis">
+      <a:fillStyleLst>
+        <a:solidFill>
+          <a:schemeClr val="phClr"/>
+        </a:solidFill>
+        <a:solidFill>
+          <a:schemeClr val="phClr">
+            <a:tint val="55000"/>
+            <a:satMod val="130000"/>
+          </a:schemeClr>
+        </a:solidFill>
+        <a:gradFill rotWithShape="1">
+          <a:gsLst>
+            <a:gs pos="0">
+              <a:schemeClr val="phClr"/>
+            </a:gs>
+            <a:gs pos="90000">
+              <a:schemeClr val="phClr">
+                <a:shade val="100000"/>
+                <a:satMod val="105000"/>
+              </a:schemeClr>
+            </a:gs>
+            <a:gs pos="100000">
+              <a:schemeClr val="phClr">
+                <a:shade val="80000"/>
+                <a:satMod val="120000"/>
+              </a:schemeClr>
+            </a:gs>
+          </a:gsLst>
+          <a:path path="circle">
+            <a:fillToRect l="100000" t="100000" r="100000" b="100000"/>
+          </a:path>
+        </a:gradFill>
+      </a:fillStyleLst>
+      <a:lnStyleLst>
+        <a:ln w="10000" cap="flat" cmpd="sng" algn="ctr">
+          <a:solidFill>
+            <a:schemeClr val="phClr"/>
+          </a:solidFill>
+          <a:prstDash val="solid"/>
+        </a:ln>
+        <a:ln w="19050" cap="flat" cmpd="sng" algn="ctr">
+          <a:solidFill>
+            <a:schemeClr val="phClr"/>
+          </a:solidFill>
+          <a:prstDash val="solid"/>
+        </a:ln>
+        <a:ln w="53975" cap="flat" cmpd="dbl" algn="ctr">
+          <a:solidFill>
+            <a:schemeClr val="phClr"/>
+          </a:solidFill>
+          <a:prstDash val="solid"/>
+        </a:ln>
+      </a:lnStyleLst>
+      <a:effectStyleLst>
+        <a:effectStyle>
+          <a:effectLst/>
+        </a:effectStyle>
+        <a:effectStyle>
+          <a:effectLst>
+            <a:outerShdw blurRad="38100" dist="25400" dir="5400000" rotWithShape="0">
+              <a:srgbClr val="000000">
+                <a:alpha val="45000"/>
+              </a:srgbClr>
+            </a:outerShdw>
+          </a:effectLst>
+        </a:effectStyle>
+        <a:effectStyle>
+          <a:effectLst>
+            <a:outerShdw blurRad="38100" dist="25400" dir="5400000" rotWithShape="0">
+              <a:srgbClr val="000000">
+                <a:alpha val="45000"/>
+              </a:srgbClr>
+            </a:outerShdw>
+          </a:effectLst>
+          <a:scene3d>
+            <a:camera prst="orthographicFront">
+              <a:rot lat="0" lon="0" rev="0"/>
+            </a:camera>
+            <a:lightRig rig="brightRoom" dir="t"/>
+          </a:scene3d>
+          <a:sp3d extrusionH="12700" contourW="25400" prstMaterial="flat">
+            <a:bevelT w="63500" h="152400" prst="angle"/>
+            <a:contourClr>
+              <a:schemeClr val="phClr">
+                <a:shade val="27000"/>
+                <a:satMod val="120000"/>
+              </a:schemeClr>
+            </a:contourClr>
+          </a:sp3d>
+        </a:effectStyle>
+      </a:effectStyleLst>
+      <a:bgFillStyleLst>
+        <a:solidFill>
+          <a:schemeClr val="phClr"/>
+        </a:solidFill>
+        <a:solidFill>
+          <a:schemeClr val="phClr">
+            <a:tint val="95000"/>
+            <a:shade val="95000"/>
+            <a:satMod val="140000"/>
+          </a:schemeClr>
+        </a:solidFill>
+        <a:solidFill>
+          <a:schemeClr val="phClr">
+            <a:tint val="90000"/>
+            <a:shade val="85000"/>
+            <a:satMod val="160000"/>
+            <a:lumMod val="110000"/>
+          </a:schemeClr>
+        </a:solidFill>
+      </a:bgFillStyleLst>
+    </a:fmtScheme>
+  </a:themeElements>
+  <a:objectDefaults/>
+  <a:extraClrSchemeLst/>
+  <a:extLst>
+    <a:ext uri="{05A4C25C-085E-4340-85A3-A5531E510DB2}">
+      <thm15:themeFamily xmlns:thm15="http://schemas.microsoft.com/office/thememl/2012/main" name="Basis" id="{5665723A-49BA-4B57-8411-A56F8F207965}" vid="{ACC63D00-1EE0-4159-BF5A-6FF02000B710}"/>
+    </a:ext>
+  </a:extLst>
+</a:theme>
+</file>
+
+<file path=ppt/theme/theme2.xml><?xml version="1.0" encoding="utf-8"?>
+<a:theme xmlns:a="http://schemas.openxmlformats.org/drawingml/2006/main" name="Office Theme">
+  <a:themeElements>
+    <a:clrScheme name="Office">
       <a:dk1>
         <a:sysClr val="windowText" lastClr="000000"/>
       </a:dk1>
@@ -8667,44 +9208,44 @@
         <a:sysClr val="window" lastClr="FFFFFF"/>
       </a:lt1>
       <a:dk2>
-        <a:srgbClr val="344068"/>
+        <a:srgbClr val="44546A"/>
       </a:dk2>
       <a:lt2>
-        <a:srgbClr val="D9E0E6"/>
+        <a:srgbClr val="E7E6E6"/>
       </a:lt2>
       <a:accent1>
-        <a:srgbClr val="1CADE4"/>
+        <a:srgbClr val="4472C4"/>
       </a:accent1>
       <a:accent2>
-        <a:srgbClr val="2683C6"/>
+        <a:srgbClr val="ED7D31"/>
       </a:accent2>
       <a:accent3>
-        <a:srgbClr val="28C4CC"/>
+        <a:srgbClr val="A5A5A5"/>
       </a:accent3>
       <a:accent4>
-        <a:srgbClr val="42BA97"/>
+        <a:srgbClr val="FFC000"/>
       </a:accent4>
       <a:accent5>
-        <a:srgbClr val="3E8853"/>
+        <a:srgbClr val="5B9BD5"/>
       </a:accent5>
       <a:accent6>
-        <a:srgbClr val="62A39F"/>
+        <a:srgbClr val="70AD47"/>
       </a:accent6>
       <a:hlink>
-        <a:srgbClr val="6EAC1C"/>
+        <a:srgbClr val="0563C1"/>
       </a:hlink>
       <a:folHlink>
-        <a:srgbClr val="B26B02"/>
+        <a:srgbClr val="954F72"/>
       </a:folHlink>
     </a:clrScheme>
-    <a:fontScheme name="Retrospect">
+    <a:fontScheme name="Office">
       <a:majorFont>
         <a:latin typeface="Calibri Light" panose="020F0302020204030204"/>
         <a:ea typeface=""/>
         <a:cs typeface=""/>
-        <a:font script="Jpan" typeface="ＭＳ Ｐゴシック"/>
+        <a:font script="Jpan" typeface="游ゴシック Light"/>
         <a:font script="Hang" typeface="맑은 고딕"/>
-        <a:font script="Hans" typeface="宋体"/>
+        <a:font script="Hans" typeface="等线 Light"/>
         <a:font script="Hant" typeface="新細明體"/>
         <a:font script="Arab" typeface="Times New Roman"/>
         <a:font script="Hebr" typeface="Times New Roman"/>
@@ -8732,14 +9273,31 @@
         <a:font script="Viet" typeface="Times New Roman"/>
         <a:font script="Uigh" typeface="Microsoft Uighur"/>
         <a:font script="Geor" typeface="Sylfaen"/>
+        <a:font script="Armn" typeface="Arial"/>
+        <a:font script="Bugi" typeface="Leelawadee UI"/>
+        <a:font script="Bopo" typeface="Microsoft JhengHei"/>
+        <a:font script="Java" typeface="Javanese Text"/>
+        <a:font script="Lisu" typeface="Segoe UI"/>
+        <a:font script="Mymr" typeface="Myanmar Text"/>
+        <a:font script="Nkoo" typeface="Ebrima"/>
+        <a:font script="Olck" typeface="Nirmala UI"/>
+        <a:font script="Osma" typeface="Ebrima"/>
+        <a:font script="Phag" typeface="Phagspa"/>
+        <a:font script="Syrn" typeface="Estrangelo Edessa"/>
+        <a:font script="Syrj" typeface="Estrangelo Edessa"/>
+        <a:font script="Syre" typeface="Estrangelo Edessa"/>
+        <a:font script="Sora" typeface="Nirmala UI"/>
+        <a:font script="Tale" typeface="Microsoft Tai Le"/>
+        <a:font script="Talu" typeface="Microsoft New Tai Lue"/>
+        <a:font script="Tfng" typeface="Ebrima"/>
       </a:majorFont>
       <a:minorFont>
         <a:latin typeface="Calibri" panose="020F0502020204030204"/>
         <a:ea typeface=""/>
         <a:cs typeface=""/>
-        <a:font script="Jpan" typeface="ＭＳ Ｐゴシック"/>
+        <a:font script="Jpan" typeface="游ゴシック"/>
         <a:font script="Hang" typeface="맑은 고딕"/>
-        <a:font script="Hans" typeface="宋体"/>
+        <a:font script="Hans" typeface="等线"/>
         <a:font script="Hant" typeface="新細明體"/>
         <a:font script="Arab" typeface="Arial"/>
         <a:font script="Hebr" typeface="Arial"/>
@@ -8767,9 +9325,26 @@
         <a:font script="Viet" typeface="Arial"/>
         <a:font script="Uigh" typeface="Microsoft Uighur"/>
         <a:font script="Geor" typeface="Sylfaen"/>
+        <a:font script="Armn" typeface="Arial"/>
+        <a:font script="Bugi" typeface="Leelawadee UI"/>
+        <a:font script="Bopo" typeface="Microsoft JhengHei"/>
+        <a:font script="Java" typeface="Javanese Text"/>
+        <a:font script="Lisu" typeface="Segoe UI"/>
+        <a:font script="Mymr" typeface="Myanmar Text"/>
+        <a:font script="Nkoo" typeface="Ebrima"/>
+        <a:font script="Olck" typeface="Nirmala UI"/>
+        <a:font script="Osma" typeface="Ebrima"/>
+        <a:font script="Phag" typeface="Phagspa"/>
+        <a:font script="Syrn" typeface="Estrangelo Edessa"/>
+        <a:font script="Syrj" typeface="Estrangelo Edessa"/>
+        <a:font script="Syre" typeface="Estrangelo Edessa"/>
+        <a:font script="Sora" typeface="Nirmala UI"/>
+        <a:font script="Tale" typeface="Microsoft Tai Le"/>
+        <a:font script="Talu" typeface="Microsoft New Tai Lue"/>
+        <a:font script="Tfng" typeface="Ebrima"/>
       </a:minorFont>
     </a:fontScheme>
-    <a:fmtScheme name="Retrospect">
+    <a:fmtScheme name="Office">
       <a:fillStyleLst>
         <a:solidFill>
           <a:schemeClr val="phClr"/>
@@ -8778,81 +9353,76 @@
           <a:gsLst>
             <a:gs pos="0">
               <a:schemeClr val="phClr">
-                <a:tint val="65000"/>
-                <a:shade val="92000"/>
-                <a:satMod val="130000"/>
+                <a:lumMod val="110000"/>
+                <a:satMod val="105000"/>
+                <a:tint val="67000"/>
               </a:schemeClr>
             </a:gs>
-            <a:gs pos="45000">
+            <a:gs pos="50000">
               <a:schemeClr val="phClr">
-                <a:tint val="60000"/>
-                <a:shade val="99000"/>
-                <a:satMod val="120000"/>
+                <a:lumMod val="105000"/>
+                <a:satMod val="103000"/>
+                <a:tint val="73000"/>
               </a:schemeClr>
             </a:gs>
             <a:gs pos="100000">
               <a:schemeClr val="phClr">
-                <a:tint val="55000"/>
-                <a:satMod val="140000"/>
+                <a:lumMod val="105000"/>
+                <a:satMod val="109000"/>
+                <a:tint val="81000"/>
               </a:schemeClr>
             </a:gs>
           </a:gsLst>
-          <a:path path="circle">
-            <a:fillToRect l="100000" t="100000" r="100000" b="100000"/>
-          </a:path>
+          <a:lin ang="5400000" scaled="0"/>
         </a:gradFill>
         <a:gradFill rotWithShape="1">
           <a:gsLst>
             <a:gs pos="0">
               <a:schemeClr val="phClr">
-                <a:shade val="85000"/>
-                <a:satMod val="130000"/>
+                <a:satMod val="103000"/>
+                <a:lumMod val="102000"/>
+                <a:tint val="94000"/>
               </a:schemeClr>
             </a:gs>
-            <a:gs pos="34000">
+            <a:gs pos="50000">
               <a:schemeClr val="phClr">
-                <a:shade val="87000"/>
-                <a:satMod val="125000"/>
-              </a:schemeClr>
-            </a:gs>
-            <a:gs pos="70000">
-              <a:schemeClr val="phClr">
-                <a:tint val="100000"/>
-                <a:shade val="90000"/>
-                <a:satMod val="130000"/>
+                <a:satMod val="110000"/>
+                <a:lumMod val="100000"/>
+                <a:shade val="100000"/>
               </a:schemeClr>
             </a:gs>
             <a:gs pos="100000">
               <a:schemeClr val="phClr">
-                <a:tint val="100000"/>
-                <a:shade val="100000"/>
-                <a:satMod val="110000"/>
+                <a:lumMod val="99000"/>
+                <a:satMod val="120000"/>
+                <a:shade val="78000"/>
               </a:schemeClr>
             </a:gs>
           </a:gsLst>
-          <a:path path="circle">
-            <a:fillToRect l="100000" t="100000" r="100000" b="100000"/>
-          </a:path>
+          <a:lin ang="5400000" scaled="0"/>
         </a:gradFill>
       </a:fillStyleLst>
       <a:lnStyleLst>
+        <a:ln w="6350" cap="flat" cmpd="sng" algn="ctr">
+          <a:solidFill>
+            <a:schemeClr val="phClr"/>
+          </a:solidFill>
+          <a:prstDash val="solid"/>
+          <a:miter lim="800000"/>
+        </a:ln>
         <a:ln w="12700" cap="flat" cmpd="sng" algn="ctr">
           <a:solidFill>
             <a:schemeClr val="phClr"/>
           </a:solidFill>
           <a:prstDash val="solid"/>
+          <a:miter lim="800000"/>
         </a:ln>
-        <a:ln w="15875" cap="flat" cmpd="sng" algn="ctr">
+        <a:ln w="19050" cap="flat" cmpd="sng" algn="ctr">
           <a:solidFill>
             <a:schemeClr val="phClr"/>
           </a:solidFill>
           <a:prstDash val="solid"/>
-        </a:ln>
-        <a:ln w="25400" cap="flat" cmpd="sng" algn="ctr">
-          <a:solidFill>
-            <a:schemeClr val="phClr"/>
-          </a:solidFill>
-          <a:prstDash val="solid"/>
+          <a:miter lim="800000"/>
         </a:ln>
       </a:lnStyleLst>
       <a:effectStyleLst>
@@ -8860,33 +9430,16 @@
           <a:effectLst/>
         </a:effectStyle>
         <a:effectStyle>
+          <a:effectLst/>
+        </a:effectStyle>
+        <a:effectStyle>
           <a:effectLst>
-            <a:outerShdw blurRad="38100" dist="25400" dir="2700000" algn="br" rotWithShape="0">
+            <a:outerShdw blurRad="57150" dist="19050" dir="5400000" algn="ctr" rotWithShape="0">
               <a:srgbClr val="000000">
-                <a:alpha val="60000"/>
+                <a:alpha val="63000"/>
               </a:srgbClr>
             </a:outerShdw>
           </a:effectLst>
-        </a:effectStyle>
-        <a:effectStyle>
-          <a:effectLst>
-            <a:outerShdw blurRad="44450" dist="25400" dir="2700000" algn="br" rotWithShape="0">
-              <a:srgbClr val="000000">
-                <a:alpha val="60000"/>
-              </a:srgbClr>
-            </a:outerShdw>
-          </a:effectLst>
-          <a:scene3d>
-            <a:camera prst="orthographicFront">
-              <a:rot lat="0" lon="0" rev="0"/>
-            </a:camera>
-            <a:lightRig rig="threePt" dir="t">
-              <a:rot lat="0" lon="0" rev="19800000"/>
-            </a:lightRig>
-          </a:scene3d>
-          <a:sp3d prstMaterial="flat">
-            <a:bevelT w="25400" h="31750"/>
-          </a:sp3d>
         </a:effectStyle>
       </a:effectStyleLst>
       <a:bgFillStyleLst>
@@ -8895,36 +9448,36 @@
         </a:solidFill>
         <a:solidFill>
           <a:schemeClr val="phClr">
-            <a:tint val="90000"/>
-            <a:shade val="97000"/>
-            <a:satMod val="130000"/>
+            <a:tint val="95000"/>
+            <a:satMod val="170000"/>
           </a:schemeClr>
         </a:solidFill>
         <a:gradFill rotWithShape="1">
           <a:gsLst>
             <a:gs pos="0">
               <a:schemeClr val="phClr">
-                <a:tint val="96000"/>
-                <a:shade val="99000"/>
-                <a:satMod val="140000"/>
+                <a:tint val="93000"/>
+                <a:satMod val="150000"/>
+                <a:shade val="98000"/>
+                <a:lumMod val="102000"/>
               </a:schemeClr>
             </a:gs>
-            <a:gs pos="65000">
+            <a:gs pos="50000">
               <a:schemeClr val="phClr">
-                <a:tint val="100000"/>
-                <a:shade val="80000"/>
+                <a:tint val="98000"/>
                 <a:satMod val="130000"/>
+                <a:shade val="90000"/>
+                <a:lumMod val="103000"/>
               </a:schemeClr>
             </a:gs>
             <a:gs pos="100000">
               <a:schemeClr val="phClr">
-                <a:tint val="100000"/>
-                <a:shade val="48000"/>
+                <a:shade val="63000"/>
                 <a:satMod val="120000"/>
               </a:schemeClr>
             </a:gs>
           </a:gsLst>
-          <a:lin ang="16200000" scaled="0"/>
+          <a:lin ang="5400000" scaled="0"/>
         </a:gradFill>
       </a:bgFillStyleLst>
     </a:fmtScheme>
@@ -8933,7 +9486,302 @@
   <a:extraClrSchemeLst/>
   <a:extLst>
     <a:ext uri="{05A4C25C-085E-4340-85A3-A5531E510DB2}">
-      <thm15:themeFamily xmlns:thm15="http://schemas.microsoft.com/office/thememl/2012/main" name="Retrospect" id="{5F128B03-DCCA-4EEB-AB3B-CF2899314A46}" vid="{9CC26709-368C-4D72-9060-94E5B3FF3CD6}"/>
+      <thm15:themeFamily xmlns:thm15="http://schemas.microsoft.com/office/thememl/2012/main" name="Office Theme" id="{62F939B6-93AF-4DB8-9C6B-D6C7DFDC589F}" vid="{4A3C46E8-61CC-4603-A589-7422A47A8E4A}"/>
+    </a:ext>
+  </a:extLst>
+</a:theme>
+</file>
+
+<file path=ppt/theme/theme3.xml><?xml version="1.0" encoding="utf-8"?>
+<a:theme xmlns:a="http://schemas.openxmlformats.org/drawingml/2006/main" name="Office Theme">
+  <a:themeElements>
+    <a:clrScheme name="Office">
+      <a:dk1>
+        <a:sysClr val="windowText" lastClr="000000"/>
+      </a:dk1>
+      <a:lt1>
+        <a:sysClr val="window" lastClr="FFFFFF"/>
+      </a:lt1>
+      <a:dk2>
+        <a:srgbClr val="44546A"/>
+      </a:dk2>
+      <a:lt2>
+        <a:srgbClr val="E7E6E6"/>
+      </a:lt2>
+      <a:accent1>
+        <a:srgbClr val="4472C4"/>
+      </a:accent1>
+      <a:accent2>
+        <a:srgbClr val="ED7D31"/>
+      </a:accent2>
+      <a:accent3>
+        <a:srgbClr val="A5A5A5"/>
+      </a:accent3>
+      <a:accent4>
+        <a:srgbClr val="FFC000"/>
+      </a:accent4>
+      <a:accent5>
+        <a:srgbClr val="5B9BD5"/>
+      </a:accent5>
+      <a:accent6>
+        <a:srgbClr val="70AD47"/>
+      </a:accent6>
+      <a:hlink>
+        <a:srgbClr val="0563C1"/>
+      </a:hlink>
+      <a:folHlink>
+        <a:srgbClr val="954F72"/>
+      </a:folHlink>
+    </a:clrScheme>
+    <a:fontScheme name="Office">
+      <a:majorFont>
+        <a:latin typeface="Calibri Light" panose="020F0302020204030204"/>
+        <a:ea typeface=""/>
+        <a:cs typeface=""/>
+        <a:font script="Jpan" typeface="游ゴシック Light"/>
+        <a:font script="Hang" typeface="맑은 고딕"/>
+        <a:font script="Hans" typeface="等线 Light"/>
+        <a:font script="Hant" typeface="新細明體"/>
+        <a:font script="Arab" typeface="Times New Roman"/>
+        <a:font script="Hebr" typeface="Times New Roman"/>
+        <a:font script="Thai" typeface="Angsana New"/>
+        <a:font script="Ethi" typeface="Nyala"/>
+        <a:font script="Beng" typeface="Vrinda"/>
+        <a:font script="Gujr" typeface="Shruti"/>
+        <a:font script="Khmr" typeface="MoolBoran"/>
+        <a:font script="Knda" typeface="Tunga"/>
+        <a:font script="Guru" typeface="Raavi"/>
+        <a:font script="Cans" typeface="Euphemia"/>
+        <a:font script="Cher" typeface="Plantagenet Cherokee"/>
+        <a:font script="Yiii" typeface="Microsoft Yi Baiti"/>
+        <a:font script="Tibt" typeface="Microsoft Himalaya"/>
+        <a:font script="Thaa" typeface="MV Boli"/>
+        <a:font script="Deva" typeface="Mangal"/>
+        <a:font script="Telu" typeface="Gautami"/>
+        <a:font script="Taml" typeface="Latha"/>
+        <a:font script="Syrc" typeface="Estrangelo Edessa"/>
+        <a:font script="Orya" typeface="Kalinga"/>
+        <a:font script="Mlym" typeface="Kartika"/>
+        <a:font script="Laoo" typeface="DokChampa"/>
+        <a:font script="Sinh" typeface="Iskoola Pota"/>
+        <a:font script="Mong" typeface="Mongolian Baiti"/>
+        <a:font script="Viet" typeface="Times New Roman"/>
+        <a:font script="Uigh" typeface="Microsoft Uighur"/>
+        <a:font script="Geor" typeface="Sylfaen"/>
+        <a:font script="Armn" typeface="Arial"/>
+        <a:font script="Bugi" typeface="Leelawadee UI"/>
+        <a:font script="Bopo" typeface="Microsoft JhengHei"/>
+        <a:font script="Java" typeface="Javanese Text"/>
+        <a:font script="Lisu" typeface="Segoe UI"/>
+        <a:font script="Mymr" typeface="Myanmar Text"/>
+        <a:font script="Nkoo" typeface="Ebrima"/>
+        <a:font script="Olck" typeface="Nirmala UI"/>
+        <a:font script="Osma" typeface="Ebrima"/>
+        <a:font script="Phag" typeface="Phagspa"/>
+        <a:font script="Syrn" typeface="Estrangelo Edessa"/>
+        <a:font script="Syrj" typeface="Estrangelo Edessa"/>
+        <a:font script="Syre" typeface="Estrangelo Edessa"/>
+        <a:font script="Sora" typeface="Nirmala UI"/>
+        <a:font script="Tale" typeface="Microsoft Tai Le"/>
+        <a:font script="Talu" typeface="Microsoft New Tai Lue"/>
+        <a:font script="Tfng" typeface="Ebrima"/>
+      </a:majorFont>
+      <a:minorFont>
+        <a:latin typeface="Calibri" panose="020F0502020204030204"/>
+        <a:ea typeface=""/>
+        <a:cs typeface=""/>
+        <a:font script="Jpan" typeface="游ゴシック"/>
+        <a:font script="Hang" typeface="맑은 고딕"/>
+        <a:font script="Hans" typeface="等线"/>
+        <a:font script="Hant" typeface="新細明體"/>
+        <a:font script="Arab" typeface="Arial"/>
+        <a:font script="Hebr" typeface="Arial"/>
+        <a:font script="Thai" typeface="Cordia New"/>
+        <a:font script="Ethi" typeface="Nyala"/>
+        <a:font script="Beng" typeface="Vrinda"/>
+        <a:font script="Gujr" typeface="Shruti"/>
+        <a:font script="Khmr" typeface="DaunPenh"/>
+        <a:font script="Knda" typeface="Tunga"/>
+        <a:font script="Guru" typeface="Raavi"/>
+        <a:font script="Cans" typeface="Euphemia"/>
+        <a:font script="Cher" typeface="Plantagenet Cherokee"/>
+        <a:font script="Yiii" typeface="Microsoft Yi Baiti"/>
+        <a:font script="Tibt" typeface="Microsoft Himalaya"/>
+        <a:font script="Thaa" typeface="MV Boli"/>
+        <a:font script="Deva" typeface="Mangal"/>
+        <a:font script="Telu" typeface="Gautami"/>
+        <a:font script="Taml" typeface="Latha"/>
+        <a:font script="Syrc" typeface="Estrangelo Edessa"/>
+        <a:font script="Orya" typeface="Kalinga"/>
+        <a:font script="Mlym" typeface="Kartika"/>
+        <a:font script="Laoo" typeface="DokChampa"/>
+        <a:font script="Sinh" typeface="Iskoola Pota"/>
+        <a:font script="Mong" typeface="Mongolian Baiti"/>
+        <a:font script="Viet" typeface="Arial"/>
+        <a:font script="Uigh" typeface="Microsoft Uighur"/>
+        <a:font script="Geor" typeface="Sylfaen"/>
+        <a:font script="Armn" typeface="Arial"/>
+        <a:font script="Bugi" typeface="Leelawadee UI"/>
+        <a:font script="Bopo" typeface="Microsoft JhengHei"/>
+        <a:font script="Java" typeface="Javanese Text"/>
+        <a:font script="Lisu" typeface="Segoe UI"/>
+        <a:font script="Mymr" typeface="Myanmar Text"/>
+        <a:font script="Nkoo" typeface="Ebrima"/>
+        <a:font script="Olck" typeface="Nirmala UI"/>
+        <a:font script="Osma" typeface="Ebrima"/>
+        <a:font script="Phag" typeface="Phagspa"/>
+        <a:font script="Syrn" typeface="Estrangelo Edessa"/>
+        <a:font script="Syrj" typeface="Estrangelo Edessa"/>
+        <a:font script="Syre" typeface="Estrangelo Edessa"/>
+        <a:font script="Sora" typeface="Nirmala UI"/>
+        <a:font script="Tale" typeface="Microsoft Tai Le"/>
+        <a:font script="Talu" typeface="Microsoft New Tai Lue"/>
+        <a:font script="Tfng" typeface="Ebrima"/>
+      </a:minorFont>
+    </a:fontScheme>
+    <a:fmtScheme name="Office">
+      <a:fillStyleLst>
+        <a:solidFill>
+          <a:schemeClr val="phClr"/>
+        </a:solidFill>
+        <a:gradFill rotWithShape="1">
+          <a:gsLst>
+            <a:gs pos="0">
+              <a:schemeClr val="phClr">
+                <a:lumMod val="110000"/>
+                <a:satMod val="105000"/>
+                <a:tint val="67000"/>
+              </a:schemeClr>
+            </a:gs>
+            <a:gs pos="50000">
+              <a:schemeClr val="phClr">
+                <a:lumMod val="105000"/>
+                <a:satMod val="103000"/>
+                <a:tint val="73000"/>
+              </a:schemeClr>
+            </a:gs>
+            <a:gs pos="100000">
+              <a:schemeClr val="phClr">
+                <a:lumMod val="105000"/>
+                <a:satMod val="109000"/>
+                <a:tint val="81000"/>
+              </a:schemeClr>
+            </a:gs>
+          </a:gsLst>
+          <a:lin ang="5400000" scaled="0"/>
+        </a:gradFill>
+        <a:gradFill rotWithShape="1">
+          <a:gsLst>
+            <a:gs pos="0">
+              <a:schemeClr val="phClr">
+                <a:satMod val="103000"/>
+                <a:lumMod val="102000"/>
+                <a:tint val="94000"/>
+              </a:schemeClr>
+            </a:gs>
+            <a:gs pos="50000">
+              <a:schemeClr val="phClr">
+                <a:satMod val="110000"/>
+                <a:lumMod val="100000"/>
+                <a:shade val="100000"/>
+              </a:schemeClr>
+            </a:gs>
+            <a:gs pos="100000">
+              <a:schemeClr val="phClr">
+                <a:lumMod val="99000"/>
+                <a:satMod val="120000"/>
+                <a:shade val="78000"/>
+              </a:schemeClr>
+            </a:gs>
+          </a:gsLst>
+          <a:lin ang="5400000" scaled="0"/>
+        </a:gradFill>
+      </a:fillStyleLst>
+      <a:lnStyleLst>
+        <a:ln w="6350" cap="flat" cmpd="sng" algn="ctr">
+          <a:solidFill>
+            <a:schemeClr val="phClr"/>
+          </a:solidFill>
+          <a:prstDash val="solid"/>
+          <a:miter lim="800000"/>
+        </a:ln>
+        <a:ln w="12700" cap="flat" cmpd="sng" algn="ctr">
+          <a:solidFill>
+            <a:schemeClr val="phClr"/>
+          </a:solidFill>
+          <a:prstDash val="solid"/>
+          <a:miter lim="800000"/>
+        </a:ln>
+        <a:ln w="19050" cap="flat" cmpd="sng" algn="ctr">
+          <a:solidFill>
+            <a:schemeClr val="phClr"/>
+          </a:solidFill>
+          <a:prstDash val="solid"/>
+          <a:miter lim="800000"/>
+        </a:ln>
+      </a:lnStyleLst>
+      <a:effectStyleLst>
+        <a:effectStyle>
+          <a:effectLst/>
+        </a:effectStyle>
+        <a:effectStyle>
+          <a:effectLst/>
+        </a:effectStyle>
+        <a:effectStyle>
+          <a:effectLst>
+            <a:outerShdw blurRad="57150" dist="19050" dir="5400000" algn="ctr" rotWithShape="0">
+              <a:srgbClr val="000000">
+                <a:alpha val="63000"/>
+              </a:srgbClr>
+            </a:outerShdw>
+          </a:effectLst>
+        </a:effectStyle>
+      </a:effectStyleLst>
+      <a:bgFillStyleLst>
+        <a:solidFill>
+          <a:schemeClr val="phClr"/>
+        </a:solidFill>
+        <a:solidFill>
+          <a:schemeClr val="phClr">
+            <a:tint val="95000"/>
+            <a:satMod val="170000"/>
+          </a:schemeClr>
+        </a:solidFill>
+        <a:gradFill rotWithShape="1">
+          <a:gsLst>
+            <a:gs pos="0">
+              <a:schemeClr val="phClr">
+                <a:tint val="93000"/>
+                <a:satMod val="150000"/>
+                <a:shade val="98000"/>
+                <a:lumMod val="102000"/>
+              </a:schemeClr>
+            </a:gs>
+            <a:gs pos="50000">
+              <a:schemeClr val="phClr">
+                <a:tint val="98000"/>
+                <a:satMod val="130000"/>
+                <a:shade val="90000"/>
+                <a:lumMod val="103000"/>
+              </a:schemeClr>
+            </a:gs>
+            <a:gs pos="100000">
+              <a:schemeClr val="phClr">
+                <a:shade val="63000"/>
+                <a:satMod val="120000"/>
+              </a:schemeClr>
+            </a:gs>
+          </a:gsLst>
+          <a:lin ang="5400000" scaled="0"/>
+        </a:gradFill>
+      </a:bgFillStyleLst>
+    </a:fmtScheme>
+  </a:themeElements>
+  <a:objectDefaults/>
+  <a:extraClrSchemeLst/>
+  <a:extLst>
+    <a:ext uri="{05A4C25C-085E-4340-85A3-A5531E510DB2}">
+      <thm15:themeFamily xmlns:thm15="http://schemas.microsoft.com/office/thememl/2012/main" name="Office Theme" id="{62F939B6-93AF-4DB8-9C6B-D6C7DFDC589F}" vid="{4A3C46E8-61CC-4603-A589-7422A47A8E4A}"/>
     </a:ext>
   </a:extLst>
 </a:theme>
